--- a/11 $http/$http.pptx
+++ b/11 $http/$http.pptx
@@ -5,28 +5,19 @@
     <p:sldMasterId id="2147483648" r:id="rId1"/>
   </p:sldMasterIdLst>
   <p:notesMasterIdLst>
-    <p:notesMasterId r:id="rId18"/>
+    <p:notesMasterId r:id="rId9"/>
   </p:notesMasterIdLst>
   <p:handoutMasterIdLst>
-    <p:handoutMasterId r:id="rId19"/>
+    <p:handoutMasterId r:id="rId10"/>
   </p:handoutMasterIdLst>
   <p:sldIdLst>
     <p:sldId id="339" r:id="rId2"/>
     <p:sldId id="458" r:id="rId3"/>
-    <p:sldId id="469" r:id="rId4"/>
-    <p:sldId id="444" r:id="rId5"/>
-    <p:sldId id="468" r:id="rId6"/>
-    <p:sldId id="455" r:id="rId7"/>
-    <p:sldId id="459" r:id="rId8"/>
-    <p:sldId id="461" r:id="rId9"/>
-    <p:sldId id="463" r:id="rId10"/>
-    <p:sldId id="456" r:id="rId11"/>
-    <p:sldId id="473" r:id="rId12"/>
-    <p:sldId id="474" r:id="rId13"/>
-    <p:sldId id="475" r:id="rId14"/>
-    <p:sldId id="470" r:id="rId15"/>
-    <p:sldId id="477" r:id="rId16"/>
-    <p:sldId id="479" r:id="rId17"/>
+    <p:sldId id="481" r:id="rId4"/>
+    <p:sldId id="482" r:id="rId5"/>
+    <p:sldId id="483" r:id="rId6"/>
+    <p:sldId id="484" r:id="rId7"/>
+    <p:sldId id="485" r:id="rId8"/>
   </p:sldIdLst>
   <p:sldSz cx="9144000" cy="6858000" type="screen4x3"/>
   <p:notesSz cx="7104063" cy="10234613"/>
@@ -297,7 +288,7 @@
             <a:fld id="{87731427-D242-475D-9180-8940013A50B8}" type="datetimeFigureOut">
               <a:rPr lang="en-GB" smtClean="0"/>
               <a:pPr algn="l"/>
-              <a:t>22/11/2016</a:t>
+              <a:t>16/03/2017</a:t>
             </a:fld>
             <a:endParaRPr lang="en-GB" dirty="0"/>
           </a:p>
@@ -502,7 +493,7 @@
             <a:fld id="{BA521D56-F1F4-41A0-82EB-989F4F6F400D}" type="datetimeFigureOut">
               <a:rPr lang="fr-FR" smtClean="0"/>
               <a:pPr/>
-              <a:t>22/11/2016</a:t>
+              <a:t>16/03/2017</a:t>
             </a:fld>
             <a:endParaRPr lang="fr-FR"/>
           </a:p>
@@ -1030,7 +1021,7 @@
             <a:fld id="{973B10A7-8A2B-4F39-8160-83B51E5E9C07}" type="datetime1">
               <a:rPr lang="fr-FR" smtClean="0"/>
               <a:pPr/>
-              <a:t>22/11/2016</a:t>
+              <a:t>16/03/2017</a:t>
             </a:fld>
             <a:endParaRPr lang="fr-FR"/>
           </a:p>
@@ -1093,80 +1084,7 @@
           <a:bodyPr/>
           <a:lstStyle/>
           <a:p>
-            <a:r>
-              <a:rPr lang="fr-FR" dirty="0"/>
-              <a:t>var </a:t>
-            </a:r>
-            <a:r>
-              <a:rPr lang="fr-FR" dirty="0" err="1"/>
-              <a:t>req</a:t>
-            </a:r>
-            <a:r>
-              <a:rPr lang="fr-FR" dirty="0"/>
-              <a:t> = { </a:t>
-            </a:r>
-            <a:r>
-              <a:rPr lang="fr-FR" dirty="0" err="1"/>
-              <a:t>method</a:t>
-            </a:r>
-            <a:r>
-              <a:rPr lang="fr-FR" dirty="0"/>
-              <a:t>: 'POST', url: 'http://example.com', headers: { 'Content-Type': </a:t>
-            </a:r>
-            <a:r>
-              <a:rPr lang="fr-FR" dirty="0" err="1"/>
-              <a:t>undefined</a:t>
-            </a:r>
-            <a:r>
-              <a:rPr lang="fr-FR" dirty="0"/>
-              <a:t> }, data: { test: 'test' } } </a:t>
-            </a:r>
-          </a:p>
-          <a:p>
-            <a:r>
-              <a:rPr lang="fr-FR" dirty="0"/>
-              <a:t>$http(</a:t>
-            </a:r>
-            <a:r>
-              <a:rPr lang="fr-FR" dirty="0" err="1"/>
-              <a:t>req</a:t>
-            </a:r>
-            <a:r>
-              <a:rPr lang="fr-FR" dirty="0"/>
-              <a:t>).</a:t>
-            </a:r>
-            <a:r>
-              <a:rPr lang="fr-FR" dirty="0" err="1"/>
-              <a:t>success</a:t>
-            </a:r>
-            <a:r>
-              <a:rPr lang="fr-FR" dirty="0"/>
-              <a:t>(</a:t>
-            </a:r>
-            <a:r>
-              <a:rPr lang="fr-FR" dirty="0" err="1"/>
-              <a:t>function</a:t>
-            </a:r>
-            <a:r>
-              <a:rPr lang="fr-FR" dirty="0"/>
-              <a:t>(){...}).</a:t>
-            </a:r>
-            <a:r>
-              <a:rPr lang="fr-FR" dirty="0" err="1"/>
-              <a:t>error</a:t>
-            </a:r>
-            <a:r>
-              <a:rPr lang="fr-FR" dirty="0"/>
-              <a:t>(</a:t>
-            </a:r>
-            <a:r>
-              <a:rPr lang="fr-FR" dirty="0" err="1"/>
-              <a:t>function</a:t>
-            </a:r>
-            <a:r>
-              <a:rPr lang="fr-FR" dirty="0"/>
-              <a:t>(){...});</a:t>
-            </a:r>
+            <a:endParaRPr lang="fr-FR"/>
           </a:p>
         </p:txBody>
       </p:sp>
@@ -1215,7 +1133,7 @@
             <a:fld id="{305287CA-3E72-4A91-B59B-B69F40801570}" type="slidenum">
               <a:rPr lang="en-GB" sz="1100" smtClean="0"/>
               <a:pPr/>
-              <a:t>4</a:t>
+              <a:t>3</a:t>
             </a:fld>
             <a:endParaRPr lang="en-GB" sz="1100" dirty="0"/>
           </a:p>
@@ -1239,7 +1157,7 @@
             <a:fld id="{973B10A7-8A2B-4F39-8160-83B51E5E9C07}" type="datetime1">
               <a:rPr lang="fr-FR" smtClean="0"/>
               <a:pPr/>
-              <a:t>22/11/2016</a:t>
+              <a:t>16/03/2017</a:t>
             </a:fld>
             <a:endParaRPr lang="fr-FR"/>
           </a:p>
@@ -1248,7 +1166,7 @@
     </p:spTree>
     <p:extLst>
       <p:ext uri="{BB962C8B-B14F-4D97-AF65-F5344CB8AC3E}">
-        <p14:creationId xmlns:p14="http://schemas.microsoft.com/office/powerpoint/2010/main" val="185757619"/>
+        <p14:creationId xmlns:p14="http://schemas.microsoft.com/office/powerpoint/2010/main" val="3649104793"/>
       </p:ext>
     </p:extLst>
   </p:cSld>
@@ -1351,7 +1269,7 @@
             <a:fld id="{305287CA-3E72-4A91-B59B-B69F40801570}" type="slidenum">
               <a:rPr lang="en-GB" sz="1100" smtClean="0"/>
               <a:pPr/>
-              <a:t>5</a:t>
+              <a:t>4</a:t>
             </a:fld>
             <a:endParaRPr lang="en-GB" sz="1100" dirty="0"/>
           </a:p>
@@ -1375,7 +1293,7 @@
             <a:fld id="{973B10A7-8A2B-4F39-8160-83B51E5E9C07}" type="datetime1">
               <a:rPr lang="fr-FR" smtClean="0"/>
               <a:pPr/>
-              <a:t>22/11/2016</a:t>
+              <a:t>16/03/2017</a:t>
             </a:fld>
             <a:endParaRPr lang="fr-FR"/>
           </a:p>
@@ -1384,7 +1302,7 @@
     </p:spTree>
     <p:extLst>
       <p:ext uri="{BB962C8B-B14F-4D97-AF65-F5344CB8AC3E}">
-        <p14:creationId xmlns:p14="http://schemas.microsoft.com/office/powerpoint/2010/main" val="185757619"/>
+        <p14:creationId xmlns:p14="http://schemas.microsoft.com/office/powerpoint/2010/main" val="4285594241"/>
       </p:ext>
     </p:extLst>
   </p:cSld>
@@ -1487,7 +1405,7 @@
             <a:fld id="{305287CA-3E72-4A91-B59B-B69F40801570}" type="slidenum">
               <a:rPr lang="en-GB" sz="1100" smtClean="0"/>
               <a:pPr/>
-              <a:t>6</a:t>
+              <a:t>5</a:t>
             </a:fld>
             <a:endParaRPr lang="en-GB" sz="1100" dirty="0"/>
           </a:p>
@@ -1511,7 +1429,7 @@
             <a:fld id="{973B10A7-8A2B-4F39-8160-83B51E5E9C07}" type="datetime1">
               <a:rPr lang="fr-FR" smtClean="0"/>
               <a:pPr/>
-              <a:t>22/11/2016</a:t>
+              <a:t>16/03/2017</a:t>
             </a:fld>
             <a:endParaRPr lang="fr-FR"/>
           </a:p>
@@ -1520,551 +1438,7 @@
     </p:spTree>
     <p:extLst>
       <p:ext uri="{BB962C8B-B14F-4D97-AF65-F5344CB8AC3E}">
-        <p14:creationId xmlns:p14="http://schemas.microsoft.com/office/powerpoint/2010/main" val="185757619"/>
-      </p:ext>
-    </p:extLst>
-  </p:cSld>
-  <p:clrMapOvr>
-    <a:masterClrMapping/>
-  </p:clrMapOvr>
-</p:notes>
-</file>
-
-<file path=ppt/notesSlides/notesSlide5.xml><?xml version="1.0" encoding="utf-8"?>
-<p:notes xmlns:a="http://schemas.openxmlformats.org/drawingml/2006/main" xmlns:r="http://schemas.openxmlformats.org/officeDocument/2006/relationships" xmlns:p="http://schemas.openxmlformats.org/presentationml/2006/main">
-  <p:cSld>
-    <p:spTree>
-      <p:nvGrpSpPr>
-        <p:cNvPr id="1" name=""/>
-        <p:cNvGrpSpPr/>
-        <p:nvPr/>
-      </p:nvGrpSpPr>
-      <p:grpSpPr>
-        <a:xfrm>
-          <a:off x="0" y="0"/>
-          <a:ext cx="0" cy="0"/>
-          <a:chOff x="0" y="0"/>
-          <a:chExt cx="0" cy="0"/>
-        </a:xfrm>
-      </p:grpSpPr>
-      <p:sp>
-        <p:nvSpPr>
-          <p:cNvPr id="10" name="Espace réservé de l'image des diapositives 9"/>
-          <p:cNvSpPr>
-            <a:spLocks noGrp="1" noRot="1" noChangeAspect="1"/>
-          </p:cNvSpPr>
-          <p:nvPr>
-            <p:ph type="sldImg"/>
-          </p:nvPr>
-        </p:nvSpPr>
-        <p:spPr/>
-      </p:sp>
-      <p:sp>
-        <p:nvSpPr>
-          <p:cNvPr id="11" name="Espace réservé des commentaires 10"/>
-          <p:cNvSpPr>
-            <a:spLocks noGrp="1"/>
-          </p:cNvSpPr>
-          <p:nvPr>
-            <p:ph type="body" idx="1"/>
-          </p:nvPr>
-        </p:nvSpPr>
-        <p:spPr/>
-        <p:txBody>
-          <a:bodyPr/>
-          <a:lstStyle/>
-          <a:p>
-            <a:endParaRPr lang="fr-FR"/>
-          </a:p>
-        </p:txBody>
-      </p:sp>
-      <p:sp>
-        <p:nvSpPr>
-          <p:cNvPr id="14" name="Espace réservé du pied de page 13"/>
-          <p:cNvSpPr>
-            <a:spLocks noGrp="1"/>
-          </p:cNvSpPr>
-          <p:nvPr>
-            <p:ph type="ftr" sz="quarter" idx="12"/>
-          </p:nvPr>
-        </p:nvSpPr>
-        <p:spPr/>
-        <p:txBody>
-          <a:bodyPr/>
-          <a:lstStyle/>
-          <a:p>
-            <a:r>
-              <a:rPr lang="en-GB" sz="1100" dirty="0"/>
-              <a:t>Titre de la </a:t>
-            </a:r>
-            <a:r>
-              <a:rPr lang="en-GB" sz="1100" dirty="0" err="1"/>
-              <a:t>présentation</a:t>
-            </a:r>
-            <a:endParaRPr lang="en-GB" sz="1100" dirty="0"/>
-          </a:p>
-        </p:txBody>
-      </p:sp>
-      <p:sp>
-        <p:nvSpPr>
-          <p:cNvPr id="15" name="Espace réservé du numéro de diapositive 14"/>
-          <p:cNvSpPr>
-            <a:spLocks noGrp="1"/>
-          </p:cNvSpPr>
-          <p:nvPr>
-            <p:ph type="sldNum" sz="quarter" idx="13"/>
-          </p:nvPr>
-        </p:nvSpPr>
-        <p:spPr/>
-        <p:txBody>
-          <a:bodyPr/>
-          <a:lstStyle/>
-          <a:p>
-            <a:fld id="{305287CA-3E72-4A91-B59B-B69F40801570}" type="slidenum">
-              <a:rPr lang="en-GB" sz="1100" smtClean="0"/>
-              <a:pPr/>
-              <a:t>7</a:t>
-            </a:fld>
-            <a:endParaRPr lang="en-GB" sz="1100" dirty="0"/>
-          </a:p>
-        </p:txBody>
-      </p:sp>
-      <p:sp>
-        <p:nvSpPr>
-          <p:cNvPr id="2" name="Espace réservé de la date 1"/>
-          <p:cNvSpPr>
-            <a:spLocks noGrp="1"/>
-          </p:cNvSpPr>
-          <p:nvPr>
-            <p:ph type="dt" idx="14"/>
-          </p:nvPr>
-        </p:nvSpPr>
-        <p:spPr/>
-        <p:txBody>
-          <a:bodyPr/>
-          <a:lstStyle/>
-          <a:p>
-            <a:fld id="{973B10A7-8A2B-4F39-8160-83B51E5E9C07}" type="datetime1">
-              <a:rPr lang="fr-FR" smtClean="0"/>
-              <a:pPr/>
-              <a:t>22/11/2016</a:t>
-            </a:fld>
-            <a:endParaRPr lang="fr-FR"/>
-          </a:p>
-        </p:txBody>
-      </p:sp>
-    </p:spTree>
-    <p:extLst>
-      <p:ext uri="{BB962C8B-B14F-4D97-AF65-F5344CB8AC3E}">
-        <p14:creationId xmlns:p14="http://schemas.microsoft.com/office/powerpoint/2010/main" val="185757619"/>
-      </p:ext>
-    </p:extLst>
-  </p:cSld>
-  <p:clrMapOvr>
-    <a:masterClrMapping/>
-  </p:clrMapOvr>
-</p:notes>
-</file>
-
-<file path=ppt/notesSlides/notesSlide6.xml><?xml version="1.0" encoding="utf-8"?>
-<p:notes xmlns:a="http://schemas.openxmlformats.org/drawingml/2006/main" xmlns:r="http://schemas.openxmlformats.org/officeDocument/2006/relationships" xmlns:p="http://schemas.openxmlformats.org/presentationml/2006/main">
-  <p:cSld>
-    <p:spTree>
-      <p:nvGrpSpPr>
-        <p:cNvPr id="1" name=""/>
-        <p:cNvGrpSpPr/>
-        <p:nvPr/>
-      </p:nvGrpSpPr>
-      <p:grpSpPr>
-        <a:xfrm>
-          <a:off x="0" y="0"/>
-          <a:ext cx="0" cy="0"/>
-          <a:chOff x="0" y="0"/>
-          <a:chExt cx="0" cy="0"/>
-        </a:xfrm>
-      </p:grpSpPr>
-      <p:sp>
-        <p:nvSpPr>
-          <p:cNvPr id="10" name="Espace réservé de l'image des diapositives 9"/>
-          <p:cNvSpPr>
-            <a:spLocks noGrp="1" noRot="1" noChangeAspect="1"/>
-          </p:cNvSpPr>
-          <p:nvPr>
-            <p:ph type="sldImg"/>
-          </p:nvPr>
-        </p:nvSpPr>
-        <p:spPr/>
-      </p:sp>
-      <p:sp>
-        <p:nvSpPr>
-          <p:cNvPr id="11" name="Espace réservé des commentaires 10"/>
-          <p:cNvSpPr>
-            <a:spLocks noGrp="1"/>
-          </p:cNvSpPr>
-          <p:nvPr>
-            <p:ph type="body" idx="1"/>
-          </p:nvPr>
-        </p:nvSpPr>
-        <p:spPr/>
-        <p:txBody>
-          <a:bodyPr/>
-          <a:lstStyle/>
-          <a:p>
-            <a:endParaRPr lang="fr-FR"/>
-          </a:p>
-        </p:txBody>
-      </p:sp>
-      <p:sp>
-        <p:nvSpPr>
-          <p:cNvPr id="14" name="Espace réservé du pied de page 13"/>
-          <p:cNvSpPr>
-            <a:spLocks noGrp="1"/>
-          </p:cNvSpPr>
-          <p:nvPr>
-            <p:ph type="ftr" sz="quarter" idx="12"/>
-          </p:nvPr>
-        </p:nvSpPr>
-        <p:spPr/>
-        <p:txBody>
-          <a:bodyPr/>
-          <a:lstStyle/>
-          <a:p>
-            <a:r>
-              <a:rPr lang="en-GB" sz="1100" dirty="0"/>
-              <a:t>Titre de la </a:t>
-            </a:r>
-            <a:r>
-              <a:rPr lang="en-GB" sz="1100" dirty="0" err="1"/>
-              <a:t>présentation</a:t>
-            </a:r>
-            <a:endParaRPr lang="en-GB" sz="1100" dirty="0"/>
-          </a:p>
-        </p:txBody>
-      </p:sp>
-      <p:sp>
-        <p:nvSpPr>
-          <p:cNvPr id="15" name="Espace réservé du numéro de diapositive 14"/>
-          <p:cNvSpPr>
-            <a:spLocks noGrp="1"/>
-          </p:cNvSpPr>
-          <p:nvPr>
-            <p:ph type="sldNum" sz="quarter" idx="13"/>
-          </p:nvPr>
-        </p:nvSpPr>
-        <p:spPr/>
-        <p:txBody>
-          <a:bodyPr/>
-          <a:lstStyle/>
-          <a:p>
-            <a:fld id="{305287CA-3E72-4A91-B59B-B69F40801570}" type="slidenum">
-              <a:rPr lang="en-GB" sz="1100" smtClean="0"/>
-              <a:pPr/>
-              <a:t>8</a:t>
-            </a:fld>
-            <a:endParaRPr lang="en-GB" sz="1100" dirty="0"/>
-          </a:p>
-        </p:txBody>
-      </p:sp>
-      <p:sp>
-        <p:nvSpPr>
-          <p:cNvPr id="2" name="Espace réservé de la date 1"/>
-          <p:cNvSpPr>
-            <a:spLocks noGrp="1"/>
-          </p:cNvSpPr>
-          <p:nvPr>
-            <p:ph type="dt" idx="14"/>
-          </p:nvPr>
-        </p:nvSpPr>
-        <p:spPr/>
-        <p:txBody>
-          <a:bodyPr/>
-          <a:lstStyle/>
-          <a:p>
-            <a:fld id="{973B10A7-8A2B-4F39-8160-83B51E5E9C07}" type="datetime1">
-              <a:rPr lang="fr-FR" smtClean="0"/>
-              <a:pPr/>
-              <a:t>22/11/2016</a:t>
-            </a:fld>
-            <a:endParaRPr lang="fr-FR"/>
-          </a:p>
-        </p:txBody>
-      </p:sp>
-    </p:spTree>
-    <p:extLst>
-      <p:ext uri="{BB962C8B-B14F-4D97-AF65-F5344CB8AC3E}">
-        <p14:creationId xmlns:p14="http://schemas.microsoft.com/office/powerpoint/2010/main" val="185757619"/>
-      </p:ext>
-    </p:extLst>
-  </p:cSld>
-  <p:clrMapOvr>
-    <a:masterClrMapping/>
-  </p:clrMapOvr>
-</p:notes>
-</file>
-
-<file path=ppt/notesSlides/notesSlide7.xml><?xml version="1.0" encoding="utf-8"?>
-<p:notes xmlns:a="http://schemas.openxmlformats.org/drawingml/2006/main" xmlns:r="http://schemas.openxmlformats.org/officeDocument/2006/relationships" xmlns:p="http://schemas.openxmlformats.org/presentationml/2006/main">
-  <p:cSld>
-    <p:spTree>
-      <p:nvGrpSpPr>
-        <p:cNvPr id="1" name=""/>
-        <p:cNvGrpSpPr/>
-        <p:nvPr/>
-      </p:nvGrpSpPr>
-      <p:grpSpPr>
-        <a:xfrm>
-          <a:off x="0" y="0"/>
-          <a:ext cx="0" cy="0"/>
-          <a:chOff x="0" y="0"/>
-          <a:chExt cx="0" cy="0"/>
-        </a:xfrm>
-      </p:grpSpPr>
-      <p:sp>
-        <p:nvSpPr>
-          <p:cNvPr id="10" name="Espace réservé de l'image des diapositives 9"/>
-          <p:cNvSpPr>
-            <a:spLocks noGrp="1" noRot="1" noChangeAspect="1"/>
-          </p:cNvSpPr>
-          <p:nvPr>
-            <p:ph type="sldImg"/>
-          </p:nvPr>
-        </p:nvSpPr>
-        <p:spPr/>
-      </p:sp>
-      <p:sp>
-        <p:nvSpPr>
-          <p:cNvPr id="11" name="Espace réservé des commentaires 10"/>
-          <p:cNvSpPr>
-            <a:spLocks noGrp="1"/>
-          </p:cNvSpPr>
-          <p:nvPr>
-            <p:ph type="body" idx="1"/>
-          </p:nvPr>
-        </p:nvSpPr>
-        <p:spPr/>
-        <p:txBody>
-          <a:bodyPr/>
-          <a:lstStyle/>
-          <a:p>
-            <a:endParaRPr lang="fr-FR"/>
-          </a:p>
-        </p:txBody>
-      </p:sp>
-      <p:sp>
-        <p:nvSpPr>
-          <p:cNvPr id="14" name="Espace réservé du pied de page 13"/>
-          <p:cNvSpPr>
-            <a:spLocks noGrp="1"/>
-          </p:cNvSpPr>
-          <p:nvPr>
-            <p:ph type="ftr" sz="quarter" idx="12"/>
-          </p:nvPr>
-        </p:nvSpPr>
-        <p:spPr/>
-        <p:txBody>
-          <a:bodyPr/>
-          <a:lstStyle/>
-          <a:p>
-            <a:r>
-              <a:rPr lang="en-GB" sz="1100" dirty="0"/>
-              <a:t>Titre de la </a:t>
-            </a:r>
-            <a:r>
-              <a:rPr lang="en-GB" sz="1100" dirty="0" err="1"/>
-              <a:t>présentation</a:t>
-            </a:r>
-            <a:endParaRPr lang="en-GB" sz="1100" dirty="0"/>
-          </a:p>
-        </p:txBody>
-      </p:sp>
-      <p:sp>
-        <p:nvSpPr>
-          <p:cNvPr id="15" name="Espace réservé du numéro de diapositive 14"/>
-          <p:cNvSpPr>
-            <a:spLocks noGrp="1"/>
-          </p:cNvSpPr>
-          <p:nvPr>
-            <p:ph type="sldNum" sz="quarter" idx="13"/>
-          </p:nvPr>
-        </p:nvSpPr>
-        <p:spPr/>
-        <p:txBody>
-          <a:bodyPr/>
-          <a:lstStyle/>
-          <a:p>
-            <a:fld id="{305287CA-3E72-4A91-B59B-B69F40801570}" type="slidenum">
-              <a:rPr lang="en-GB" sz="1100" smtClean="0"/>
-              <a:pPr/>
-              <a:t>15</a:t>
-            </a:fld>
-            <a:endParaRPr lang="en-GB" sz="1100" dirty="0"/>
-          </a:p>
-        </p:txBody>
-      </p:sp>
-      <p:sp>
-        <p:nvSpPr>
-          <p:cNvPr id="2" name="Espace réservé de la date 1"/>
-          <p:cNvSpPr>
-            <a:spLocks noGrp="1"/>
-          </p:cNvSpPr>
-          <p:nvPr>
-            <p:ph type="dt" idx="14"/>
-          </p:nvPr>
-        </p:nvSpPr>
-        <p:spPr/>
-        <p:txBody>
-          <a:bodyPr/>
-          <a:lstStyle/>
-          <a:p>
-            <a:fld id="{973B10A7-8A2B-4F39-8160-83B51E5E9C07}" type="datetime1">
-              <a:rPr lang="fr-FR" smtClean="0"/>
-              <a:pPr/>
-              <a:t>22/11/2016</a:t>
-            </a:fld>
-            <a:endParaRPr lang="fr-FR"/>
-          </a:p>
-        </p:txBody>
-      </p:sp>
-    </p:spTree>
-    <p:extLst>
-      <p:ext uri="{BB962C8B-B14F-4D97-AF65-F5344CB8AC3E}">
-        <p14:creationId xmlns:p14="http://schemas.microsoft.com/office/powerpoint/2010/main" val="2783880003"/>
-      </p:ext>
-    </p:extLst>
-  </p:cSld>
-  <p:clrMapOvr>
-    <a:masterClrMapping/>
-  </p:clrMapOvr>
-</p:notes>
-</file>
-
-<file path=ppt/notesSlides/notesSlide8.xml><?xml version="1.0" encoding="utf-8"?>
-<p:notes xmlns:a="http://schemas.openxmlformats.org/drawingml/2006/main" xmlns:r="http://schemas.openxmlformats.org/officeDocument/2006/relationships" xmlns:p="http://schemas.openxmlformats.org/presentationml/2006/main">
-  <p:cSld>
-    <p:spTree>
-      <p:nvGrpSpPr>
-        <p:cNvPr id="1" name=""/>
-        <p:cNvGrpSpPr/>
-        <p:nvPr/>
-      </p:nvGrpSpPr>
-      <p:grpSpPr>
-        <a:xfrm>
-          <a:off x="0" y="0"/>
-          <a:ext cx="0" cy="0"/>
-          <a:chOff x="0" y="0"/>
-          <a:chExt cx="0" cy="0"/>
-        </a:xfrm>
-      </p:grpSpPr>
-      <p:sp>
-        <p:nvSpPr>
-          <p:cNvPr id="10" name="Espace réservé de l'image des diapositives 9"/>
-          <p:cNvSpPr>
-            <a:spLocks noGrp="1" noRot="1" noChangeAspect="1"/>
-          </p:cNvSpPr>
-          <p:nvPr>
-            <p:ph type="sldImg"/>
-          </p:nvPr>
-        </p:nvSpPr>
-        <p:spPr/>
-      </p:sp>
-      <p:sp>
-        <p:nvSpPr>
-          <p:cNvPr id="11" name="Espace réservé des commentaires 10"/>
-          <p:cNvSpPr>
-            <a:spLocks noGrp="1"/>
-          </p:cNvSpPr>
-          <p:nvPr>
-            <p:ph type="body" idx="1"/>
-          </p:nvPr>
-        </p:nvSpPr>
-        <p:spPr/>
-        <p:txBody>
-          <a:bodyPr/>
-          <a:lstStyle/>
-          <a:p>
-            <a:endParaRPr lang="fr-FR"/>
-          </a:p>
-        </p:txBody>
-      </p:sp>
-      <p:sp>
-        <p:nvSpPr>
-          <p:cNvPr id="14" name="Espace réservé du pied de page 13"/>
-          <p:cNvSpPr>
-            <a:spLocks noGrp="1"/>
-          </p:cNvSpPr>
-          <p:nvPr>
-            <p:ph type="ftr" sz="quarter" idx="12"/>
-          </p:nvPr>
-        </p:nvSpPr>
-        <p:spPr/>
-        <p:txBody>
-          <a:bodyPr/>
-          <a:lstStyle/>
-          <a:p>
-            <a:r>
-              <a:rPr lang="en-GB" sz="1100" dirty="0"/>
-              <a:t>Titre de la </a:t>
-            </a:r>
-            <a:r>
-              <a:rPr lang="en-GB" sz="1100" dirty="0" err="1"/>
-              <a:t>présentation</a:t>
-            </a:r>
-            <a:endParaRPr lang="en-GB" sz="1100" dirty="0"/>
-          </a:p>
-        </p:txBody>
-      </p:sp>
-      <p:sp>
-        <p:nvSpPr>
-          <p:cNvPr id="15" name="Espace réservé du numéro de diapositive 14"/>
-          <p:cNvSpPr>
-            <a:spLocks noGrp="1"/>
-          </p:cNvSpPr>
-          <p:nvPr>
-            <p:ph type="sldNum" sz="quarter" idx="13"/>
-          </p:nvPr>
-        </p:nvSpPr>
-        <p:spPr/>
-        <p:txBody>
-          <a:bodyPr/>
-          <a:lstStyle/>
-          <a:p>
-            <a:fld id="{305287CA-3E72-4A91-B59B-B69F40801570}" type="slidenum">
-              <a:rPr lang="en-GB" sz="1100" smtClean="0"/>
-              <a:pPr/>
-              <a:t>16</a:t>
-            </a:fld>
-            <a:endParaRPr lang="en-GB" sz="1100" dirty="0"/>
-          </a:p>
-        </p:txBody>
-      </p:sp>
-      <p:sp>
-        <p:nvSpPr>
-          <p:cNvPr id="2" name="Espace réservé de la date 1"/>
-          <p:cNvSpPr>
-            <a:spLocks noGrp="1"/>
-          </p:cNvSpPr>
-          <p:nvPr>
-            <p:ph type="dt" idx="14"/>
-          </p:nvPr>
-        </p:nvSpPr>
-        <p:spPr/>
-        <p:txBody>
-          <a:bodyPr/>
-          <a:lstStyle/>
-          <a:p>
-            <a:fld id="{973B10A7-8A2B-4F39-8160-83B51E5E9C07}" type="datetime1">
-              <a:rPr lang="fr-FR" smtClean="0"/>
-              <a:pPr/>
-              <a:t>22/11/2016</a:t>
-            </a:fld>
-            <a:endParaRPr lang="fr-FR"/>
-          </a:p>
-        </p:txBody>
-      </p:sp>
-    </p:spTree>
-    <p:extLst>
-      <p:ext uri="{BB962C8B-B14F-4D97-AF65-F5344CB8AC3E}">
-        <p14:creationId xmlns:p14="http://schemas.microsoft.com/office/powerpoint/2010/main" val="3080252903"/>
+        <p14:creationId xmlns:p14="http://schemas.microsoft.com/office/powerpoint/2010/main" val="29754717"/>
       </p:ext>
     </p:extLst>
   </p:cSld>
@@ -9827,35 +9201,39 @@
           <a:lstStyle/>
           <a:p>
             <a:r>
-              <a:rPr lang="fr-FR" cap="none" dirty="0" err="1"/>
-              <a:t>Accessing</a:t>
-            </a:r>
-            <a:r>
-              <a:rPr lang="fr-FR" cap="none" dirty="0"/>
-              <a:t> REST </a:t>
-            </a:r>
-            <a:r>
-              <a:rPr lang="fr-FR" cap="none" dirty="0" err="1"/>
-              <a:t>endpoint</a:t>
-            </a:r>
-            <a:r>
-              <a:rPr lang="fr-FR" cap="none" dirty="0"/>
-              <a:t> </a:t>
-            </a:r>
-            <a:r>
-              <a:rPr lang="fr-FR" cap="none" dirty="0" err="1"/>
-              <a:t>with</a:t>
-            </a:r>
-            <a:r>
-              <a:rPr lang="fr-FR" cap="none" dirty="0"/>
-              <a:t> :  $http</a:t>
-            </a:r>
+              <a:rPr lang="fr-FR" cap="none" dirty="0" smtClean="0"/>
+              <a:t>$http service</a:t>
+            </a:r>
+            <a:endParaRPr lang="fr-FR" cap="none" dirty="0"/>
+          </a:p>
+        </p:txBody>
+      </p:sp>
+      <p:sp>
+        <p:nvSpPr>
+          <p:cNvPr id="2" name="Espace réservé du pied de page 1"/>
+          <p:cNvSpPr>
+            <a:spLocks noGrp="1"/>
+          </p:cNvSpPr>
+          <p:nvPr>
+            <p:ph type="ftr" sz="quarter" idx="13"/>
+          </p:nvPr>
+        </p:nvSpPr>
+        <p:spPr/>
+        <p:txBody>
+          <a:bodyPr/>
+          <a:lstStyle/>
+          <a:p>
+            <a:r>
+              <a:rPr lang="fr-FR"/>
+              <a:t>Nom de la présentation</a:t>
+            </a:r>
+            <a:endParaRPr lang="fr-FR" dirty="0"/>
           </a:p>
         </p:txBody>
       </p:sp>
       <p:pic>
         <p:nvPicPr>
-          <p:cNvPr id="9" name="Espace réservé pour une image  8"/>
+          <p:cNvPr id="6" name="Espace réservé pour une image  5"/>
           <p:cNvPicPr>
             <a:picLocks noGrp="1" noChangeAspect="1"/>
           </p:cNvPicPr>
@@ -9863,78 +9241,20 @@
             <p:ph type="pic" sz="quarter" idx="15"/>
           </p:nvPr>
         </p:nvPicPr>
-        <p:blipFill rotWithShape="1">
-          <a:blip r:embed="rId2" cstate="print">
+        <p:blipFill>
+          <a:blip r:embed="rId2">
             <a:extLst>
               <a:ext uri="{28A0092B-C50C-407E-A947-70E740481C1C}">
-                <a14:useLocalDpi xmlns:a14="http://schemas.microsoft.com/office/drawing/2010/main"/>
+                <a14:useLocalDpi xmlns:a14="http://schemas.microsoft.com/office/drawing/2010/main" val="0"/>
               </a:ext>
             </a:extLst>
           </a:blip>
-          <a:srcRect/>
-          <a:stretch/>
-        </p:blipFill>
-        <p:spPr>
-          <a:xfrm>
-            <a:off x="-5576" y="-2539"/>
-            <a:ext cx="9155154" cy="3431539"/>
-          </a:xfrm>
-        </p:spPr>
-      </p:pic>
-      <p:sp>
-        <p:nvSpPr>
-          <p:cNvPr id="2" name="Espace réservé du pied de page 1"/>
-          <p:cNvSpPr>
-            <a:spLocks noGrp="1"/>
-          </p:cNvSpPr>
-          <p:nvPr>
-            <p:ph type="ftr" sz="quarter" idx="13"/>
-          </p:nvPr>
-        </p:nvSpPr>
-        <p:spPr/>
-        <p:txBody>
-          <a:bodyPr/>
-          <a:lstStyle/>
-          <a:p>
-            <a:r>
-              <a:rPr lang="fr-FR"/>
-              <a:t>Nom de la présentation</a:t>
-            </a:r>
-            <a:endParaRPr lang="fr-FR" dirty="0"/>
-          </a:p>
-        </p:txBody>
-      </p:sp>
-      <p:pic>
-        <p:nvPicPr>
-          <p:cNvPr id="1026" name="Picture 2"/>
-          <p:cNvPicPr>
-            <a:picLocks noChangeAspect="1" noChangeArrowheads="1"/>
-          </p:cNvPicPr>
-          <p:nvPr/>
-        </p:nvPicPr>
-        <p:blipFill>
-          <a:blip r:embed="rId3"/>
-          <a:srcRect/>
+          <a:srcRect t="31255" b="31255"/>
           <a:stretch>
             <a:fillRect/>
           </a:stretch>
         </p:blipFill>
-        <p:spPr bwMode="auto">
-          <a:xfrm>
-            <a:off x="4974772" y="4776169"/>
-            <a:ext cx="2590800" cy="1438275"/>
-          </a:xfrm>
-          <a:prstGeom prst="rect">
-            <a:avLst/>
-          </a:prstGeom>
-          <a:noFill/>
-          <a:ln w="9525">
-            <a:noFill/>
-            <a:miter lim="800000"/>
-            <a:headEnd/>
-            <a:tailEnd/>
-          </a:ln>
-        </p:spPr>
+        <p:spPr/>
       </p:pic>
     </p:spTree>
     <p:extLst>
@@ -9946,1927 +9266,6 @@
   <p:clrMapOvr>
     <a:masterClrMapping/>
   </p:clrMapOvr>
-</p:sld>
-</file>
-
-<file path=ppt/slides/slide10.xml><?xml version="1.0" encoding="utf-8"?>
-<p:sld xmlns:a="http://schemas.openxmlformats.org/drawingml/2006/main" xmlns:r="http://schemas.openxmlformats.org/officeDocument/2006/relationships" xmlns:p="http://schemas.openxmlformats.org/presentationml/2006/main">
-  <p:cSld>
-    <p:spTree>
-      <p:nvGrpSpPr>
-        <p:cNvPr id="1" name=""/>
-        <p:cNvGrpSpPr/>
-        <p:nvPr/>
-      </p:nvGrpSpPr>
-      <p:grpSpPr>
-        <a:xfrm>
-          <a:off x="0" y="0"/>
-          <a:ext cx="0" cy="0"/>
-          <a:chOff x="0" y="0"/>
-          <a:chExt cx="0" cy="0"/>
-        </a:xfrm>
-      </p:grpSpPr>
-      <p:sp>
-        <p:nvSpPr>
-          <p:cNvPr id="2" name="Espace réservé du contenu 1"/>
-          <p:cNvSpPr>
-            <a:spLocks noGrp="1"/>
-          </p:cNvSpPr>
-          <p:nvPr>
-            <p:ph idx="1"/>
-          </p:nvPr>
-        </p:nvSpPr>
-        <p:spPr/>
-        <p:txBody>
-          <a:bodyPr/>
-          <a:lstStyle/>
-          <a:p>
-            <a:r>
-              <a:rPr lang="en-US" dirty="0">
-                <a:solidFill>
-                  <a:schemeClr val="accent5"/>
-                </a:solidFill>
-              </a:rPr>
-              <a:t>On a regular promise the callback directly receives the data</a:t>
-            </a:r>
-          </a:p>
-        </p:txBody>
-      </p:sp>
-      <p:sp>
-        <p:nvSpPr>
-          <p:cNvPr id="3" name="Titre 2"/>
-          <p:cNvSpPr>
-            <a:spLocks noGrp="1"/>
-          </p:cNvSpPr>
-          <p:nvPr>
-            <p:ph type="title"/>
-          </p:nvPr>
-        </p:nvSpPr>
-        <p:spPr/>
-        <p:txBody>
-          <a:bodyPr/>
-          <a:lstStyle/>
-          <a:p>
-            <a:r>
-              <a:rPr lang="fr-FR" dirty="0"/>
-              <a:t>DEMO on </a:t>
-            </a:r>
-            <a:r>
-              <a:rPr lang="fr-FR" dirty="0" err="1"/>
-              <a:t>todo</a:t>
-            </a:r>
-            <a:endParaRPr lang="fr-FR" dirty="0"/>
-          </a:p>
-        </p:txBody>
-      </p:sp>
-      <p:sp>
-        <p:nvSpPr>
-          <p:cNvPr id="4" name="Espace réservé du pied de page 3"/>
-          <p:cNvSpPr>
-            <a:spLocks noGrp="1"/>
-          </p:cNvSpPr>
-          <p:nvPr>
-            <p:ph type="ftr" sz="quarter" idx="11"/>
-          </p:nvPr>
-        </p:nvSpPr>
-        <p:spPr/>
-        <p:txBody>
-          <a:bodyPr/>
-          <a:lstStyle/>
-          <a:p>
-            <a:endParaRPr lang="fr-FR" dirty="0"/>
-          </a:p>
-        </p:txBody>
-      </p:sp>
-      <p:sp>
-        <p:nvSpPr>
-          <p:cNvPr id="5" name="Espace réservé du numéro de diapositive 4"/>
-          <p:cNvSpPr>
-            <a:spLocks noGrp="1"/>
-          </p:cNvSpPr>
-          <p:nvPr>
-            <p:ph type="sldNum" sz="quarter" idx="12"/>
-          </p:nvPr>
-        </p:nvSpPr>
-        <p:spPr/>
-        <p:txBody>
-          <a:bodyPr/>
-          <a:lstStyle/>
-          <a:p>
-            <a:fld id="{AF43E6FD-AB27-4108-A2FC-346BB5F75E3F}" type="slidenum">
-              <a:rPr lang="fr-FR" smtClean="0"/>
-              <a:pPr/>
-              <a:t>10</a:t>
-            </a:fld>
-            <a:endParaRPr lang="fr-FR" dirty="0"/>
-          </a:p>
-        </p:txBody>
-      </p:sp>
-      <p:sp>
-        <p:nvSpPr>
-          <p:cNvPr id="6" name="Espace réservé du texte 5"/>
-          <p:cNvSpPr>
-            <a:spLocks noGrp="1"/>
-          </p:cNvSpPr>
-          <p:nvPr>
-            <p:ph type="body" sz="quarter" idx="13"/>
-          </p:nvPr>
-        </p:nvSpPr>
-        <p:spPr/>
-        <p:txBody>
-          <a:bodyPr/>
-          <a:lstStyle/>
-          <a:p>
-            <a:r>
-              <a:rPr lang="fr-FR" cap="none" dirty="0" err="1"/>
-              <a:t>Beware</a:t>
-            </a:r>
-            <a:r>
-              <a:rPr lang="fr-FR" cap="none" dirty="0"/>
-              <a:t> of data </a:t>
-            </a:r>
-            <a:r>
-              <a:rPr lang="fr-FR" cap="none" dirty="0" err="1"/>
-              <a:t>resolution</a:t>
-            </a:r>
-            <a:endParaRPr lang="fr-FR" cap="none" dirty="0"/>
-          </a:p>
-        </p:txBody>
-      </p:sp>
-      <p:pic>
-        <p:nvPicPr>
-          <p:cNvPr id="7" name="Picture 2"/>
-          <p:cNvPicPr>
-            <a:picLocks noChangeAspect="1" noChangeArrowheads="1"/>
-          </p:cNvPicPr>
-          <p:nvPr/>
-        </p:nvPicPr>
-        <p:blipFill>
-          <a:blip r:embed="rId2"/>
-          <a:srcRect/>
-          <a:stretch>
-            <a:fillRect/>
-          </a:stretch>
-        </p:blipFill>
-        <p:spPr bwMode="auto">
-          <a:xfrm>
-            <a:off x="2362176" y="2529781"/>
-            <a:ext cx="4211905" cy="1010235"/>
-          </a:xfrm>
-          <a:prstGeom prst="rect">
-            <a:avLst/>
-          </a:prstGeom>
-          <a:noFill/>
-          <a:ln w="9525">
-            <a:solidFill>
-              <a:schemeClr val="accent5"/>
-            </a:solidFill>
-            <a:miter lim="800000"/>
-            <a:headEnd/>
-            <a:tailEnd/>
-          </a:ln>
-          <a:effectLst/>
-        </p:spPr>
-      </p:pic>
-    </p:spTree>
-  </p:cSld>
-  <p:clrMapOvr>
-    <a:masterClrMapping/>
-  </p:clrMapOvr>
-</p:sld>
-</file>
-
-<file path=ppt/slides/slide11.xml><?xml version="1.0" encoding="utf-8"?>
-<p:sld xmlns:a="http://schemas.openxmlformats.org/drawingml/2006/main" xmlns:r="http://schemas.openxmlformats.org/officeDocument/2006/relationships" xmlns:p="http://schemas.openxmlformats.org/presentationml/2006/main">
-  <p:cSld>
-    <p:spTree>
-      <p:nvGrpSpPr>
-        <p:cNvPr id="1" name=""/>
-        <p:cNvGrpSpPr/>
-        <p:nvPr/>
-      </p:nvGrpSpPr>
-      <p:grpSpPr>
-        <a:xfrm>
-          <a:off x="0" y="0"/>
-          <a:ext cx="0" cy="0"/>
-          <a:chOff x="0" y="0"/>
-          <a:chExt cx="0" cy="0"/>
-        </a:xfrm>
-      </p:grpSpPr>
-      <p:pic>
-        <p:nvPicPr>
-          <p:cNvPr id="7" name="Image 6"/>
-          <p:cNvPicPr>
-            <a:picLocks noChangeAspect="1"/>
-          </p:cNvPicPr>
-          <p:nvPr/>
-        </p:nvPicPr>
-        <p:blipFill>
-          <a:blip r:embed="rId2"/>
-          <a:stretch>
-            <a:fillRect/>
-          </a:stretch>
-        </p:blipFill>
-        <p:spPr>
-          <a:xfrm>
-            <a:off x="1250658" y="1854279"/>
-            <a:ext cx="6139459" cy="2186817"/>
-          </a:xfrm>
-          <a:prstGeom prst="rect">
-            <a:avLst/>
-          </a:prstGeom>
-          <a:ln>
-            <a:solidFill>
-              <a:schemeClr val="tx2"/>
-            </a:solidFill>
-          </a:ln>
-        </p:spPr>
-      </p:pic>
-      <p:sp>
-        <p:nvSpPr>
-          <p:cNvPr id="2" name="Espace réservé du contenu 1"/>
-          <p:cNvSpPr>
-            <a:spLocks noGrp="1"/>
-          </p:cNvSpPr>
-          <p:nvPr>
-            <p:ph idx="1"/>
-          </p:nvPr>
-        </p:nvSpPr>
-        <p:spPr>
-          <a:xfrm>
-            <a:off x="458788" y="1198562"/>
-            <a:ext cx="8088511" cy="4681537"/>
-          </a:xfrm>
-        </p:spPr>
-        <p:txBody>
-          <a:bodyPr/>
-          <a:lstStyle/>
-          <a:p>
-            <a:r>
-              <a:rPr lang="en-US" dirty="0">
-                <a:solidFill>
-                  <a:schemeClr val="accent5"/>
-                </a:solidFill>
-              </a:rPr>
-              <a:t>With the $http promise you get the Http response containing the data</a:t>
-            </a:r>
-            <a:r>
-              <a:rPr lang="en-US" dirty="0" smtClean="0">
-                <a:solidFill>
-                  <a:schemeClr val="accent5"/>
-                </a:solidFill>
-              </a:rPr>
-              <a:t>.</a:t>
-            </a:r>
-          </a:p>
-          <a:p>
-            <a:endParaRPr lang="en-US" dirty="0">
-              <a:solidFill>
-                <a:schemeClr val="accent5"/>
-              </a:solidFill>
-            </a:endParaRPr>
-          </a:p>
-          <a:p>
-            <a:endParaRPr lang="en-US" dirty="0" smtClean="0">
-              <a:solidFill>
-                <a:schemeClr val="accent5"/>
-              </a:solidFill>
-            </a:endParaRPr>
-          </a:p>
-          <a:p>
-            <a:endParaRPr lang="en-US" dirty="0">
-              <a:solidFill>
-                <a:schemeClr val="accent5"/>
-              </a:solidFill>
-            </a:endParaRPr>
-          </a:p>
-          <a:p>
-            <a:endParaRPr lang="en-US" dirty="0" smtClean="0">
-              <a:solidFill>
-                <a:schemeClr val="accent5"/>
-              </a:solidFill>
-            </a:endParaRPr>
-          </a:p>
-          <a:p>
-            <a:endParaRPr lang="en-US" dirty="0">
-              <a:solidFill>
-                <a:schemeClr val="accent5"/>
-              </a:solidFill>
-            </a:endParaRPr>
-          </a:p>
-          <a:p>
-            <a:r>
-              <a:rPr lang="en-US" dirty="0" smtClean="0">
-                <a:solidFill>
-                  <a:schemeClr val="accent5"/>
-                </a:solidFill>
-              </a:rPr>
-              <a:t>Detail </a:t>
-            </a:r>
-            <a:r>
-              <a:rPr lang="en-US" dirty="0">
-                <a:solidFill>
-                  <a:schemeClr val="accent5"/>
-                </a:solidFill>
-              </a:rPr>
-              <a:t>of the received promise :</a:t>
-            </a:r>
-          </a:p>
-          <a:p>
-            <a:endParaRPr lang="en-US" dirty="0">
-              <a:solidFill>
-                <a:schemeClr val="accent5"/>
-              </a:solidFill>
-            </a:endParaRPr>
-          </a:p>
-        </p:txBody>
-      </p:sp>
-      <p:sp>
-        <p:nvSpPr>
-          <p:cNvPr id="3" name="Titre 2"/>
-          <p:cNvSpPr>
-            <a:spLocks noGrp="1"/>
-          </p:cNvSpPr>
-          <p:nvPr>
-            <p:ph type="title"/>
-          </p:nvPr>
-        </p:nvSpPr>
-        <p:spPr/>
-        <p:txBody>
-          <a:bodyPr/>
-          <a:lstStyle/>
-          <a:p>
-            <a:r>
-              <a:rPr lang="fr-FR" dirty="0"/>
-              <a:t>DEMO on </a:t>
-            </a:r>
-            <a:r>
-              <a:rPr lang="fr-FR" dirty="0" err="1"/>
-              <a:t>todo</a:t>
-            </a:r>
-            <a:endParaRPr lang="fr-FR" dirty="0"/>
-          </a:p>
-        </p:txBody>
-      </p:sp>
-      <p:sp>
-        <p:nvSpPr>
-          <p:cNvPr id="4" name="Espace réservé du pied de page 3"/>
-          <p:cNvSpPr>
-            <a:spLocks noGrp="1"/>
-          </p:cNvSpPr>
-          <p:nvPr>
-            <p:ph type="ftr" sz="quarter" idx="11"/>
-          </p:nvPr>
-        </p:nvSpPr>
-        <p:spPr/>
-        <p:txBody>
-          <a:bodyPr/>
-          <a:lstStyle/>
-          <a:p>
-            <a:endParaRPr lang="fr-FR" dirty="0"/>
-          </a:p>
-        </p:txBody>
-      </p:sp>
-      <p:sp>
-        <p:nvSpPr>
-          <p:cNvPr id="5" name="Espace réservé du numéro de diapositive 4"/>
-          <p:cNvSpPr>
-            <a:spLocks noGrp="1"/>
-          </p:cNvSpPr>
-          <p:nvPr>
-            <p:ph type="sldNum" sz="quarter" idx="12"/>
-          </p:nvPr>
-        </p:nvSpPr>
-        <p:spPr/>
-        <p:txBody>
-          <a:bodyPr/>
-          <a:lstStyle/>
-          <a:p>
-            <a:fld id="{AF43E6FD-AB27-4108-A2FC-346BB5F75E3F}" type="slidenum">
-              <a:rPr lang="fr-FR" smtClean="0"/>
-              <a:pPr/>
-              <a:t>11</a:t>
-            </a:fld>
-            <a:endParaRPr lang="fr-FR" dirty="0"/>
-          </a:p>
-        </p:txBody>
-      </p:sp>
-      <p:sp>
-        <p:nvSpPr>
-          <p:cNvPr id="6" name="Espace réservé du texte 5"/>
-          <p:cNvSpPr>
-            <a:spLocks noGrp="1"/>
-          </p:cNvSpPr>
-          <p:nvPr>
-            <p:ph type="body" sz="quarter" idx="13"/>
-          </p:nvPr>
-        </p:nvSpPr>
-        <p:spPr/>
-        <p:txBody>
-          <a:bodyPr/>
-          <a:lstStyle/>
-          <a:p>
-            <a:r>
-              <a:rPr lang="fr-FR" cap="none" dirty="0" err="1"/>
-              <a:t>Example</a:t>
-            </a:r>
-            <a:r>
-              <a:rPr lang="fr-FR" cap="none" dirty="0"/>
-              <a:t> </a:t>
-            </a:r>
-            <a:r>
-              <a:rPr lang="fr-FR" cap="none" dirty="0" err="1"/>
-              <a:t>inside</a:t>
-            </a:r>
-            <a:r>
-              <a:rPr lang="fr-FR" cap="none" dirty="0"/>
-              <a:t> a </a:t>
-            </a:r>
-            <a:r>
-              <a:rPr lang="fr-FR" cap="none" dirty="0" err="1"/>
-              <a:t>controller</a:t>
-            </a:r>
-            <a:r>
-              <a:rPr lang="fr-FR" cap="none" dirty="0"/>
-              <a:t> </a:t>
-            </a:r>
-          </a:p>
-        </p:txBody>
-      </p:sp>
-      <p:sp>
-        <p:nvSpPr>
-          <p:cNvPr id="11" name="Rectangle à coins arrondis 10"/>
-          <p:cNvSpPr/>
-          <p:nvPr/>
-        </p:nvSpPr>
-        <p:spPr>
-          <a:xfrm>
-            <a:off x="3136739" y="3183038"/>
-            <a:ext cx="1527858" cy="243068"/>
-          </a:xfrm>
-          <a:prstGeom prst="roundRect">
-            <a:avLst/>
-          </a:prstGeom>
-          <a:noFill/>
-          <a:ln w="19050">
-            <a:solidFill>
-              <a:schemeClr val="accent5"/>
-            </a:solidFill>
-          </a:ln>
-        </p:spPr>
-        <p:style>
-          <a:lnRef idx="2">
-            <a:schemeClr val="accent1">
-              <a:shade val="50000"/>
-            </a:schemeClr>
-          </a:lnRef>
-          <a:fillRef idx="1">
-            <a:schemeClr val="accent1"/>
-          </a:fillRef>
-          <a:effectRef idx="0">
-            <a:schemeClr val="accent1"/>
-          </a:effectRef>
-          <a:fontRef idx="minor">
-            <a:schemeClr val="lt1"/>
-          </a:fontRef>
-        </p:style>
-        <p:txBody>
-          <a:bodyPr rtlCol="0" anchor="ctr"/>
-          <a:lstStyle/>
-          <a:p>
-            <a:pPr algn="ctr"/>
-            <a:endParaRPr lang="fr-FR" dirty="0"/>
-          </a:p>
-        </p:txBody>
-      </p:sp>
-      <p:pic>
-        <p:nvPicPr>
-          <p:cNvPr id="9" name="Picture 3"/>
-          <p:cNvPicPr>
-            <a:picLocks noChangeAspect="1" noChangeArrowheads="1"/>
-          </p:cNvPicPr>
-          <p:nvPr/>
-        </p:nvPicPr>
-        <p:blipFill>
-          <a:blip r:embed="rId3"/>
-          <a:srcRect/>
-          <a:stretch>
-            <a:fillRect/>
-          </a:stretch>
-        </p:blipFill>
-        <p:spPr bwMode="auto">
-          <a:xfrm>
-            <a:off x="331773" y="4726701"/>
-            <a:ext cx="8665647" cy="1286307"/>
-          </a:xfrm>
-          <a:prstGeom prst="rect">
-            <a:avLst/>
-          </a:prstGeom>
-          <a:noFill/>
-          <a:ln w="9525">
-            <a:noFill/>
-            <a:miter lim="800000"/>
-            <a:headEnd/>
-            <a:tailEnd/>
-          </a:ln>
-          <a:effectLst/>
-        </p:spPr>
-      </p:pic>
-    </p:spTree>
-    <p:extLst>
-      <p:ext uri="{BB962C8B-B14F-4D97-AF65-F5344CB8AC3E}">
-        <p14:creationId xmlns:p14="http://schemas.microsoft.com/office/powerpoint/2010/main" val="1375849783"/>
-      </p:ext>
-    </p:extLst>
-  </p:cSld>
-  <p:clrMapOvr>
-    <a:masterClrMapping/>
-  </p:clrMapOvr>
-</p:sld>
-</file>
-
-<file path=ppt/slides/slide12.xml><?xml version="1.0" encoding="utf-8"?>
-<p:sld xmlns:a="http://schemas.openxmlformats.org/drawingml/2006/main" xmlns:r="http://schemas.openxmlformats.org/officeDocument/2006/relationships" xmlns:p="http://schemas.openxmlformats.org/presentationml/2006/main">
-  <p:cSld>
-    <p:spTree>
-      <p:nvGrpSpPr>
-        <p:cNvPr id="1" name=""/>
-        <p:cNvGrpSpPr/>
-        <p:nvPr/>
-      </p:nvGrpSpPr>
-      <p:grpSpPr>
-        <a:xfrm>
-          <a:off x="0" y="0"/>
-          <a:ext cx="0" cy="0"/>
-          <a:chOff x="0" y="0"/>
-          <a:chExt cx="0" cy="0"/>
-        </a:xfrm>
-      </p:grpSpPr>
-      <p:sp>
-        <p:nvSpPr>
-          <p:cNvPr id="2" name="Espace réservé du contenu 1"/>
-          <p:cNvSpPr>
-            <a:spLocks noGrp="1"/>
-          </p:cNvSpPr>
-          <p:nvPr>
-            <p:ph idx="1"/>
-          </p:nvPr>
-        </p:nvSpPr>
-        <p:spPr>
-          <a:xfrm>
-            <a:off x="501302" y="3889536"/>
-            <a:ext cx="8088511" cy="1137498"/>
-          </a:xfrm>
-        </p:spPr>
-        <p:txBody>
-          <a:bodyPr/>
-          <a:lstStyle/>
-          <a:p>
-            <a:r>
-              <a:rPr lang="en-US" sz="1800" dirty="0"/>
-              <a:t>Client controller code calling the service and receiving a Promise  </a:t>
-            </a:r>
-            <a:br>
-              <a:rPr lang="en-US" sz="1800" dirty="0"/>
-            </a:br>
-            <a:endParaRPr lang="en-US" sz="1200" dirty="0"/>
-          </a:p>
-          <a:p>
-            <a:endParaRPr lang="en-US" sz="1800" dirty="0"/>
-          </a:p>
-        </p:txBody>
-      </p:sp>
-      <p:sp>
-        <p:nvSpPr>
-          <p:cNvPr id="3" name="Titre 2"/>
-          <p:cNvSpPr>
-            <a:spLocks noGrp="1"/>
-          </p:cNvSpPr>
-          <p:nvPr>
-            <p:ph type="title"/>
-          </p:nvPr>
-        </p:nvSpPr>
-        <p:spPr/>
-        <p:txBody>
-          <a:bodyPr/>
-          <a:lstStyle/>
-          <a:p>
-            <a:r>
-              <a:rPr lang="fr-FR" dirty="0"/>
-              <a:t>DEMO on </a:t>
-            </a:r>
-            <a:r>
-              <a:rPr lang="fr-FR" dirty="0" err="1"/>
-              <a:t>todo</a:t>
-            </a:r>
-            <a:endParaRPr lang="fr-FR" dirty="0"/>
-          </a:p>
-        </p:txBody>
-      </p:sp>
-      <p:sp>
-        <p:nvSpPr>
-          <p:cNvPr id="4" name="Espace réservé du pied de page 3"/>
-          <p:cNvSpPr>
-            <a:spLocks noGrp="1"/>
-          </p:cNvSpPr>
-          <p:nvPr>
-            <p:ph type="ftr" sz="quarter" idx="11"/>
-          </p:nvPr>
-        </p:nvSpPr>
-        <p:spPr/>
-        <p:txBody>
-          <a:bodyPr/>
-          <a:lstStyle/>
-          <a:p>
-            <a:endParaRPr lang="fr-FR" dirty="0"/>
-          </a:p>
-        </p:txBody>
-      </p:sp>
-      <p:sp>
-        <p:nvSpPr>
-          <p:cNvPr id="5" name="Espace réservé du numéro de diapositive 4"/>
-          <p:cNvSpPr>
-            <a:spLocks noGrp="1"/>
-          </p:cNvSpPr>
-          <p:nvPr>
-            <p:ph type="sldNum" sz="quarter" idx="12"/>
-          </p:nvPr>
-        </p:nvSpPr>
-        <p:spPr/>
-        <p:txBody>
-          <a:bodyPr/>
-          <a:lstStyle/>
-          <a:p>
-            <a:fld id="{AF43E6FD-AB27-4108-A2FC-346BB5F75E3F}" type="slidenum">
-              <a:rPr lang="fr-FR" smtClean="0"/>
-              <a:pPr/>
-              <a:t>12</a:t>
-            </a:fld>
-            <a:endParaRPr lang="fr-FR" dirty="0"/>
-          </a:p>
-        </p:txBody>
-      </p:sp>
-      <p:sp>
-        <p:nvSpPr>
-          <p:cNvPr id="6" name="Espace réservé du texte 5"/>
-          <p:cNvSpPr>
-            <a:spLocks noGrp="1"/>
-          </p:cNvSpPr>
-          <p:nvPr>
-            <p:ph type="body" sz="quarter" idx="13"/>
-          </p:nvPr>
-        </p:nvSpPr>
-        <p:spPr/>
-        <p:txBody>
-          <a:bodyPr/>
-          <a:lstStyle/>
-          <a:p>
-            <a:r>
-              <a:rPr lang="en-US" dirty="0"/>
-              <a:t>Raw service returning a Promise</a:t>
-            </a:r>
-          </a:p>
-        </p:txBody>
-      </p:sp>
-      <p:pic>
-        <p:nvPicPr>
-          <p:cNvPr id="9" name="Image 8"/>
-          <p:cNvPicPr>
-            <a:picLocks noChangeAspect="1"/>
-          </p:cNvPicPr>
-          <p:nvPr/>
-        </p:nvPicPr>
-        <p:blipFill>
-          <a:blip r:embed="rId2"/>
-          <a:stretch>
-            <a:fillRect/>
-          </a:stretch>
-        </p:blipFill>
-        <p:spPr>
-          <a:xfrm>
-            <a:off x="1435485" y="934398"/>
-            <a:ext cx="6557113" cy="2820836"/>
-          </a:xfrm>
-          <a:prstGeom prst="rect">
-            <a:avLst/>
-          </a:prstGeom>
-          <a:ln>
-            <a:solidFill>
-              <a:schemeClr val="tx1"/>
-            </a:solidFill>
-          </a:ln>
-        </p:spPr>
-      </p:pic>
-      <p:pic>
-        <p:nvPicPr>
-          <p:cNvPr id="10" name="Image 9"/>
-          <p:cNvPicPr>
-            <a:picLocks noChangeAspect="1"/>
-          </p:cNvPicPr>
-          <p:nvPr/>
-        </p:nvPicPr>
-        <p:blipFill>
-          <a:blip r:embed="rId3"/>
-          <a:stretch>
-            <a:fillRect/>
-          </a:stretch>
-        </p:blipFill>
-        <p:spPr>
-          <a:xfrm>
-            <a:off x="1267931" y="4307747"/>
-            <a:ext cx="6724667" cy="1845321"/>
-          </a:xfrm>
-          <a:prstGeom prst="rect">
-            <a:avLst/>
-          </a:prstGeom>
-          <a:ln>
-            <a:solidFill>
-              <a:schemeClr val="tx1"/>
-            </a:solidFill>
-          </a:ln>
-        </p:spPr>
-      </p:pic>
-      <p:sp>
-        <p:nvSpPr>
-          <p:cNvPr id="12" name="Rectangle à coins arrondis 11"/>
-          <p:cNvSpPr/>
-          <p:nvPr/>
-        </p:nvSpPr>
-        <p:spPr>
-          <a:xfrm>
-            <a:off x="4027990" y="5555848"/>
-            <a:ext cx="2604304" cy="300942"/>
-          </a:xfrm>
-          <a:prstGeom prst="roundRect">
-            <a:avLst/>
-          </a:prstGeom>
-          <a:solidFill>
-            <a:srgbClr val="CF022B">
-              <a:alpha val="29000"/>
-            </a:srgbClr>
-          </a:solidFill>
-          <a:ln>
-            <a:noFill/>
-          </a:ln>
-        </p:spPr>
-        <p:style>
-          <a:lnRef idx="2">
-            <a:schemeClr val="accent1">
-              <a:shade val="50000"/>
-            </a:schemeClr>
-          </a:lnRef>
-          <a:fillRef idx="1">
-            <a:schemeClr val="accent1"/>
-          </a:fillRef>
-          <a:effectRef idx="0">
-            <a:schemeClr val="accent1"/>
-          </a:effectRef>
-          <a:fontRef idx="minor">
-            <a:schemeClr val="lt1"/>
-          </a:fontRef>
-        </p:style>
-        <p:txBody>
-          <a:bodyPr rtlCol="0" anchor="ctr"/>
-          <a:lstStyle/>
-          <a:p>
-            <a:pPr algn="ctr"/>
-            <a:endParaRPr lang="fr-FR" dirty="0"/>
-          </a:p>
-        </p:txBody>
-      </p:sp>
-      <p:cxnSp>
-        <p:nvCxnSpPr>
-          <p:cNvPr id="14" name="Connecteur droit avec flèche 13"/>
-          <p:cNvCxnSpPr/>
-          <p:nvPr/>
-        </p:nvCxnSpPr>
-        <p:spPr>
-          <a:xfrm flipH="1">
-            <a:off x="6632294" y="4730262"/>
-            <a:ext cx="1843492" cy="825586"/>
-          </a:xfrm>
-          <a:prstGeom prst="straightConnector1">
-            <a:avLst/>
-          </a:prstGeom>
-          <a:ln w="19050">
-            <a:solidFill>
-              <a:srgbClr val="CF022B"/>
-            </a:solidFill>
-            <a:tailEnd type="triangle"/>
-          </a:ln>
-        </p:spPr>
-        <p:style>
-          <a:lnRef idx="1">
-            <a:schemeClr val="accent1"/>
-          </a:lnRef>
-          <a:fillRef idx="0">
-            <a:schemeClr val="accent1"/>
-          </a:fillRef>
-          <a:effectRef idx="0">
-            <a:schemeClr val="accent1"/>
-          </a:effectRef>
-          <a:fontRef idx="minor">
-            <a:schemeClr val="tx1"/>
-          </a:fontRef>
-        </p:style>
-      </p:cxnSp>
-    </p:spTree>
-    <p:extLst>
-      <p:ext uri="{BB962C8B-B14F-4D97-AF65-F5344CB8AC3E}">
-        <p14:creationId xmlns:p14="http://schemas.microsoft.com/office/powerpoint/2010/main" val="847872068"/>
-      </p:ext>
-    </p:extLst>
-  </p:cSld>
-  <p:clrMapOvr>
-    <a:masterClrMapping/>
-  </p:clrMapOvr>
-</p:sld>
-</file>
-
-<file path=ppt/slides/slide13.xml><?xml version="1.0" encoding="utf-8"?>
-<p:sld xmlns:a="http://schemas.openxmlformats.org/drawingml/2006/main" xmlns:r="http://schemas.openxmlformats.org/officeDocument/2006/relationships" xmlns:p="http://schemas.openxmlformats.org/presentationml/2006/main">
-  <p:cSld>
-    <p:spTree>
-      <p:nvGrpSpPr>
-        <p:cNvPr id="1" name=""/>
-        <p:cNvGrpSpPr/>
-        <p:nvPr/>
-      </p:nvGrpSpPr>
-      <p:grpSpPr>
-        <a:xfrm>
-          <a:off x="0" y="0"/>
-          <a:ext cx="0" cy="0"/>
-          <a:chOff x="0" y="0"/>
-          <a:chExt cx="0" cy="0"/>
-        </a:xfrm>
-      </p:grpSpPr>
-      <p:sp>
-        <p:nvSpPr>
-          <p:cNvPr id="2" name="Espace réservé du contenu 1"/>
-          <p:cNvSpPr>
-            <a:spLocks noGrp="1"/>
-          </p:cNvSpPr>
-          <p:nvPr>
-            <p:ph idx="1"/>
-          </p:nvPr>
-        </p:nvSpPr>
-        <p:spPr>
-          <a:xfrm>
-            <a:off x="501302" y="1234699"/>
-            <a:ext cx="8088511" cy="871893"/>
-          </a:xfrm>
-        </p:spPr>
-        <p:txBody>
-          <a:bodyPr/>
-          <a:lstStyle/>
-          <a:p>
-            <a:r>
-              <a:rPr lang="en-US" sz="1800" dirty="0"/>
-              <a:t>It is better to extract the data inside a service, not in the client code, and return real standard Promise to your client code . Code extract from TodoDao.js</a:t>
-            </a:r>
-            <a:br>
-              <a:rPr lang="en-US" sz="1800" dirty="0"/>
-            </a:br>
-            <a:endParaRPr lang="en-US" sz="1200" dirty="0"/>
-          </a:p>
-          <a:p>
-            <a:endParaRPr lang="en-US" sz="1800" dirty="0"/>
-          </a:p>
-        </p:txBody>
-      </p:sp>
-      <p:sp>
-        <p:nvSpPr>
-          <p:cNvPr id="3" name="Titre 2"/>
-          <p:cNvSpPr>
-            <a:spLocks noGrp="1"/>
-          </p:cNvSpPr>
-          <p:nvPr>
-            <p:ph type="title"/>
-          </p:nvPr>
-        </p:nvSpPr>
-        <p:spPr/>
-        <p:txBody>
-          <a:bodyPr/>
-          <a:lstStyle/>
-          <a:p>
-            <a:r>
-              <a:rPr lang="fr-FR" dirty="0"/>
-              <a:t>DEMO on </a:t>
-            </a:r>
-            <a:r>
-              <a:rPr lang="fr-FR" dirty="0" err="1"/>
-              <a:t>todo</a:t>
-            </a:r>
-            <a:endParaRPr lang="fr-FR" dirty="0"/>
-          </a:p>
-        </p:txBody>
-      </p:sp>
-      <p:sp>
-        <p:nvSpPr>
-          <p:cNvPr id="4" name="Espace réservé du pied de page 3"/>
-          <p:cNvSpPr>
-            <a:spLocks noGrp="1"/>
-          </p:cNvSpPr>
-          <p:nvPr>
-            <p:ph type="ftr" sz="quarter" idx="11"/>
-          </p:nvPr>
-        </p:nvSpPr>
-        <p:spPr/>
-        <p:txBody>
-          <a:bodyPr/>
-          <a:lstStyle/>
-          <a:p>
-            <a:endParaRPr lang="fr-FR" dirty="0"/>
-          </a:p>
-        </p:txBody>
-      </p:sp>
-      <p:sp>
-        <p:nvSpPr>
-          <p:cNvPr id="5" name="Espace réservé du numéro de diapositive 4"/>
-          <p:cNvSpPr>
-            <a:spLocks noGrp="1"/>
-          </p:cNvSpPr>
-          <p:nvPr>
-            <p:ph type="sldNum" sz="quarter" idx="12"/>
-          </p:nvPr>
-        </p:nvSpPr>
-        <p:spPr/>
-        <p:txBody>
-          <a:bodyPr/>
-          <a:lstStyle/>
-          <a:p>
-            <a:fld id="{AF43E6FD-AB27-4108-A2FC-346BB5F75E3F}" type="slidenum">
-              <a:rPr lang="fr-FR" smtClean="0"/>
-              <a:pPr/>
-              <a:t>13</a:t>
-            </a:fld>
-            <a:endParaRPr lang="fr-FR" dirty="0"/>
-          </a:p>
-        </p:txBody>
-      </p:sp>
-      <p:sp>
-        <p:nvSpPr>
-          <p:cNvPr id="6" name="Espace réservé du texte 5"/>
-          <p:cNvSpPr>
-            <a:spLocks noGrp="1"/>
-          </p:cNvSpPr>
-          <p:nvPr>
-            <p:ph type="body" sz="quarter" idx="13"/>
-          </p:nvPr>
-        </p:nvSpPr>
-        <p:spPr/>
-        <p:txBody>
-          <a:bodyPr/>
-          <a:lstStyle/>
-          <a:p>
-            <a:r>
-              <a:rPr lang="fr-FR" cap="none" dirty="0" err="1"/>
-              <a:t>Example</a:t>
-            </a:r>
-            <a:r>
-              <a:rPr lang="fr-FR" cap="none" dirty="0"/>
-              <a:t> of a DAO, </a:t>
-            </a:r>
-            <a:r>
-              <a:rPr lang="fr-FR" cap="none" dirty="0" err="1"/>
-              <a:t>using</a:t>
-            </a:r>
-            <a:r>
-              <a:rPr lang="fr-FR" cap="none" dirty="0"/>
-              <a:t> a Promise</a:t>
-            </a:r>
-          </a:p>
-        </p:txBody>
-      </p:sp>
-      <p:pic>
-        <p:nvPicPr>
-          <p:cNvPr id="8" name="Image 7"/>
-          <p:cNvPicPr>
-            <a:picLocks noChangeAspect="1"/>
-          </p:cNvPicPr>
-          <p:nvPr/>
-        </p:nvPicPr>
-        <p:blipFill>
-          <a:blip r:embed="rId2"/>
-          <a:stretch>
-            <a:fillRect/>
-          </a:stretch>
-        </p:blipFill>
-        <p:spPr>
-          <a:xfrm>
-            <a:off x="930012" y="1884021"/>
-            <a:ext cx="6948759" cy="4973979"/>
-          </a:xfrm>
-          <a:prstGeom prst="rect">
-            <a:avLst/>
-          </a:prstGeom>
-          <a:ln>
-            <a:solidFill>
-              <a:schemeClr val="tx2"/>
-            </a:solidFill>
-          </a:ln>
-        </p:spPr>
-      </p:pic>
-    </p:spTree>
-    <p:extLst>
-      <p:ext uri="{BB962C8B-B14F-4D97-AF65-F5344CB8AC3E}">
-        <p14:creationId xmlns:p14="http://schemas.microsoft.com/office/powerpoint/2010/main" val="784614059"/>
-      </p:ext>
-    </p:extLst>
-  </p:cSld>
-  <p:clrMapOvr>
-    <a:masterClrMapping/>
-  </p:clrMapOvr>
-</p:sld>
-</file>
-
-<file path=ppt/slides/slide14.xml><?xml version="1.0" encoding="utf-8"?>
-<p:sld xmlns:a="http://schemas.openxmlformats.org/drawingml/2006/main" xmlns:r="http://schemas.openxmlformats.org/officeDocument/2006/relationships" xmlns:p="http://schemas.openxmlformats.org/presentationml/2006/main">
-  <p:cSld>
-    <p:spTree>
-      <p:nvGrpSpPr>
-        <p:cNvPr id="1" name=""/>
-        <p:cNvGrpSpPr/>
-        <p:nvPr/>
-      </p:nvGrpSpPr>
-      <p:grpSpPr>
-        <a:xfrm>
-          <a:off x="0" y="0"/>
-          <a:ext cx="0" cy="0"/>
-          <a:chOff x="0" y="0"/>
-          <a:chExt cx="0" cy="0"/>
-        </a:xfrm>
-      </p:grpSpPr>
-      <p:sp>
-        <p:nvSpPr>
-          <p:cNvPr id="2" name="Espace réservé du contenu 1"/>
-          <p:cNvSpPr>
-            <a:spLocks noGrp="1"/>
-          </p:cNvSpPr>
-          <p:nvPr>
-            <p:ph idx="1"/>
-          </p:nvPr>
-        </p:nvSpPr>
-        <p:spPr>
-          <a:xfrm>
-            <a:off x="501302" y="1234699"/>
-            <a:ext cx="8088511" cy="4681537"/>
-          </a:xfrm>
-        </p:spPr>
-        <p:txBody>
-          <a:bodyPr/>
-          <a:lstStyle/>
-          <a:p>
-            <a:r>
-              <a:rPr lang="en-US" dirty="0"/>
-              <a:t>Same goal as </a:t>
-            </a:r>
-            <a:r>
-              <a:rPr lang="en-US" dirty="0" err="1"/>
-              <a:t>previour</a:t>
-            </a:r>
-            <a:r>
-              <a:rPr lang="en-US" dirty="0"/>
-              <a:t> slide but with the Angular Magic Return on $http</a:t>
-            </a:r>
-            <a:br>
-              <a:rPr lang="en-US" dirty="0"/>
-            </a:br>
-            <a:r>
-              <a:rPr lang="en-US" dirty="0"/>
-              <a:t>Code extract from TodoDao.js</a:t>
-            </a:r>
-            <a:br>
-              <a:rPr lang="en-US" dirty="0"/>
-            </a:br>
-            <a:endParaRPr lang="en-US" sz="1400" dirty="0"/>
-          </a:p>
-          <a:p>
-            <a:endParaRPr lang="en-US" dirty="0"/>
-          </a:p>
-          <a:p>
-            <a:endParaRPr lang="en-US" dirty="0"/>
-          </a:p>
-          <a:p>
-            <a:endParaRPr lang="en-US" dirty="0"/>
-          </a:p>
-        </p:txBody>
-      </p:sp>
-      <p:sp>
-        <p:nvSpPr>
-          <p:cNvPr id="3" name="Titre 2"/>
-          <p:cNvSpPr>
-            <a:spLocks noGrp="1"/>
-          </p:cNvSpPr>
-          <p:nvPr>
-            <p:ph type="title"/>
-          </p:nvPr>
-        </p:nvSpPr>
-        <p:spPr/>
-        <p:txBody>
-          <a:bodyPr/>
-          <a:lstStyle/>
-          <a:p>
-            <a:r>
-              <a:rPr lang="fr-FR" dirty="0"/>
-              <a:t>DEMO on </a:t>
-            </a:r>
-            <a:r>
-              <a:rPr lang="fr-FR" dirty="0" err="1"/>
-              <a:t>todo</a:t>
-            </a:r>
-            <a:endParaRPr lang="fr-FR" dirty="0"/>
-          </a:p>
-        </p:txBody>
-      </p:sp>
-      <p:sp>
-        <p:nvSpPr>
-          <p:cNvPr id="4" name="Espace réservé du pied de page 3"/>
-          <p:cNvSpPr>
-            <a:spLocks noGrp="1"/>
-          </p:cNvSpPr>
-          <p:nvPr>
-            <p:ph type="ftr" sz="quarter" idx="11"/>
-          </p:nvPr>
-        </p:nvSpPr>
-        <p:spPr/>
-        <p:txBody>
-          <a:bodyPr/>
-          <a:lstStyle/>
-          <a:p>
-            <a:endParaRPr lang="fr-FR" dirty="0"/>
-          </a:p>
-        </p:txBody>
-      </p:sp>
-      <p:sp>
-        <p:nvSpPr>
-          <p:cNvPr id="5" name="Espace réservé du numéro de diapositive 4"/>
-          <p:cNvSpPr>
-            <a:spLocks noGrp="1"/>
-          </p:cNvSpPr>
-          <p:nvPr>
-            <p:ph type="sldNum" sz="quarter" idx="12"/>
-          </p:nvPr>
-        </p:nvSpPr>
-        <p:spPr/>
-        <p:txBody>
-          <a:bodyPr/>
-          <a:lstStyle/>
-          <a:p>
-            <a:fld id="{AF43E6FD-AB27-4108-A2FC-346BB5F75E3F}" type="slidenum">
-              <a:rPr lang="fr-FR" smtClean="0"/>
-              <a:pPr/>
-              <a:t>14</a:t>
-            </a:fld>
-            <a:endParaRPr lang="fr-FR" dirty="0"/>
-          </a:p>
-        </p:txBody>
-      </p:sp>
-      <p:sp>
-        <p:nvSpPr>
-          <p:cNvPr id="6" name="Espace réservé du texte 5"/>
-          <p:cNvSpPr>
-            <a:spLocks noGrp="1"/>
-          </p:cNvSpPr>
-          <p:nvPr>
-            <p:ph type="body" sz="quarter" idx="13"/>
-          </p:nvPr>
-        </p:nvSpPr>
-        <p:spPr/>
-        <p:txBody>
-          <a:bodyPr/>
-          <a:lstStyle/>
-          <a:p>
-            <a:r>
-              <a:rPr lang="fr-FR" cap="none" dirty="0" err="1"/>
-              <a:t>Example</a:t>
-            </a:r>
-            <a:r>
-              <a:rPr lang="fr-FR" cap="none" dirty="0"/>
-              <a:t> of a DAO</a:t>
-            </a:r>
-          </a:p>
-        </p:txBody>
-      </p:sp>
-      <p:pic>
-        <p:nvPicPr>
-          <p:cNvPr id="7" name="Image 6"/>
-          <p:cNvPicPr>
-            <a:picLocks noChangeAspect="1"/>
-          </p:cNvPicPr>
-          <p:nvPr/>
-        </p:nvPicPr>
-        <p:blipFill>
-          <a:blip r:embed="rId2"/>
-          <a:stretch>
-            <a:fillRect/>
-          </a:stretch>
-        </p:blipFill>
-        <p:spPr>
-          <a:xfrm>
-            <a:off x="1374538" y="2024826"/>
-            <a:ext cx="7012194" cy="4109756"/>
-          </a:xfrm>
-          <a:prstGeom prst="rect">
-            <a:avLst/>
-          </a:prstGeom>
-          <a:ln>
-            <a:solidFill>
-              <a:srgbClr val="00B050"/>
-            </a:solidFill>
-          </a:ln>
-        </p:spPr>
-      </p:pic>
-      <p:sp>
-        <p:nvSpPr>
-          <p:cNvPr id="10" name="ZoneTexte 9"/>
-          <p:cNvSpPr txBox="1"/>
-          <p:nvPr/>
-        </p:nvSpPr>
-        <p:spPr>
-          <a:xfrm>
-            <a:off x="147693" y="3981692"/>
-            <a:ext cx="1382579" cy="369332"/>
-          </a:xfrm>
-          <a:prstGeom prst="rect">
-            <a:avLst/>
-          </a:prstGeom>
-          <a:solidFill>
-            <a:srgbClr val="FCD78E"/>
-          </a:solidFill>
-          <a:ln>
-            <a:solidFill>
-              <a:schemeClr val="accent4"/>
-            </a:solidFill>
-          </a:ln>
-        </p:spPr>
-        <p:txBody>
-          <a:bodyPr wrap="square" rtlCol="0">
-            <a:spAutoFit/>
-          </a:bodyPr>
-          <a:lstStyle/>
-          <a:p>
-            <a:r>
-              <a:rPr lang="fr-FR" dirty="0" err="1"/>
-              <a:t>magic</a:t>
-            </a:r>
-            <a:r>
-              <a:rPr lang="fr-FR" dirty="0"/>
-              <a:t> return</a:t>
-            </a:r>
-          </a:p>
-        </p:txBody>
-      </p:sp>
-      <p:cxnSp>
-        <p:nvCxnSpPr>
-          <p:cNvPr id="11" name="Connecteur droit avec flèche 10"/>
-          <p:cNvCxnSpPr/>
-          <p:nvPr/>
-        </p:nvCxnSpPr>
-        <p:spPr>
-          <a:xfrm flipV="1">
-            <a:off x="1076446" y="3796496"/>
-            <a:ext cx="590308" cy="185196"/>
-          </a:xfrm>
-          <a:prstGeom prst="straightConnector1">
-            <a:avLst/>
-          </a:prstGeom>
-          <a:ln w="19050">
-            <a:solidFill>
-              <a:srgbClr val="CF022B"/>
-            </a:solidFill>
-            <a:tailEnd type="triangle"/>
-          </a:ln>
-        </p:spPr>
-        <p:style>
-          <a:lnRef idx="1">
-            <a:schemeClr val="accent1"/>
-          </a:lnRef>
-          <a:fillRef idx="0">
-            <a:schemeClr val="accent1"/>
-          </a:fillRef>
-          <a:effectRef idx="0">
-            <a:schemeClr val="accent1"/>
-          </a:effectRef>
-          <a:fontRef idx="minor">
-            <a:schemeClr val="tx1"/>
-          </a:fontRef>
-        </p:style>
-      </p:cxnSp>
-      <p:cxnSp>
-        <p:nvCxnSpPr>
-          <p:cNvPr id="13" name="Connecteur droit avec flèche 12"/>
-          <p:cNvCxnSpPr/>
-          <p:nvPr/>
-        </p:nvCxnSpPr>
-        <p:spPr>
-          <a:xfrm>
-            <a:off x="1374538" y="4351024"/>
-            <a:ext cx="697330" cy="151528"/>
-          </a:xfrm>
-          <a:prstGeom prst="straightConnector1">
-            <a:avLst/>
-          </a:prstGeom>
-          <a:ln w="19050">
-            <a:solidFill>
-              <a:srgbClr val="CF022B"/>
-            </a:solidFill>
-            <a:tailEnd type="triangle"/>
-          </a:ln>
-        </p:spPr>
-        <p:style>
-          <a:lnRef idx="1">
-            <a:schemeClr val="accent1"/>
-          </a:lnRef>
-          <a:fillRef idx="0">
-            <a:schemeClr val="accent1"/>
-          </a:fillRef>
-          <a:effectRef idx="0">
-            <a:schemeClr val="accent1"/>
-          </a:effectRef>
-          <a:fontRef idx="minor">
-            <a:schemeClr val="tx1"/>
-          </a:fontRef>
-        </p:style>
-      </p:cxnSp>
-      <p:cxnSp>
-        <p:nvCxnSpPr>
-          <p:cNvPr id="15" name="Connecteur droit avec flèche 14"/>
-          <p:cNvCxnSpPr>
-            <a:stCxn id="10" idx="2"/>
-          </p:cNvCxnSpPr>
-          <p:nvPr/>
-        </p:nvCxnSpPr>
-        <p:spPr>
-          <a:xfrm>
-            <a:off x="838983" y="4351024"/>
-            <a:ext cx="1267609" cy="1181675"/>
-          </a:xfrm>
-          <a:prstGeom prst="straightConnector1">
-            <a:avLst/>
-          </a:prstGeom>
-          <a:ln w="19050">
-            <a:solidFill>
-              <a:srgbClr val="CF022B"/>
-            </a:solidFill>
-            <a:tailEnd type="triangle"/>
-          </a:ln>
-        </p:spPr>
-        <p:style>
-          <a:lnRef idx="1">
-            <a:schemeClr val="accent1"/>
-          </a:lnRef>
-          <a:fillRef idx="0">
-            <a:schemeClr val="accent1"/>
-          </a:fillRef>
-          <a:effectRef idx="0">
-            <a:schemeClr val="accent1"/>
-          </a:effectRef>
-          <a:fontRef idx="minor">
-            <a:schemeClr val="tx1"/>
-          </a:fontRef>
-        </p:style>
-      </p:cxnSp>
-    </p:spTree>
-    <p:extLst>
-      <p:ext uri="{BB962C8B-B14F-4D97-AF65-F5344CB8AC3E}">
-        <p14:creationId xmlns:p14="http://schemas.microsoft.com/office/powerpoint/2010/main" val="1001430588"/>
-      </p:ext>
-    </p:extLst>
-  </p:cSld>
-  <p:clrMapOvr>
-    <a:masterClrMapping/>
-  </p:clrMapOvr>
-</p:sld>
-</file>
-
-<file path=ppt/slides/slide15.xml><?xml version="1.0" encoding="utf-8"?>
-<p:sld xmlns:a="http://schemas.openxmlformats.org/drawingml/2006/main" xmlns:r="http://schemas.openxmlformats.org/officeDocument/2006/relationships" xmlns:p="http://schemas.openxmlformats.org/presentationml/2006/main">
-  <p:cSld>
-    <p:spTree>
-      <p:nvGrpSpPr>
-        <p:cNvPr id="1" name=""/>
-        <p:cNvGrpSpPr/>
-        <p:nvPr/>
-      </p:nvGrpSpPr>
-      <p:grpSpPr>
-        <a:xfrm>
-          <a:off x="0" y="0"/>
-          <a:ext cx="0" cy="0"/>
-          <a:chOff x="0" y="0"/>
-          <a:chExt cx="0" cy="0"/>
-        </a:xfrm>
-      </p:grpSpPr>
-      <p:sp>
-        <p:nvSpPr>
-          <p:cNvPr id="3" name="Titre 2"/>
-          <p:cNvSpPr>
-            <a:spLocks noGrp="1"/>
-          </p:cNvSpPr>
-          <p:nvPr>
-            <p:ph type="title"/>
-          </p:nvPr>
-        </p:nvSpPr>
-        <p:spPr bwMode="gray">
-          <a:xfrm>
-            <a:off x="544439" y="260648"/>
-            <a:ext cx="8045374" cy="332546"/>
-          </a:xfrm>
-        </p:spPr>
-        <p:txBody>
-          <a:bodyPr/>
-          <a:lstStyle/>
-          <a:p>
-            <a:r>
-              <a:rPr lang="fr-FR" cap="none" dirty="0"/>
-              <a:t>$</a:t>
-            </a:r>
-            <a:r>
-              <a:rPr lang="fr-FR" cap="none" dirty="0" err="1"/>
-              <a:t>http.delete</a:t>
-            </a:r>
-            <a:r>
-              <a:rPr lang="fr-FR" cap="none" dirty="0"/>
-              <a:t> limitation</a:t>
-            </a:r>
-            <a:endParaRPr lang="en-GB" cap="none" dirty="0"/>
-          </a:p>
-        </p:txBody>
-      </p:sp>
-      <p:sp>
-        <p:nvSpPr>
-          <p:cNvPr id="5" name="Espace réservé du numéro de diapositive 4"/>
-          <p:cNvSpPr>
-            <a:spLocks noGrp="1"/>
-          </p:cNvSpPr>
-          <p:nvPr>
-            <p:ph type="sldNum" sz="quarter" idx="12"/>
-          </p:nvPr>
-        </p:nvSpPr>
-        <p:spPr bwMode="gray"/>
-        <p:txBody>
-          <a:bodyPr/>
-          <a:lstStyle/>
-          <a:p>
-            <a:fld id="{AF43E6FD-AB27-4108-A2FC-346BB5F75E3F}" type="slidenum">
-              <a:rPr lang="fr-FR" smtClean="0"/>
-              <a:pPr/>
-              <a:t>15</a:t>
-            </a:fld>
-            <a:endParaRPr lang="fr-FR" dirty="0"/>
-          </a:p>
-        </p:txBody>
-      </p:sp>
-      <p:sp>
-        <p:nvSpPr>
-          <p:cNvPr id="14" name="Espace réservé du texte 13"/>
-          <p:cNvSpPr>
-            <a:spLocks noGrp="1"/>
-          </p:cNvSpPr>
-          <p:nvPr>
-            <p:ph type="body" sz="quarter" idx="13"/>
-          </p:nvPr>
-        </p:nvSpPr>
-        <p:spPr/>
-        <p:txBody>
-          <a:bodyPr/>
-          <a:lstStyle/>
-          <a:p>
-            <a:endParaRPr lang="en-GB" dirty="0"/>
-          </a:p>
-        </p:txBody>
-      </p:sp>
-      <p:sp>
-        <p:nvSpPr>
-          <p:cNvPr id="15" name="Espace réservé du contenu 1"/>
-          <p:cNvSpPr>
-            <a:spLocks noGrp="1"/>
-          </p:cNvSpPr>
-          <p:nvPr>
-            <p:ph idx="1"/>
-          </p:nvPr>
-        </p:nvSpPr>
-        <p:spPr bwMode="gray">
-          <a:xfrm>
-            <a:off x="515938" y="1484312"/>
-            <a:ext cx="8088511" cy="4681537"/>
-          </a:xfrm>
-        </p:spPr>
-        <p:txBody>
-          <a:bodyPr/>
-          <a:lstStyle/>
-          <a:p>
-            <a:r>
-              <a:rPr lang="en-US" dirty="0"/>
-              <a:t>the syntax $</a:t>
-            </a:r>
-            <a:r>
-              <a:rPr lang="en-US" dirty="0" err="1"/>
-              <a:t>http.delete</a:t>
-            </a:r>
-            <a:r>
-              <a:rPr lang="en-US" dirty="0"/>
-              <a:t>()   can not have an Http </a:t>
-            </a:r>
-            <a:r>
-              <a:rPr lang="en-US" dirty="0" err="1"/>
-              <a:t>RequestBody</a:t>
-            </a:r>
-            <a:r>
-              <a:rPr lang="en-US" dirty="0"/>
-              <a:t> … no parameter </a:t>
-            </a:r>
-            <a:r>
-              <a:rPr lang="en-US" dirty="0" err="1"/>
-              <a:t>fr</a:t>
-            </a:r>
-            <a:r>
-              <a:rPr lang="en-US" dirty="0"/>
-              <a:t> it in the method signature. So no JSON payload is possible</a:t>
-            </a:r>
-          </a:p>
-          <a:p>
-            <a:r>
-              <a:rPr lang="en-US" dirty="0"/>
-              <a:t>It 's OK if you have an URL like :    </a:t>
-            </a:r>
-            <a:r>
-              <a:rPr lang="en-US" dirty="0" err="1"/>
-              <a:t>url</a:t>
-            </a:r>
-            <a:r>
-              <a:rPr lang="en-US" dirty="0"/>
-              <a:t> =  /</a:t>
-            </a:r>
-            <a:r>
-              <a:rPr lang="en-US" dirty="0" err="1"/>
-              <a:t>todos</a:t>
-            </a:r>
-            <a:r>
-              <a:rPr lang="en-US" dirty="0"/>
-              <a:t>/:id/:version </a:t>
-            </a:r>
-          </a:p>
-          <a:p>
-            <a:pPr lvl="1"/>
-            <a:r>
-              <a:rPr lang="en-US" dirty="0"/>
-              <a:t>$</a:t>
-            </a:r>
-            <a:r>
-              <a:rPr lang="en-US" dirty="0" err="1"/>
-              <a:t>http.delete</a:t>
-            </a:r>
-            <a:r>
-              <a:rPr lang="en-US" dirty="0"/>
-              <a:t>( </a:t>
-            </a:r>
-            <a:r>
-              <a:rPr lang="en-US" dirty="0" err="1"/>
-              <a:t>url</a:t>
-            </a:r>
-            <a:r>
-              <a:rPr lang="en-US" dirty="0"/>
-              <a:t> ) will work</a:t>
-            </a:r>
-          </a:p>
-          <a:p>
-            <a:r>
-              <a:rPr lang="en-US" dirty="0"/>
-              <a:t>But with a </a:t>
-            </a:r>
-            <a:r>
-              <a:rPr lang="en-US" dirty="0" err="1"/>
-              <a:t>url</a:t>
-            </a:r>
-            <a:r>
-              <a:rPr lang="en-US" dirty="0"/>
-              <a:t> like :    </a:t>
-            </a:r>
-            <a:r>
-              <a:rPr lang="en-US" dirty="0" err="1"/>
-              <a:t>url</a:t>
-            </a:r>
-            <a:r>
-              <a:rPr lang="en-US" dirty="0"/>
-              <a:t> =  /</a:t>
-            </a:r>
-            <a:r>
-              <a:rPr lang="en-US" dirty="0" err="1"/>
-              <a:t>todos</a:t>
-            </a:r>
-            <a:r>
-              <a:rPr lang="en-US" dirty="0"/>
-              <a:t>  + JSON payload of an object containing id and version property, you can't use $</a:t>
-            </a:r>
-            <a:r>
-              <a:rPr lang="en-US" dirty="0" err="1"/>
-              <a:t>http.delete</a:t>
-            </a:r>
-            <a:r>
-              <a:rPr lang="en-US" dirty="0"/>
-              <a:t>()</a:t>
-            </a:r>
-          </a:p>
-          <a:p>
-            <a:pPr lvl="1"/>
-            <a:r>
-              <a:rPr lang="en-US" dirty="0"/>
-              <a:t>instead user the full explicit API  : </a:t>
-            </a:r>
-          </a:p>
-          <a:p>
-            <a:endParaRPr lang="en-US" dirty="0"/>
-          </a:p>
-          <a:p>
-            <a:endParaRPr lang="en-US" dirty="0"/>
-          </a:p>
-        </p:txBody>
-      </p:sp>
-      <p:pic>
-        <p:nvPicPr>
-          <p:cNvPr id="2" name="Image 1"/>
-          <p:cNvPicPr>
-            <a:picLocks noChangeAspect="1"/>
-          </p:cNvPicPr>
-          <p:nvPr/>
-        </p:nvPicPr>
-        <p:blipFill>
-          <a:blip r:embed="rId3"/>
-          <a:stretch>
-            <a:fillRect/>
-          </a:stretch>
-        </p:blipFill>
-        <p:spPr>
-          <a:xfrm>
-            <a:off x="1984885" y="4237578"/>
-            <a:ext cx="5415449" cy="1547271"/>
-          </a:xfrm>
-          <a:prstGeom prst="rect">
-            <a:avLst/>
-          </a:prstGeom>
-        </p:spPr>
-      </p:pic>
-      <p:pic>
-        <p:nvPicPr>
-          <p:cNvPr id="4" name="Image 3"/>
-          <p:cNvPicPr>
-            <a:picLocks noChangeAspect="1"/>
-          </p:cNvPicPr>
-          <p:nvPr/>
-        </p:nvPicPr>
-        <p:blipFill>
-          <a:blip r:embed="rId4"/>
-          <a:stretch>
-            <a:fillRect/>
-          </a:stretch>
-        </p:blipFill>
-        <p:spPr>
-          <a:xfrm>
-            <a:off x="2100632" y="5881126"/>
-            <a:ext cx="3867150" cy="381000"/>
-          </a:xfrm>
-          <a:prstGeom prst="rect">
-            <a:avLst/>
-          </a:prstGeom>
-        </p:spPr>
-      </p:pic>
-    </p:spTree>
-    <p:extLst>
-      <p:ext uri="{BB962C8B-B14F-4D97-AF65-F5344CB8AC3E}">
-        <p14:creationId xmlns:p14="http://schemas.microsoft.com/office/powerpoint/2010/main" val="1660829857"/>
-      </p:ext>
-    </p:extLst>
-  </p:cSld>
-  <p:clrMapOvr>
-    <a:masterClrMapping/>
-  </p:clrMapOvr>
-</p:sld>
-</file>
-
-<file path=ppt/slides/slide16.xml><?xml version="1.0" encoding="utf-8"?>
-<p:sld xmlns:a="http://schemas.openxmlformats.org/drawingml/2006/main" xmlns:r="http://schemas.openxmlformats.org/officeDocument/2006/relationships" xmlns:p="http://schemas.openxmlformats.org/presentationml/2006/main" show="0">
-  <p:cSld>
-    <p:spTree>
-      <p:nvGrpSpPr>
-        <p:cNvPr id="1" name=""/>
-        <p:cNvGrpSpPr/>
-        <p:nvPr/>
-      </p:nvGrpSpPr>
-      <p:grpSpPr>
-        <a:xfrm>
-          <a:off x="0" y="0"/>
-          <a:ext cx="0" cy="0"/>
-          <a:chOff x="0" y="0"/>
-          <a:chExt cx="0" cy="0"/>
-        </a:xfrm>
-      </p:grpSpPr>
-      <p:sp>
-        <p:nvSpPr>
-          <p:cNvPr id="2" name="Espace réservé du contenu 1"/>
-          <p:cNvSpPr>
-            <a:spLocks noGrp="1"/>
-          </p:cNvSpPr>
-          <p:nvPr>
-            <p:ph idx="1"/>
-          </p:nvPr>
-        </p:nvSpPr>
-        <p:spPr bwMode="gray"/>
-        <p:txBody>
-          <a:bodyPr/>
-          <a:lstStyle/>
-          <a:p>
-            <a:r>
-              <a:rPr lang="en-US" dirty="0" err="1"/>
-              <a:t>PluralSight</a:t>
-            </a:r>
-            <a:r>
-              <a:rPr lang="en-US" dirty="0"/>
-              <a:t> Angular Best Practices by Joe Eames </a:t>
-            </a:r>
-          </a:p>
-          <a:p>
-            <a:pPr lvl="1"/>
-            <a:r>
-              <a:rPr lang="en-US" dirty="0"/>
-              <a:t>Chapter 8 : server communication</a:t>
-            </a:r>
-            <a:br>
-              <a:rPr lang="en-US" dirty="0"/>
-            </a:br>
-            <a:r>
-              <a:rPr lang="en-US" dirty="0"/>
-              <a:t>$resource</a:t>
-            </a:r>
-            <a:br>
-              <a:rPr lang="en-US" dirty="0"/>
-            </a:br>
-            <a:r>
-              <a:rPr lang="en-US" dirty="0"/>
-              <a:t>$http</a:t>
-            </a:r>
-            <a:br>
-              <a:rPr lang="en-US" dirty="0"/>
-            </a:br>
-            <a:r>
-              <a:rPr lang="en-US" dirty="0" err="1"/>
-              <a:t>RestAngular</a:t>
-            </a:r>
-            <a:endParaRPr lang="en-US" dirty="0"/>
-          </a:p>
-          <a:p>
-            <a:pPr lvl="1"/>
-            <a:endParaRPr lang="en-US" dirty="0"/>
-          </a:p>
-          <a:p>
-            <a:r>
-              <a:rPr lang="en-US" dirty="0"/>
-              <a:t> </a:t>
-            </a:r>
-            <a:r>
-              <a:rPr lang="en-US" dirty="0" err="1"/>
-              <a:t>Packt</a:t>
-            </a:r>
-            <a:r>
-              <a:rPr lang="en-US" dirty="0"/>
-              <a:t> Book : Mastering Web Application Development with </a:t>
-            </a:r>
-            <a:r>
-              <a:rPr lang="en-US" dirty="0" err="1"/>
-              <a:t>AngularJS</a:t>
-            </a:r>
-            <a:r>
-              <a:rPr lang="en-US" dirty="0"/>
-              <a:t>   </a:t>
-            </a:r>
-          </a:p>
-          <a:p>
-            <a:pPr lvl="1"/>
-            <a:r>
-              <a:rPr lang="en-US" dirty="0"/>
-              <a:t>Chapter 3 : Communicating with a Back-end Server</a:t>
-            </a:r>
-          </a:p>
-          <a:p>
-            <a:r>
-              <a:rPr lang="en-US" dirty="0"/>
-              <a:t>APRESS PRO AngularJS page 555 top</a:t>
-            </a:r>
-          </a:p>
-        </p:txBody>
-      </p:sp>
-      <p:sp>
-        <p:nvSpPr>
-          <p:cNvPr id="3" name="Titre 2"/>
-          <p:cNvSpPr>
-            <a:spLocks noGrp="1"/>
-          </p:cNvSpPr>
-          <p:nvPr>
-            <p:ph type="title"/>
-          </p:nvPr>
-        </p:nvSpPr>
-        <p:spPr bwMode="gray">
-          <a:xfrm>
-            <a:off x="544439" y="260648"/>
-            <a:ext cx="8045374" cy="332546"/>
-          </a:xfrm>
-        </p:spPr>
-        <p:txBody>
-          <a:bodyPr/>
-          <a:lstStyle/>
-          <a:p>
-            <a:r>
-              <a:rPr lang="fr-FR" cap="none" dirty="0" err="1"/>
-              <a:t>AngularJS</a:t>
-            </a:r>
-            <a:endParaRPr lang="en-GB" cap="none" dirty="0"/>
-          </a:p>
-        </p:txBody>
-      </p:sp>
-      <p:sp>
-        <p:nvSpPr>
-          <p:cNvPr id="5" name="Espace réservé du numéro de diapositive 4"/>
-          <p:cNvSpPr>
-            <a:spLocks noGrp="1"/>
-          </p:cNvSpPr>
-          <p:nvPr>
-            <p:ph type="sldNum" sz="quarter" idx="12"/>
-          </p:nvPr>
-        </p:nvSpPr>
-        <p:spPr bwMode="gray"/>
-        <p:txBody>
-          <a:bodyPr/>
-          <a:lstStyle/>
-          <a:p>
-            <a:fld id="{AF43E6FD-AB27-4108-A2FC-346BB5F75E3F}" type="slidenum">
-              <a:rPr lang="fr-FR" smtClean="0"/>
-              <a:pPr/>
-              <a:t>16</a:t>
-            </a:fld>
-            <a:endParaRPr lang="fr-FR" dirty="0"/>
-          </a:p>
-        </p:txBody>
-      </p:sp>
-      <p:sp>
-        <p:nvSpPr>
-          <p:cNvPr id="10" name="Espace réservé du texte 9"/>
-          <p:cNvSpPr>
-            <a:spLocks noGrp="1"/>
-          </p:cNvSpPr>
-          <p:nvPr>
-            <p:ph type="body" sz="quarter" idx="13"/>
-          </p:nvPr>
-        </p:nvSpPr>
-        <p:spPr bwMode="gray"/>
-        <p:txBody>
-          <a:bodyPr/>
-          <a:lstStyle/>
-          <a:p>
-            <a:endParaRPr lang="en-GB" cap="none" dirty="0"/>
-          </a:p>
-        </p:txBody>
-      </p:sp>
-      <p:sp>
-        <p:nvSpPr>
-          <p:cNvPr id="6" name="Espace réservé du pied de page 5"/>
-          <p:cNvSpPr>
-            <a:spLocks noGrp="1"/>
-          </p:cNvSpPr>
-          <p:nvPr>
-            <p:ph type="ftr" sz="quarter" idx="11"/>
-          </p:nvPr>
-        </p:nvSpPr>
-        <p:spPr/>
-        <p:txBody>
-          <a:bodyPr/>
-          <a:lstStyle/>
-          <a:p>
-            <a:r>
-              <a:rPr lang="fr-FR"/>
-              <a:t>Nom de la présentation</a:t>
-            </a:r>
-            <a:endParaRPr lang="fr-FR" dirty="0"/>
-          </a:p>
-        </p:txBody>
-      </p:sp>
-    </p:spTree>
-    <p:extLst>
-      <p:ext uri="{BB962C8B-B14F-4D97-AF65-F5344CB8AC3E}">
-        <p14:creationId xmlns:p14="http://schemas.microsoft.com/office/powerpoint/2010/main" val="1849912017"/>
-      </p:ext>
-    </p:extLst>
-  </p:cSld>
-  <p:clrMapOvr>
-    <a:masterClrMapping/>
-  </p:clrMapOvr>
-  <mc:AlternateContent xmlns:mc="http://schemas.openxmlformats.org/markup-compatibility/2006" xmlns:p14="http://schemas.microsoft.com/office/powerpoint/2010/main">
-    <mc:Choice Requires="p14">
-      <p:transition spd="slow" p14:dur="2000"/>
-    </mc:Choice>
-    <mc:Fallback xmlns="">
-      <p:transition spd="slow"/>
-    </mc:Fallback>
-  </mc:AlternateContent>
 </p:sld>
 </file>
 
@@ -11889,6 +9288,71 @@
       </p:grpSpPr>
       <p:sp>
         <p:nvSpPr>
+          <p:cNvPr id="8" name="Espace réservé du contenu 7"/>
+          <p:cNvSpPr>
+            <a:spLocks noGrp="1"/>
+          </p:cNvSpPr>
+          <p:nvPr>
+            <p:ph idx="1"/>
+          </p:nvPr>
+        </p:nvSpPr>
+        <p:spPr/>
+        <p:txBody>
+          <a:bodyPr/>
+          <a:lstStyle/>
+          <a:p>
+            <a:endParaRPr lang="en-US" dirty="0" smtClean="0"/>
+          </a:p>
+          <a:p>
+            <a:r>
+              <a:rPr lang="en-US" dirty="0" smtClean="0"/>
+              <a:t>$http is a service that </a:t>
+            </a:r>
+            <a:r>
+              <a:rPr lang="en-US" dirty="0"/>
+              <a:t>facilitates communication with the remote HTTP servers via the browser's </a:t>
+            </a:r>
+            <a:r>
+              <a:rPr lang="en-US" dirty="0" err="1"/>
+              <a:t>XMLHttpRequest</a:t>
+            </a:r>
+            <a:r>
+              <a:rPr lang="en-US" dirty="0"/>
+              <a:t> </a:t>
+            </a:r>
+            <a:r>
+              <a:rPr lang="en-US" dirty="0" smtClean="0"/>
+              <a:t>object</a:t>
+            </a:r>
+          </a:p>
+          <a:p>
+            <a:endParaRPr lang="en-US" dirty="0"/>
+          </a:p>
+          <a:p>
+            <a:r>
+              <a:rPr lang="en-US" dirty="0"/>
+              <a:t>The $http API is based on the </a:t>
+            </a:r>
+            <a:r>
+              <a:rPr lang="en-US" dirty="0">
+                <a:hlinkClick r:id="rId3"/>
+              </a:rPr>
+              <a:t>deferred/promise APIs</a:t>
+            </a:r>
+            <a:r>
+              <a:rPr lang="en-US" dirty="0"/>
+              <a:t> exposed by the $q </a:t>
+            </a:r>
+            <a:r>
+              <a:rPr lang="en-US" dirty="0" smtClean="0"/>
+              <a:t>service</a:t>
+            </a:r>
+            <a:endParaRPr lang="en-US" dirty="0"/>
+          </a:p>
+        </p:txBody>
+      </p:sp>
+      <p:sp>
+        <p:nvSpPr>
           <p:cNvPr id="3" name="Titre 2"/>
           <p:cNvSpPr>
             <a:spLocks noGrp="1"/>
@@ -11897,21 +9361,39 @@
             <p:ph type="title"/>
           </p:nvPr>
         </p:nvSpPr>
-        <p:spPr bwMode="gray">
-          <a:xfrm>
-            <a:off x="544439" y="260648"/>
-            <a:ext cx="8045374" cy="332546"/>
-          </a:xfrm>
-        </p:spPr>
+        <p:spPr/>
         <p:txBody>
           <a:bodyPr/>
           <a:lstStyle/>
           <a:p>
             <a:r>
-              <a:rPr lang="fr-FR" cap="none" dirty="0"/>
-              <a:t>$http API</a:t>
-            </a:r>
-            <a:endParaRPr lang="en-GB" cap="none" dirty="0"/>
+              <a:rPr lang="en-GB" smtClean="0"/>
+              <a:t>What is $http?</a:t>
+            </a:r>
+            <a:endParaRPr lang="en-GB" dirty="0"/>
+          </a:p>
+        </p:txBody>
+      </p:sp>
+      <p:sp>
+        <p:nvSpPr>
+          <p:cNvPr id="6" name="Espace réservé du pied de page 5"/>
+          <p:cNvSpPr>
+            <a:spLocks noGrp="1"/>
+          </p:cNvSpPr>
+          <p:nvPr>
+            <p:ph type="ftr" sz="quarter" idx="11"/>
+          </p:nvPr>
+        </p:nvSpPr>
+        <p:spPr/>
+        <p:txBody>
+          <a:bodyPr/>
+          <a:lstStyle/>
+          <a:p>
+            <a:r>
+              <a:rPr lang="fr-FR" smtClean="0"/>
+              <a:t>Nom de la présentation</a:t>
+            </a:r>
+            <a:endParaRPr lang="fr-FR" dirty="0"/>
           </a:p>
         </p:txBody>
       </p:sp>
@@ -11925,7 +9407,7 @@
             <p:ph type="sldNum" sz="quarter" idx="12"/>
           </p:nvPr>
         </p:nvSpPr>
-        <p:spPr bwMode="gray"/>
+        <p:spPr/>
         <p:txBody>
           <a:bodyPr/>
           <a:lstStyle/>
@@ -11941,7 +9423,7 @@
       </p:sp>
       <p:sp>
         <p:nvSpPr>
-          <p:cNvPr id="10" name="Espace réservé du texte 9"/>
+          <p:cNvPr id="9" name="Espace réservé du texte 8"/>
           <p:cNvSpPr>
             <a:spLocks noGrp="1"/>
           </p:cNvSpPr>
@@ -11949,208 +9431,12 @@
             <p:ph type="body" sz="quarter" idx="13"/>
           </p:nvPr>
         </p:nvSpPr>
-        <p:spPr bwMode="gray">
-          <a:xfrm>
-            <a:off x="353274" y="1494824"/>
-            <a:ext cx="3217936" cy="269875"/>
-          </a:xfrm>
-        </p:spPr>
+        <p:spPr/>
         <p:txBody>
           <a:bodyPr/>
           <a:lstStyle/>
           <a:p>
-            <a:r>
-              <a:rPr lang="en-GB" cap="none" dirty="0"/>
-              <a:t>Compact "shortcut" syntax</a:t>
-            </a:r>
-          </a:p>
-        </p:txBody>
-      </p:sp>
-      <p:sp>
-        <p:nvSpPr>
-          <p:cNvPr id="6" name="Espace réservé du pied de page 5"/>
-          <p:cNvSpPr>
-            <a:spLocks noGrp="1"/>
-          </p:cNvSpPr>
-          <p:nvPr>
-            <p:ph type="ftr" sz="quarter" idx="11"/>
-          </p:nvPr>
-        </p:nvSpPr>
-        <p:spPr/>
-        <p:txBody>
-          <a:bodyPr/>
-          <a:lstStyle/>
-          <a:p>
-            <a:r>
-              <a:rPr lang="fr-FR"/>
-              <a:t>Nom de la présentation</a:t>
-            </a:r>
-            <a:endParaRPr lang="fr-FR" dirty="0"/>
-          </a:p>
-        </p:txBody>
-      </p:sp>
-      <p:pic>
-        <p:nvPicPr>
-          <p:cNvPr id="2050" name="Picture 2"/>
-          <p:cNvPicPr>
-            <a:picLocks noChangeAspect="1" noChangeArrowheads="1"/>
-          </p:cNvPicPr>
-          <p:nvPr/>
-        </p:nvPicPr>
-        <p:blipFill>
-          <a:blip r:embed="rId3"/>
-          <a:srcRect/>
-          <a:stretch>
-            <a:fillRect/>
-          </a:stretch>
-        </p:blipFill>
-        <p:spPr bwMode="auto">
-          <a:xfrm>
-            <a:off x="3112677" y="3811551"/>
-            <a:ext cx="1576279" cy="1891535"/>
-          </a:xfrm>
-          <a:prstGeom prst="rect">
-            <a:avLst/>
-          </a:prstGeom>
-          <a:noFill/>
-          <a:ln w="9525">
-            <a:noFill/>
-            <a:miter lim="800000"/>
-            <a:headEnd/>
-            <a:tailEnd/>
-          </a:ln>
-        </p:spPr>
-      </p:pic>
-      <p:pic>
-        <p:nvPicPr>
-          <p:cNvPr id="2051" name="Picture 3"/>
-          <p:cNvPicPr>
-            <a:picLocks noChangeAspect="1" noChangeArrowheads="1"/>
-          </p:cNvPicPr>
-          <p:nvPr/>
-        </p:nvPicPr>
-        <p:blipFill>
-          <a:blip r:embed="rId4"/>
-          <a:srcRect/>
-          <a:stretch>
-            <a:fillRect/>
-          </a:stretch>
-        </p:blipFill>
-        <p:spPr bwMode="auto">
-          <a:xfrm>
-            <a:off x="817377" y="1976103"/>
-            <a:ext cx="5469037" cy="618239"/>
-          </a:xfrm>
-          <a:prstGeom prst="rect">
-            <a:avLst/>
-          </a:prstGeom>
-          <a:noFill/>
-          <a:ln w="9525">
-            <a:noFill/>
-            <a:miter lim="800000"/>
-            <a:headEnd/>
-            <a:tailEnd/>
-          </a:ln>
-        </p:spPr>
-      </p:pic>
-      <p:pic>
-        <p:nvPicPr>
-          <p:cNvPr id="1027" name="Picture 3"/>
-          <p:cNvPicPr>
-            <a:picLocks noChangeAspect="1" noChangeArrowheads="1"/>
-          </p:cNvPicPr>
-          <p:nvPr/>
-        </p:nvPicPr>
-        <p:blipFill>
-          <a:blip r:embed="rId5"/>
-          <a:srcRect/>
-          <a:stretch>
-            <a:fillRect/>
-          </a:stretch>
-        </p:blipFill>
-        <p:spPr bwMode="auto">
-          <a:xfrm>
-            <a:off x="5482413" y="2831362"/>
-            <a:ext cx="2628900" cy="476250"/>
-          </a:xfrm>
-          <a:prstGeom prst="rect">
-            <a:avLst/>
-          </a:prstGeom>
-          <a:noFill/>
-          <a:ln w="9525">
-            <a:noFill/>
-            <a:miter lim="800000"/>
-            <a:headEnd/>
-            <a:tailEnd/>
-          </a:ln>
-        </p:spPr>
-      </p:pic>
-      <p:sp>
-        <p:nvSpPr>
-          <p:cNvPr id="16" name="ZoneTexte 15"/>
-          <p:cNvSpPr txBox="1"/>
-          <p:nvPr/>
-        </p:nvSpPr>
-        <p:spPr>
-          <a:xfrm>
-            <a:off x="678490" y="2964047"/>
-            <a:ext cx="4755469" cy="369332"/>
-          </a:xfrm>
-          <a:prstGeom prst="rect">
-            <a:avLst/>
-          </a:prstGeom>
-          <a:noFill/>
-        </p:spPr>
-        <p:txBody>
-          <a:bodyPr wrap="none" rtlCol="0">
-            <a:spAutoFit/>
-          </a:bodyPr>
-          <a:lstStyle/>
-          <a:p>
-            <a:r>
-              <a:rPr lang="fr-FR" dirty="0"/>
-              <a:t>You </a:t>
-            </a:r>
-            <a:r>
-              <a:rPr lang="fr-FR" dirty="0" err="1"/>
-              <a:t>still</a:t>
-            </a:r>
-            <a:r>
-              <a:rPr lang="fr-FR" dirty="0"/>
-              <a:t>  </a:t>
-            </a:r>
-            <a:r>
-              <a:rPr lang="fr-FR" dirty="0" err="1"/>
-              <a:t>can</a:t>
-            </a:r>
-            <a:r>
-              <a:rPr lang="fr-FR" dirty="0"/>
-              <a:t> </a:t>
-            </a:r>
-            <a:r>
-              <a:rPr lang="fr-FR" dirty="0" err="1"/>
-              <a:t>pass</a:t>
-            </a:r>
-            <a:r>
-              <a:rPr lang="fr-FR" dirty="0"/>
-              <a:t> in </a:t>
-            </a:r>
-            <a:r>
-              <a:rPr lang="fr-FR" dirty="0" err="1"/>
-              <a:t>additional</a:t>
-            </a:r>
-            <a:r>
-              <a:rPr lang="fr-FR" dirty="0"/>
-              <a:t> config if </a:t>
-            </a:r>
-            <a:r>
-              <a:rPr lang="fr-FR" dirty="0" err="1"/>
-              <a:t>needed</a:t>
-            </a:r>
-            <a:r>
-              <a:rPr lang="fr-FR" dirty="0"/>
-              <a:t> : </a:t>
-            </a:r>
+            <a:endParaRPr lang="fr-FR"/>
           </a:p>
         </p:txBody>
       </p:sp>
@@ -12186,7 +9472,7 @@
       </p:grpSpPr>
       <p:sp>
         <p:nvSpPr>
-          <p:cNvPr id="2" name="Espace réservé du contenu 1"/>
+          <p:cNvPr id="8" name="Espace réservé du contenu 7"/>
           <p:cNvSpPr>
             <a:spLocks noGrp="1"/>
           </p:cNvSpPr>
@@ -12199,83 +9485,120 @@
           <a:bodyPr/>
           <a:lstStyle/>
           <a:p>
-            <a:r>
-              <a:rPr lang="en-GB" dirty="0"/>
-              <a:t>Shortcut  syntax with </a:t>
-            </a:r>
-            <a:r>
-              <a:rPr lang="en-GB" dirty="0" err="1"/>
-              <a:t>params</a:t>
+            <a:pPr marL="0" indent="0">
+              <a:buNone/>
+            </a:pPr>
+            <a:endParaRPr lang="en-US" dirty="0" smtClean="0"/>
+          </a:p>
+          <a:p>
+            <a:pPr marL="0" indent="0">
+              <a:buNone/>
+            </a:pPr>
+            <a:endParaRPr lang="en-US" dirty="0"/>
+          </a:p>
+          <a:p>
+            <a:pPr marL="0" indent="0">
+              <a:buNone/>
+            </a:pPr>
+            <a:endParaRPr lang="en-US" dirty="0" smtClean="0"/>
+          </a:p>
+          <a:p>
+            <a:pPr marL="0" indent="0">
+              <a:buNone/>
+            </a:pPr>
+            <a:endParaRPr lang="en-US" dirty="0"/>
+          </a:p>
+          <a:p>
+            <a:pPr marL="0" indent="0">
+              <a:buNone/>
+            </a:pPr>
+            <a:endParaRPr lang="en-US" dirty="0" smtClean="0"/>
+          </a:p>
+          <a:p>
+            <a:pPr marL="0" indent="0">
+              <a:buNone/>
+            </a:pPr>
+            <a:endParaRPr lang="en-US" dirty="0" smtClean="0"/>
+          </a:p>
+          <a:p>
+            <a:pPr marL="0" indent="0">
+              <a:buNone/>
+            </a:pPr>
+            <a:r>
+              <a:rPr lang="en-US" dirty="0" smtClean="0"/>
+              <a:t>Call $http with a </a:t>
+            </a:r>
+            <a:r>
+              <a:rPr lang="en-US" b="1" dirty="0" smtClean="0"/>
+              <a:t>configuration object </a:t>
+            </a:r>
+            <a:r>
+              <a:rPr lang="en-US" dirty="0" smtClean="0"/>
+              <a:t>-&gt; the returned object is a </a:t>
+            </a:r>
+            <a:r>
+              <a:rPr lang="en-US" b="1" dirty="0" smtClean="0"/>
+              <a:t>promise</a:t>
+            </a:r>
+            <a:r>
+              <a:rPr lang="en-US" dirty="0" smtClean="0"/>
+              <a:t> that will be resolved when the </a:t>
+            </a:r>
+            <a:r>
+              <a:rPr lang="fr-FR" b="1" dirty="0" err="1" smtClean="0"/>
+              <a:t>request</a:t>
+            </a:r>
+            <a:r>
+              <a:rPr lang="fr-FR" b="1" dirty="0" smtClean="0"/>
+              <a:t> </a:t>
+            </a:r>
+            <a:r>
+              <a:rPr lang="fr-FR" b="1" dirty="0" err="1"/>
+              <a:t>succeeds</a:t>
+            </a:r>
+            <a:r>
+              <a:rPr lang="fr-FR" b="1" dirty="0"/>
+              <a:t> or </a:t>
+            </a:r>
+            <a:r>
+              <a:rPr lang="fr-FR" b="1" dirty="0" err="1"/>
+              <a:t>fails</a:t>
+            </a:r>
+            <a:endParaRPr lang="en-US" b="1" dirty="0" smtClean="0"/>
+          </a:p>
+        </p:txBody>
+      </p:sp>
+      <p:sp>
+        <p:nvSpPr>
+          <p:cNvPr id="3" name="Titre 2"/>
+          <p:cNvSpPr>
+            <a:spLocks noGrp="1"/>
+          </p:cNvSpPr>
+          <p:nvPr>
+            <p:ph type="title"/>
+          </p:nvPr>
+        </p:nvSpPr>
+        <p:spPr/>
+        <p:txBody>
+          <a:bodyPr/>
+          <a:lstStyle/>
+          <a:p>
+            <a:r>
+              <a:rPr lang="en-GB" dirty="0" smtClean="0"/>
+              <a:t>General usage</a:t>
             </a:r>
             <a:endParaRPr lang="en-GB" dirty="0"/>
           </a:p>
-          <a:p>
-            <a:endParaRPr lang="en-GB" dirty="0"/>
-          </a:p>
-          <a:p>
-            <a:r>
-              <a:rPr lang="en-GB" dirty="0">
-                <a:hlinkClick r:id="rId2"/>
-              </a:rPr>
-              <a:t>https://docs.angularjs.org/api/ng/service/$http#post</a:t>
-            </a:r>
-            <a:endParaRPr lang="en-GB" dirty="0"/>
-          </a:p>
-          <a:p>
-            <a:endParaRPr lang="en-GB" dirty="0"/>
-          </a:p>
-          <a:p>
-            <a:endParaRPr lang="en-GB" dirty="0"/>
-          </a:p>
-          <a:p>
-            <a:endParaRPr lang="en-GB" dirty="0"/>
-          </a:p>
-          <a:p>
-            <a:endParaRPr lang="en-GB" dirty="0"/>
-          </a:p>
-          <a:p>
-            <a:r>
-              <a:rPr lang="en-GB" dirty="0"/>
-              <a:t>Angular Shortcut gives you a </a:t>
-            </a:r>
-            <a:r>
-              <a:rPr lang="en-GB" dirty="0" err="1"/>
-              <a:t>param</a:t>
-            </a:r>
-            <a:r>
-              <a:rPr lang="en-GB" dirty="0"/>
-              <a:t> for data for : POST, PUT, PATCH</a:t>
-            </a:r>
-          </a:p>
-          <a:p>
-            <a:pPr lvl="1"/>
-            <a:r>
-              <a:rPr lang="en-GB" dirty="0"/>
-              <a:t>But not for : GET, HEAD, </a:t>
-            </a:r>
-            <a:r>
-              <a:rPr lang="en-GB" dirty="0">
-                <a:solidFill>
-                  <a:srgbClr val="FF0000"/>
-                </a:solidFill>
-              </a:rPr>
-              <a:t>DELETE</a:t>
-            </a:r>
-            <a:r>
-              <a:rPr lang="en-GB" dirty="0"/>
-              <a:t> </a:t>
-            </a:r>
-          </a:p>
-        </p:txBody>
-      </p:sp>
-      <p:sp>
-        <p:nvSpPr>
-          <p:cNvPr id="3" name="Titre 2"/>
-          <p:cNvSpPr>
-            <a:spLocks noGrp="1"/>
-          </p:cNvSpPr>
-          <p:nvPr>
-            <p:ph type="title"/>
+        </p:txBody>
+      </p:sp>
+      <p:sp>
+        <p:nvSpPr>
+          <p:cNvPr id="6" name="Espace réservé du pied de page 5"/>
+          <p:cNvSpPr>
+            <a:spLocks noGrp="1"/>
+          </p:cNvSpPr>
+          <p:nvPr>
+            <p:ph type="ftr" sz="quarter" idx="11"/>
           </p:nvPr>
         </p:nvSpPr>
         <p:spPr/>
@@ -12283,25 +9606,10 @@
           <a:bodyPr/>
           <a:lstStyle/>
           <a:p>
-            <a:endParaRPr lang="en-GB"/>
-          </a:p>
-        </p:txBody>
-      </p:sp>
-      <p:sp>
-        <p:nvSpPr>
-          <p:cNvPr id="4" name="Espace réservé du pied de page 3"/>
-          <p:cNvSpPr>
-            <a:spLocks noGrp="1"/>
-          </p:cNvSpPr>
-          <p:nvPr>
-            <p:ph type="ftr" sz="quarter" idx="11"/>
-          </p:nvPr>
-        </p:nvSpPr>
-        <p:spPr/>
-        <p:txBody>
-          <a:bodyPr/>
-          <a:lstStyle/>
-          <a:p>
+            <a:r>
+              <a:rPr lang="fr-FR" smtClean="0"/>
+              <a:t>Nom de la présentation</a:t>
+            </a:r>
             <a:endParaRPr lang="fr-FR" dirty="0"/>
           </a:p>
         </p:txBody>
@@ -12332,7 +9640,7 @@
       </p:sp>
       <p:sp>
         <p:nvSpPr>
-          <p:cNvPr id="6" name="Espace réservé du texte 5"/>
+          <p:cNvPr id="9" name="Espace réservé du texte 8"/>
           <p:cNvSpPr>
             <a:spLocks noGrp="1"/>
           </p:cNvSpPr>
@@ -12345,111 +9653,40 @@
           <a:bodyPr/>
           <a:lstStyle/>
           <a:p>
-            <a:r>
-              <a:rPr lang="en-GB" dirty="0"/>
-              <a:t>Example </a:t>
-            </a:r>
+            <a:endParaRPr lang="fr-FR"/>
           </a:p>
         </p:txBody>
       </p:sp>
       <p:pic>
         <p:nvPicPr>
-          <p:cNvPr id="1027" name="Picture 3"/>
+          <p:cNvPr id="4" name="Image 3"/>
           <p:cNvPicPr>
-            <a:picLocks noChangeAspect="1" noChangeArrowheads="1"/>
+            <a:picLocks noChangeAspect="1"/>
           </p:cNvPicPr>
           <p:nvPr/>
         </p:nvPicPr>
         <p:blipFill>
           <a:blip r:embed="rId3"/>
-          <a:srcRect/>
           <a:stretch>
             <a:fillRect/>
           </a:stretch>
         </p:blipFill>
-        <p:spPr bwMode="auto">
+        <p:spPr>
           <a:xfrm>
-            <a:off x="737746" y="1815287"/>
-            <a:ext cx="2905125" cy="590550"/>
+            <a:off x="882182" y="1147953"/>
+            <a:ext cx="6406514" cy="3267180"/>
           </a:xfrm>
           <a:prstGeom prst="rect">
             <a:avLst/>
           </a:prstGeom>
-          <a:noFill/>
-          <a:ln w="9525">
-            <a:noFill/>
-            <a:miter lim="800000"/>
-            <a:headEnd/>
-            <a:tailEnd/>
-          </a:ln>
-          <a:effectLst/>
-        </p:spPr>
-      </p:pic>
-      <p:pic>
-        <p:nvPicPr>
-          <p:cNvPr id="7" name="Picture 2"/>
-          <p:cNvPicPr>
-            <a:picLocks noChangeAspect="1" noChangeArrowheads="1"/>
-          </p:cNvPicPr>
-          <p:nvPr/>
-        </p:nvPicPr>
-        <p:blipFill>
-          <a:blip r:embed="rId4"/>
-          <a:srcRect/>
-          <a:stretch>
-            <a:fillRect/>
-          </a:stretch>
-        </p:blipFill>
-        <p:spPr bwMode="auto">
-          <a:xfrm>
-            <a:off x="845953" y="3035707"/>
-            <a:ext cx="3028950" cy="276225"/>
-          </a:xfrm>
-          <a:prstGeom prst="rect">
-            <a:avLst/>
-          </a:prstGeom>
-          <a:noFill/>
-          <a:ln w="9525">
-            <a:noFill/>
-            <a:miter lim="800000"/>
-            <a:headEnd/>
-            <a:tailEnd/>
-          </a:ln>
-        </p:spPr>
-      </p:pic>
-      <p:pic>
-        <p:nvPicPr>
-          <p:cNvPr id="8" name="Picture 3"/>
-          <p:cNvPicPr>
-            <a:picLocks noChangeAspect="1" noChangeArrowheads="1"/>
-          </p:cNvPicPr>
-          <p:nvPr/>
-        </p:nvPicPr>
-        <p:blipFill>
-          <a:blip r:embed="rId5"/>
-          <a:srcRect/>
-          <a:stretch>
-            <a:fillRect/>
-          </a:stretch>
-        </p:blipFill>
-        <p:spPr bwMode="auto">
-          <a:xfrm>
-            <a:off x="228600" y="3851645"/>
-            <a:ext cx="8915400" cy="685800"/>
-          </a:xfrm>
-          <a:prstGeom prst="rect">
-            <a:avLst/>
-          </a:prstGeom>
-          <a:noFill/>
-          <a:ln w="9525">
-            <a:noFill/>
-            <a:miter lim="800000"/>
-            <a:headEnd/>
-            <a:tailEnd/>
-          </a:ln>
         </p:spPr>
       </p:pic>
     </p:spTree>
+    <p:extLst>
+      <p:ext uri="{BB962C8B-B14F-4D97-AF65-F5344CB8AC3E}">
+        <p14:creationId xmlns:p14="http://schemas.microsoft.com/office/powerpoint/2010/main" val="920544094"/>
+      </p:ext>
+    </p:extLst>
   </p:cSld>
   <p:clrMapOvr>
     <a:masterClrMapping/>
@@ -12476,6 +9713,197 @@
       </p:grpSpPr>
       <p:sp>
         <p:nvSpPr>
+          <p:cNvPr id="8" name="Espace réservé du contenu 7"/>
+          <p:cNvSpPr>
+            <a:spLocks noGrp="1"/>
+          </p:cNvSpPr>
+          <p:nvPr>
+            <p:ph idx="1"/>
+          </p:nvPr>
+        </p:nvSpPr>
+        <p:spPr/>
+        <p:txBody>
+          <a:bodyPr/>
+          <a:lstStyle/>
+          <a:p>
+            <a:pPr marL="0" indent="0">
+              <a:buNone/>
+            </a:pPr>
+            <a:r>
+              <a:rPr lang="en-US" dirty="0" smtClean="0"/>
+              <a:t>The configuration object can have a lot of property, the main ones are:</a:t>
+            </a:r>
+          </a:p>
+          <a:p>
+            <a:pPr>
+              <a:buFont typeface="Arial" panose="020B0604020202020204" pitchFamily="34" charset="0"/>
+              <a:buChar char="•"/>
+            </a:pPr>
+            <a:r>
+              <a:rPr lang="en-US" sz="1800" b="1" dirty="0" smtClean="0"/>
+              <a:t>method</a:t>
+            </a:r>
+            <a:r>
+              <a:rPr lang="en-US" sz="1800" dirty="0" smtClean="0"/>
+              <a:t> </a:t>
+            </a:r>
+            <a:r>
+              <a:rPr lang="en-US" sz="1800" dirty="0"/>
+              <a:t>– {string} – HTTP method (e.g. 'GET', 'POST', </a:t>
+            </a:r>
+            <a:r>
+              <a:rPr lang="en-US" sz="1800" dirty="0" err="1"/>
+              <a:t>etc</a:t>
+            </a:r>
+            <a:r>
+              <a:rPr lang="en-US" sz="1800" dirty="0"/>
+              <a:t>)</a:t>
+            </a:r>
+          </a:p>
+          <a:p>
+            <a:pPr>
+              <a:buFont typeface="Arial" panose="020B0604020202020204" pitchFamily="34" charset="0"/>
+              <a:buChar char="•"/>
+            </a:pPr>
+            <a:r>
+              <a:rPr lang="en-US" sz="1800" b="1" dirty="0" err="1"/>
+              <a:t>url</a:t>
+            </a:r>
+            <a:r>
+              <a:rPr lang="en-US" sz="1800" dirty="0"/>
+              <a:t> – {</a:t>
+            </a:r>
+            <a:r>
+              <a:rPr lang="en-US" sz="1800" dirty="0" err="1"/>
+              <a:t>string|TrustedObject</a:t>
+            </a:r>
+            <a:r>
+              <a:rPr lang="en-US" sz="1800" dirty="0"/>
+              <a:t>} – Absolute or relative URL of the resource that is being requested; or an object created by a call to $</a:t>
+            </a:r>
+            <a:r>
+              <a:rPr lang="en-US" sz="1800" dirty="0" err="1"/>
+              <a:t>sce.trustAsResourceUrl</a:t>
+            </a:r>
+            <a:r>
+              <a:rPr lang="en-US" sz="1800" dirty="0"/>
+              <a:t>(</a:t>
+            </a:r>
+            <a:r>
+              <a:rPr lang="en-US" sz="1800" dirty="0" err="1"/>
+              <a:t>url</a:t>
+            </a:r>
+            <a:r>
+              <a:rPr lang="en-US" sz="1800" dirty="0"/>
+              <a:t>).</a:t>
+            </a:r>
+          </a:p>
+          <a:p>
+            <a:pPr>
+              <a:buFont typeface="Arial" panose="020B0604020202020204" pitchFamily="34" charset="0"/>
+              <a:buChar char="•"/>
+            </a:pPr>
+            <a:r>
+              <a:rPr lang="en-US" sz="1800" b="1" dirty="0" err="1"/>
+              <a:t>params</a:t>
+            </a:r>
+            <a:r>
+              <a:rPr lang="en-US" sz="1800" dirty="0"/>
+              <a:t> – {Object.&lt;</a:t>
+            </a:r>
+            <a:r>
+              <a:rPr lang="en-US" sz="1800" dirty="0" err="1"/>
+              <a:t>string|Object</a:t>
+            </a:r>
+            <a:r>
+              <a:rPr lang="en-US" sz="1800" dirty="0"/>
+              <a:t>&gt;} – Map of strings or objects which will be serialized with the </a:t>
+            </a:r>
+            <a:r>
+              <a:rPr lang="en-US" sz="1800" dirty="0" err="1"/>
+              <a:t>paramSerializer</a:t>
+            </a:r>
+            <a:r>
+              <a:rPr lang="en-US" sz="1800" dirty="0"/>
+              <a:t> and appended as GET parameters.</a:t>
+            </a:r>
+          </a:p>
+          <a:p>
+            <a:pPr>
+              <a:buFont typeface="Arial" panose="020B0604020202020204" pitchFamily="34" charset="0"/>
+              <a:buChar char="•"/>
+            </a:pPr>
+            <a:r>
+              <a:rPr lang="en-US" sz="1800" b="1" dirty="0"/>
+              <a:t>data</a:t>
+            </a:r>
+            <a:r>
+              <a:rPr lang="en-US" sz="1800" dirty="0"/>
+              <a:t> – {</a:t>
+            </a:r>
+            <a:r>
+              <a:rPr lang="en-US" sz="1800" dirty="0" err="1"/>
+              <a:t>string|Object</a:t>
+            </a:r>
+            <a:r>
+              <a:rPr lang="en-US" sz="1800" dirty="0"/>
+              <a:t>} – Data to be sent as the request message data.</a:t>
+            </a:r>
+          </a:p>
+          <a:p>
+            <a:pPr>
+              <a:buFont typeface="Arial" panose="020B0604020202020204" pitchFamily="34" charset="0"/>
+              <a:buChar char="•"/>
+            </a:pPr>
+            <a:r>
+              <a:rPr lang="en-US" sz="1800" b="1" dirty="0"/>
+              <a:t>headers</a:t>
+            </a:r>
+            <a:r>
+              <a:rPr lang="en-US" sz="1800" dirty="0"/>
+              <a:t> – {Object} – Map of strings or functions which return strings representing HTTP headers to send to the server. If the return value of a function is null, the header will not be sent. Functions accept a </a:t>
+            </a:r>
+            <a:r>
+              <a:rPr lang="en-US" sz="1800" dirty="0" err="1"/>
+              <a:t>config</a:t>
+            </a:r>
+            <a:r>
+              <a:rPr lang="en-US" sz="1800" dirty="0"/>
+              <a:t> object as an argument.</a:t>
+            </a:r>
+          </a:p>
+          <a:p>
+            <a:pPr marL="0" indent="0">
+              <a:buNone/>
+            </a:pPr>
+            <a:r>
+              <a:rPr lang="en-US" dirty="0" smtClean="0"/>
+              <a:t>Full list: </a:t>
+            </a:r>
+            <a:r>
+              <a:rPr lang="en-US" dirty="0">
+                <a:hlinkClick r:id="rId3"/>
+              </a:rPr>
+              <a:t>https://docs.angularjs.org/api/ng/service/$</a:t>
+            </a:r>
+            <a:r>
+              <a:rPr lang="en-US" dirty="0" smtClean="0">
+                <a:hlinkClick r:id="rId3"/>
+              </a:rPr>
+              <a:t>http#usage</a:t>
+            </a:r>
+            <a:endParaRPr lang="en-US" dirty="0" smtClean="0"/>
+          </a:p>
+          <a:p>
+            <a:pPr marL="0" indent="0">
+              <a:buNone/>
+            </a:pPr>
+            <a:endParaRPr lang="en-US" dirty="0" smtClean="0"/>
+          </a:p>
+        </p:txBody>
+      </p:sp>
+      <p:sp>
+        <p:nvSpPr>
           <p:cNvPr id="3" name="Titre 2"/>
           <p:cNvSpPr>
             <a:spLocks noGrp="1"/>
@@ -12484,25 +9912,39 @@
             <p:ph type="title"/>
           </p:nvPr>
         </p:nvSpPr>
-        <p:spPr bwMode="gray">
-          <a:xfrm>
-            <a:off x="544439" y="260648"/>
-            <a:ext cx="8045374" cy="332546"/>
-          </a:xfrm>
-        </p:spPr>
+        <p:spPr/>
         <p:txBody>
           <a:bodyPr/>
           <a:lstStyle/>
           <a:p>
             <a:r>
-              <a:rPr lang="fr-FR" cap="none" dirty="0" err="1"/>
-              <a:t>AngularJS</a:t>
-            </a:r>
-            <a:r>
-              <a:rPr lang="fr-FR" cap="none" dirty="0"/>
-              <a:t>    $http</a:t>
-            </a:r>
-            <a:endParaRPr lang="en-GB" cap="none" dirty="0"/>
+              <a:rPr lang="en-GB" dirty="0" smtClean="0"/>
+              <a:t>General usage</a:t>
+            </a:r>
+            <a:endParaRPr lang="en-GB" dirty="0"/>
+          </a:p>
+        </p:txBody>
+      </p:sp>
+      <p:sp>
+        <p:nvSpPr>
+          <p:cNvPr id="6" name="Espace réservé du pied de page 5"/>
+          <p:cNvSpPr>
+            <a:spLocks noGrp="1"/>
+          </p:cNvSpPr>
+          <p:nvPr>
+            <p:ph type="ftr" sz="quarter" idx="11"/>
+          </p:nvPr>
+        </p:nvSpPr>
+        <p:spPr/>
+        <p:txBody>
+          <a:bodyPr/>
+          <a:lstStyle/>
+          <a:p>
+            <a:r>
+              <a:rPr lang="fr-FR" dirty="0" smtClean="0"/>
+              <a:t>Nom de la présentation</a:t>
+            </a:r>
+            <a:endParaRPr lang="fr-FR" dirty="0"/>
           </a:p>
         </p:txBody>
       </p:sp>
@@ -12516,7 +9958,7 @@
             <p:ph type="sldNum" sz="quarter" idx="12"/>
           </p:nvPr>
         </p:nvSpPr>
-        <p:spPr bwMode="gray"/>
+        <p:spPr/>
         <p:txBody>
           <a:bodyPr/>
           <a:lstStyle/>
@@ -12532,7 +9974,7 @@
       </p:sp>
       <p:sp>
         <p:nvSpPr>
-          <p:cNvPr id="10" name="Espace réservé du texte 9"/>
+          <p:cNvPr id="9" name="Espace réservé du texte 8"/>
           <p:cNvSpPr>
             <a:spLocks noGrp="1"/>
           </p:cNvSpPr>
@@ -12540,370 +9982,19 @@
             <p:ph type="body" sz="quarter" idx="13"/>
           </p:nvPr>
         </p:nvSpPr>
-        <p:spPr bwMode="gray"/>
+        <p:spPr/>
         <p:txBody>
           <a:bodyPr/>
           <a:lstStyle/>
           <a:p>
-            <a:pPr lvl="0"/>
-            <a:r>
-              <a:rPr lang="en-GB" cap="none" dirty="0"/>
-              <a:t>The full flexible syntax</a:t>
-            </a:r>
-          </a:p>
-        </p:txBody>
-      </p:sp>
-      <p:sp>
-        <p:nvSpPr>
-          <p:cNvPr id="6" name="Espace réservé du pied de page 5"/>
-          <p:cNvSpPr>
-            <a:spLocks noGrp="1"/>
-          </p:cNvSpPr>
-          <p:nvPr>
-            <p:ph type="ftr" sz="quarter" idx="11"/>
-          </p:nvPr>
-        </p:nvSpPr>
-        <p:spPr/>
-        <p:txBody>
-          <a:bodyPr/>
-          <a:lstStyle/>
-          <a:p>
-            <a:r>
-              <a:rPr lang="fr-FR"/>
-              <a:t>Nom de la présentation</a:t>
-            </a:r>
-            <a:endParaRPr lang="fr-FR" dirty="0"/>
-          </a:p>
-        </p:txBody>
-      </p:sp>
-      <p:pic>
-        <p:nvPicPr>
-          <p:cNvPr id="4" name="Picture 2"/>
-          <p:cNvPicPr>
-            <a:picLocks noChangeAspect="1" noChangeArrowheads="1"/>
-          </p:cNvPicPr>
-          <p:nvPr/>
-        </p:nvPicPr>
-        <p:blipFill>
-          <a:blip r:embed="rId3"/>
-          <a:srcRect/>
-          <a:stretch>
-            <a:fillRect/>
-          </a:stretch>
-        </p:blipFill>
-        <p:spPr bwMode="auto">
-          <a:xfrm>
-            <a:off x="28575" y="3671888"/>
-            <a:ext cx="9115425" cy="2409825"/>
-          </a:xfrm>
-          <a:prstGeom prst="rect">
-            <a:avLst/>
-          </a:prstGeom>
-          <a:noFill/>
-          <a:ln w="9525">
-            <a:noFill/>
-            <a:miter lim="800000"/>
-            <a:headEnd/>
-            <a:tailEnd/>
-          </a:ln>
-        </p:spPr>
-      </p:pic>
-      <p:sp>
-        <p:nvSpPr>
-          <p:cNvPr id="9" name="ZoneTexte 8"/>
-          <p:cNvSpPr txBox="1"/>
-          <p:nvPr/>
-        </p:nvSpPr>
-        <p:spPr>
-          <a:xfrm>
-            <a:off x="2009775" y="6164581"/>
-            <a:ext cx="3028950" cy="369332"/>
-          </a:xfrm>
-          <a:prstGeom prst="rect">
-            <a:avLst/>
-          </a:prstGeom>
-          <a:noFill/>
-        </p:spPr>
-        <p:txBody>
-          <a:bodyPr wrap="square" rtlCol="0">
-            <a:spAutoFit/>
-          </a:bodyPr>
-          <a:lstStyle/>
-          <a:p>
-            <a:r>
-              <a:rPr lang="fr-FR" dirty="0"/>
-              <a:t>And </a:t>
-            </a:r>
-            <a:r>
-              <a:rPr lang="fr-FR" dirty="0" err="1"/>
-              <a:t>many</a:t>
-            </a:r>
-            <a:r>
-              <a:rPr lang="fr-FR" dirty="0"/>
-              <a:t> </a:t>
-            </a:r>
-            <a:r>
-              <a:rPr lang="fr-FR" dirty="0" err="1"/>
-              <a:t>other</a:t>
-            </a:r>
-            <a:r>
-              <a:rPr lang="fr-FR" dirty="0"/>
-              <a:t> </a:t>
-            </a:r>
-            <a:r>
-              <a:rPr lang="fr-FR" dirty="0" err="1"/>
-              <a:t>params</a:t>
-            </a:r>
-            <a:r>
-              <a:rPr lang="fr-FR" dirty="0"/>
-              <a:t>…</a:t>
-            </a:r>
-          </a:p>
-        </p:txBody>
-      </p:sp>
-      <p:cxnSp>
-        <p:nvCxnSpPr>
-          <p:cNvPr id="12" name="Connecteur droit 11"/>
-          <p:cNvCxnSpPr/>
-          <p:nvPr/>
-        </p:nvCxnSpPr>
-        <p:spPr>
-          <a:xfrm flipV="1">
-            <a:off x="266700" y="1333805"/>
-            <a:ext cx="2910505" cy="2809572"/>
-          </a:xfrm>
-          <a:prstGeom prst="line">
-            <a:avLst/>
-          </a:prstGeom>
-          <a:ln w="19050">
-            <a:solidFill>
-              <a:srgbClr val="CF022B"/>
-            </a:solidFill>
-            <a:headEnd type="triangle"/>
-            <a:tailEnd type="triangle"/>
-          </a:ln>
-        </p:spPr>
-        <p:style>
-          <a:lnRef idx="1">
-            <a:schemeClr val="accent1"/>
-          </a:lnRef>
-          <a:fillRef idx="0">
-            <a:schemeClr val="accent1"/>
-          </a:fillRef>
-          <a:effectRef idx="0">
-            <a:schemeClr val="accent1"/>
-          </a:effectRef>
-          <a:fontRef idx="minor">
-            <a:schemeClr val="tx1"/>
-          </a:fontRef>
-        </p:style>
-      </p:cxnSp>
-      <p:sp>
-        <p:nvSpPr>
-          <p:cNvPr id="14" name="ZoneTexte 13"/>
-          <p:cNvSpPr txBox="1"/>
-          <p:nvPr/>
-        </p:nvSpPr>
-        <p:spPr>
-          <a:xfrm>
-            <a:off x="466725" y="1609725"/>
-            <a:ext cx="2039148" cy="523220"/>
-          </a:xfrm>
-          <a:prstGeom prst="rect">
-            <a:avLst/>
-          </a:prstGeom>
-          <a:noFill/>
-        </p:spPr>
-        <p:txBody>
-          <a:bodyPr wrap="none" rtlCol="0">
-            <a:spAutoFit/>
-          </a:bodyPr>
-          <a:lstStyle/>
-          <a:p>
-            <a:r>
-              <a:rPr lang="fr-FR" sz="1400" dirty="0"/>
-              <a:t>The config </a:t>
-            </a:r>
-            <a:r>
-              <a:rPr lang="fr-FR" sz="1400" dirty="0" err="1"/>
-              <a:t>param</a:t>
-            </a:r>
-            <a:r>
-              <a:rPr lang="fr-FR" sz="1400" dirty="0"/>
-              <a:t> </a:t>
-            </a:r>
-            <a:r>
-              <a:rPr lang="fr-FR" sz="1400" dirty="0" err="1"/>
-              <a:t>is</a:t>
-            </a:r>
-            <a:r>
-              <a:rPr lang="fr-FR" sz="1400" dirty="0"/>
-              <a:t> </a:t>
-            </a:r>
-            <a:br>
-              <a:rPr lang="fr-FR" sz="1400" dirty="0"/>
-            </a:br>
-            <a:r>
-              <a:rPr lang="fr-FR" sz="1400" dirty="0" err="1"/>
-              <a:t>called</a:t>
-            </a:r>
-            <a:r>
-              <a:rPr lang="fr-FR" sz="1400" dirty="0"/>
-              <a:t> </a:t>
-            </a:r>
-            <a:r>
-              <a:rPr lang="fr-FR" sz="1400" dirty="0" err="1"/>
-              <a:t>req</a:t>
-            </a:r>
-            <a:r>
-              <a:rPr lang="fr-FR" sz="1400" dirty="0"/>
-              <a:t> in </a:t>
-            </a:r>
-            <a:r>
-              <a:rPr lang="fr-FR" sz="1400" dirty="0" err="1"/>
-              <a:t>this</a:t>
-            </a:r>
-            <a:r>
-              <a:rPr lang="fr-FR" sz="1400" dirty="0"/>
-              <a:t> </a:t>
-            </a:r>
-            <a:r>
-              <a:rPr lang="fr-FR" sz="1400" dirty="0" err="1"/>
-              <a:t>example</a:t>
-            </a:r>
-            <a:endParaRPr lang="fr-FR" sz="1400" dirty="0"/>
-          </a:p>
-        </p:txBody>
-      </p:sp>
-      <p:pic>
-        <p:nvPicPr>
-          <p:cNvPr id="1026" name="Picture 2"/>
-          <p:cNvPicPr>
-            <a:picLocks noChangeAspect="1" noChangeArrowheads="1"/>
-          </p:cNvPicPr>
-          <p:nvPr/>
-        </p:nvPicPr>
-        <p:blipFill>
-          <a:blip r:embed="rId4"/>
-          <a:srcRect/>
-          <a:stretch>
-            <a:fillRect/>
-          </a:stretch>
-        </p:blipFill>
-        <p:spPr bwMode="auto">
-          <a:xfrm>
-            <a:off x="3304472" y="952591"/>
-            <a:ext cx="5006150" cy="2509049"/>
-          </a:xfrm>
-          <a:prstGeom prst="rect">
-            <a:avLst/>
-          </a:prstGeom>
-          <a:noFill/>
-          <a:ln w="9525">
-            <a:noFill/>
-            <a:miter lim="800000"/>
-            <a:headEnd/>
-            <a:tailEnd/>
-          </a:ln>
-          <a:effectLst/>
-        </p:spPr>
-      </p:pic>
-      <p:sp>
-        <p:nvSpPr>
-          <p:cNvPr id="16" name="Rectangle à coins arrondis 15"/>
-          <p:cNvSpPr/>
-          <p:nvPr/>
-        </p:nvSpPr>
-        <p:spPr>
-          <a:xfrm>
-            <a:off x="3304471" y="1001412"/>
-            <a:ext cx="824435" cy="262714"/>
-          </a:xfrm>
-          <a:prstGeom prst="roundRect">
-            <a:avLst/>
-          </a:prstGeom>
-          <a:noFill/>
-          <a:ln>
-            <a:solidFill>
-              <a:srgbClr val="00B050"/>
-            </a:solidFill>
-          </a:ln>
-        </p:spPr>
-        <p:style>
-          <a:lnRef idx="2">
-            <a:schemeClr val="accent1">
-              <a:shade val="50000"/>
-            </a:schemeClr>
-          </a:lnRef>
-          <a:fillRef idx="1">
-            <a:schemeClr val="accent1"/>
-          </a:fillRef>
-          <a:effectRef idx="0">
-            <a:schemeClr val="accent1"/>
-          </a:effectRef>
-          <a:fontRef idx="minor">
-            <a:schemeClr val="lt1"/>
-          </a:fontRef>
-        </p:style>
-        <p:txBody>
-          <a:bodyPr rtlCol="0" anchor="ctr"/>
-          <a:lstStyle/>
-          <a:p>
-            <a:pPr algn="ctr"/>
-            <a:endParaRPr lang="fr-FR" dirty="0"/>
-          </a:p>
-        </p:txBody>
-      </p:sp>
-      <p:sp>
-        <p:nvSpPr>
-          <p:cNvPr id="13" name="Rectangle à coins arrondis 12"/>
-          <p:cNvSpPr/>
-          <p:nvPr/>
-        </p:nvSpPr>
-        <p:spPr>
-          <a:xfrm>
-            <a:off x="3269903" y="3044352"/>
-            <a:ext cx="4867099" cy="417288"/>
-          </a:xfrm>
-          <a:prstGeom prst="roundRect">
-            <a:avLst/>
-          </a:prstGeom>
-          <a:noFill/>
-          <a:ln>
-            <a:solidFill>
-              <a:srgbClr val="00B050"/>
-            </a:solidFill>
-          </a:ln>
-        </p:spPr>
-        <p:style>
-          <a:lnRef idx="2">
-            <a:schemeClr val="accent1">
-              <a:shade val="50000"/>
-            </a:schemeClr>
-          </a:lnRef>
-          <a:fillRef idx="1">
-            <a:schemeClr val="accent1"/>
-          </a:fillRef>
-          <a:effectRef idx="0">
-            <a:schemeClr val="accent1"/>
-          </a:effectRef>
-          <a:fontRef idx="minor">
-            <a:schemeClr val="lt1"/>
-          </a:fontRef>
-        </p:style>
-        <p:txBody>
-          <a:bodyPr rtlCol="0" anchor="ctr"/>
-          <a:lstStyle/>
-          <a:p>
-            <a:pPr algn="ctr"/>
-            <a:endParaRPr lang="fr-FR" dirty="0"/>
+            <a:endParaRPr lang="fr-FR"/>
           </a:p>
         </p:txBody>
       </p:sp>
     </p:spTree>
     <p:extLst>
       <p:ext uri="{BB962C8B-B14F-4D97-AF65-F5344CB8AC3E}">
-        <p14:creationId xmlns:p14="http://schemas.microsoft.com/office/powerpoint/2010/main" val="2526031973"/>
+        <p14:creationId xmlns:p14="http://schemas.microsoft.com/office/powerpoint/2010/main" val="2778733776"/>
       </p:ext>
     </p:extLst>
   </p:cSld>
@@ -12932,6 +10023,149 @@
       </p:grpSpPr>
       <p:sp>
         <p:nvSpPr>
+          <p:cNvPr id="8" name="Espace réservé du contenu 7"/>
+          <p:cNvSpPr>
+            <a:spLocks noGrp="1"/>
+          </p:cNvSpPr>
+          <p:nvPr>
+            <p:ph idx="1"/>
+          </p:nvPr>
+        </p:nvSpPr>
+        <p:spPr/>
+        <p:txBody>
+          <a:bodyPr/>
+          <a:lstStyle/>
+          <a:p>
+            <a:pPr marL="0" indent="0">
+              <a:buNone/>
+            </a:pPr>
+            <a:r>
+              <a:rPr lang="en-US" dirty="0" smtClean="0"/>
+              <a:t>The promise is resolved with a response object</a:t>
+            </a:r>
+          </a:p>
+          <a:p>
+            <a:pPr>
+              <a:buFont typeface="Arial" panose="020B0604020202020204" pitchFamily="34" charset="0"/>
+              <a:buChar char="•"/>
+            </a:pPr>
+            <a:r>
+              <a:rPr lang="en-US" sz="1800" b="1" dirty="0"/>
+              <a:t>data</a:t>
+            </a:r>
+            <a:r>
+              <a:rPr lang="en-US" sz="1800" dirty="0"/>
+              <a:t> – {</a:t>
+            </a:r>
+            <a:r>
+              <a:rPr lang="en-US" sz="1800" dirty="0" err="1"/>
+              <a:t>string|Object</a:t>
+            </a:r>
+            <a:r>
+              <a:rPr lang="en-US" sz="1800" dirty="0"/>
+              <a:t>} – The response body transformed with the transform functions.</a:t>
+            </a:r>
+          </a:p>
+          <a:p>
+            <a:pPr>
+              <a:buFont typeface="Arial" panose="020B0604020202020204" pitchFamily="34" charset="0"/>
+              <a:buChar char="•"/>
+            </a:pPr>
+            <a:r>
+              <a:rPr lang="en-US" sz="1800" b="1" dirty="0"/>
+              <a:t>status</a:t>
+            </a:r>
+            <a:r>
+              <a:rPr lang="en-US" sz="1800" dirty="0"/>
+              <a:t> – {number} – HTTP status code of the response.</a:t>
+            </a:r>
+          </a:p>
+          <a:p>
+            <a:pPr>
+              <a:buFont typeface="Arial" panose="020B0604020202020204" pitchFamily="34" charset="0"/>
+              <a:buChar char="•"/>
+            </a:pPr>
+            <a:r>
+              <a:rPr lang="en-US" sz="1800" b="1" dirty="0"/>
+              <a:t>headers</a:t>
+            </a:r>
+            <a:r>
+              <a:rPr lang="en-US" sz="1800" dirty="0"/>
+              <a:t> – {function([</a:t>
+            </a:r>
+            <a:r>
+              <a:rPr lang="en-US" sz="1800" dirty="0" err="1"/>
+              <a:t>headerName</a:t>
+            </a:r>
+            <a:r>
+              <a:rPr lang="en-US" sz="1800" dirty="0"/>
+              <a:t>])} – Header getter function.</a:t>
+            </a:r>
+          </a:p>
+          <a:p>
+            <a:pPr>
+              <a:buFont typeface="Arial" panose="020B0604020202020204" pitchFamily="34" charset="0"/>
+              <a:buChar char="•"/>
+            </a:pPr>
+            <a:r>
+              <a:rPr lang="en-US" sz="1800" b="1" dirty="0" err="1"/>
+              <a:t>config</a:t>
+            </a:r>
+            <a:r>
+              <a:rPr lang="en-US" sz="1800" dirty="0"/>
+              <a:t> – {Object} – The configuration object that was used to generate the request.</a:t>
+            </a:r>
+          </a:p>
+          <a:p>
+            <a:pPr>
+              <a:buFont typeface="Arial" panose="020B0604020202020204" pitchFamily="34" charset="0"/>
+              <a:buChar char="•"/>
+            </a:pPr>
+            <a:r>
+              <a:rPr lang="en-US" sz="1800" b="1" dirty="0" err="1"/>
+              <a:t>statusText</a:t>
+            </a:r>
+            <a:r>
+              <a:rPr lang="en-US" sz="1800" dirty="0"/>
+              <a:t> – {string} – HTTP status text of the response.</a:t>
+            </a:r>
+          </a:p>
+          <a:p>
+            <a:pPr marL="0" indent="0">
+              <a:buNone/>
+            </a:pPr>
+            <a:endParaRPr lang="en-US" dirty="0" smtClean="0"/>
+          </a:p>
+          <a:p>
+            <a:pPr marL="0" indent="0">
+              <a:buNone/>
+            </a:pPr>
+            <a:r>
+              <a:rPr lang="en-US" dirty="0" smtClean="0"/>
+              <a:t>The “real” response </a:t>
+            </a:r>
+            <a:r>
+              <a:rPr lang="en-US" dirty="0" err="1" smtClean="0"/>
+              <a:t>vody</a:t>
+            </a:r>
+            <a:r>
+              <a:rPr lang="en-US" dirty="0" smtClean="0"/>
+              <a:t> content is under the </a:t>
+            </a:r>
+            <a:r>
+              <a:rPr lang="en-US" b="1" dirty="0" smtClean="0"/>
+              <a:t>data </a:t>
+            </a:r>
+            <a:r>
+              <a:rPr lang="en-US" dirty="0" smtClean="0"/>
+              <a:t>property </a:t>
+            </a:r>
+            <a:endParaRPr lang="en-US" dirty="0"/>
+          </a:p>
+        </p:txBody>
+      </p:sp>
+      <p:sp>
+        <p:nvSpPr>
           <p:cNvPr id="3" name="Titre 2"/>
           <p:cNvSpPr>
             <a:spLocks noGrp="1"/>
@@ -12940,21 +10174,39 @@
             <p:ph type="title"/>
           </p:nvPr>
         </p:nvSpPr>
-        <p:spPr bwMode="gray">
-          <a:xfrm>
-            <a:off x="544439" y="260648"/>
-            <a:ext cx="8045374" cy="332546"/>
-          </a:xfrm>
-        </p:spPr>
+        <p:spPr/>
         <p:txBody>
           <a:bodyPr/>
           <a:lstStyle/>
           <a:p>
             <a:r>
-              <a:rPr lang="fr-FR" cap="none" dirty="0"/>
-              <a:t>$http</a:t>
-            </a:r>
-            <a:endParaRPr lang="en-GB" cap="none" dirty="0"/>
+              <a:rPr lang="en-GB" dirty="0" smtClean="0"/>
+              <a:t>General usage</a:t>
+            </a:r>
+            <a:endParaRPr lang="en-GB" dirty="0"/>
+          </a:p>
+        </p:txBody>
+      </p:sp>
+      <p:sp>
+        <p:nvSpPr>
+          <p:cNvPr id="6" name="Espace réservé du pied de page 5"/>
+          <p:cNvSpPr>
+            <a:spLocks noGrp="1"/>
+          </p:cNvSpPr>
+          <p:nvPr>
+            <p:ph type="ftr" sz="quarter" idx="11"/>
+          </p:nvPr>
+        </p:nvSpPr>
+        <p:spPr/>
+        <p:txBody>
+          <a:bodyPr/>
+          <a:lstStyle/>
+          <a:p>
+            <a:r>
+              <a:rPr lang="fr-FR" dirty="0" smtClean="0"/>
+              <a:t>Nom de la présentation</a:t>
+            </a:r>
+            <a:endParaRPr lang="fr-FR" dirty="0"/>
           </a:p>
         </p:txBody>
       </p:sp>
@@ -12968,7 +10220,7 @@
             <p:ph type="sldNum" sz="quarter" idx="12"/>
           </p:nvPr>
         </p:nvSpPr>
-        <p:spPr bwMode="gray"/>
+        <p:spPr/>
         <p:txBody>
           <a:bodyPr/>
           <a:lstStyle/>
@@ -12984,7 +10236,7 @@
       </p:sp>
       <p:sp>
         <p:nvSpPr>
-          <p:cNvPr id="14" name="Espace réservé du texte 13"/>
+          <p:cNvPr id="9" name="Espace réservé du texte 8"/>
           <p:cNvSpPr>
             <a:spLocks noGrp="1"/>
           </p:cNvSpPr>
@@ -12997,209 +10249,14 @@
           <a:bodyPr/>
           <a:lstStyle/>
           <a:p>
-            <a:r>
-              <a:rPr lang="en-GB" dirty="0"/>
-              <a:t>by default no string interpolation </a:t>
-            </a:r>
-            <a:r>
-              <a:rPr lang="en-GB"/>
-              <a:t>in angular 1.x</a:t>
-            </a:r>
-          </a:p>
-        </p:txBody>
-      </p:sp>
-      <p:sp>
-        <p:nvSpPr>
-          <p:cNvPr id="15" name="Espace réservé du contenu 1"/>
-          <p:cNvSpPr>
-            <a:spLocks noGrp="1"/>
-          </p:cNvSpPr>
-          <p:nvPr>
-            <p:ph idx="1"/>
-          </p:nvPr>
-        </p:nvSpPr>
-        <p:spPr bwMode="gray">
-          <a:xfrm>
-            <a:off x="515938" y="1484312"/>
-            <a:ext cx="8088511" cy="4681537"/>
-          </a:xfrm>
-        </p:spPr>
-        <p:txBody>
-          <a:bodyPr/>
-          <a:lstStyle/>
-          <a:p>
-            <a:r>
-              <a:rPr lang="en-US" dirty="0"/>
-              <a:t>With $http  you don't have fancy tools to build the URL,</a:t>
-            </a:r>
-            <a:br>
-              <a:rPr lang="en-US" dirty="0"/>
-            </a:br>
-            <a:r>
-              <a:rPr lang="en-US" dirty="0"/>
-              <a:t>you have to build the URL string yourself</a:t>
-            </a:r>
-          </a:p>
-          <a:p>
-            <a:pPr>
-              <a:buNone/>
-            </a:pPr>
-            <a:r>
-              <a:rPr lang="en-US" dirty="0"/>
-              <a:t>       '/</a:t>
-            </a:r>
-            <a:r>
-              <a:rPr lang="en-US" dirty="0" err="1"/>
-              <a:t>myapp</a:t>
-            </a:r>
-            <a:r>
-              <a:rPr lang="en-US" dirty="0"/>
-              <a:t>/film/' +  </a:t>
-            </a:r>
-            <a:r>
-              <a:rPr lang="en-US" dirty="0" err="1"/>
-              <a:t>myVarId</a:t>
-            </a:r>
-            <a:r>
-              <a:rPr lang="en-US" dirty="0"/>
-              <a:t> </a:t>
-            </a:r>
-          </a:p>
-          <a:p>
-            <a:pPr>
-              <a:buFont typeface="Arial" panose="020B0604020202020204" pitchFamily="34" charset="0"/>
-              <a:buChar char="•"/>
-            </a:pPr>
-            <a:endParaRPr lang="en-US" dirty="0"/>
-          </a:p>
-          <a:p>
-            <a:pPr>
-              <a:buFont typeface="Arial" panose="020B0604020202020204" pitchFamily="34" charset="0"/>
-              <a:buChar char="•"/>
-            </a:pPr>
-            <a:r>
-              <a:rPr lang="en-US" dirty="0"/>
-              <a:t>Note : in ES2015 just use string interpolation :  use the back tick  `</a:t>
-            </a:r>
-          </a:p>
-          <a:p>
-            <a:pPr lvl="1">
-              <a:buFont typeface="Arial" panose="020B0604020202020204" pitchFamily="34" charset="0"/>
-              <a:buChar char="•"/>
-            </a:pPr>
-            <a:r>
-              <a:rPr lang="en-US" dirty="0" err="1"/>
-              <a:t>var</a:t>
-            </a:r>
-            <a:r>
-              <a:rPr lang="en-US" dirty="0"/>
-              <a:t> </a:t>
-            </a:r>
-            <a:r>
-              <a:rPr lang="en-US" dirty="0" err="1"/>
-              <a:t>myVarId</a:t>
-            </a:r>
-            <a:r>
-              <a:rPr lang="en-US" dirty="0"/>
-              <a:t> = 5;</a:t>
-            </a:r>
-          </a:p>
-          <a:p>
-            <a:pPr lvl="1">
-              <a:buFont typeface="Arial" panose="020B0604020202020204" pitchFamily="34" charset="0"/>
-              <a:buChar char="•"/>
-            </a:pPr>
-            <a:r>
-              <a:rPr lang="en-US" dirty="0" err="1"/>
-              <a:t>var</a:t>
-            </a:r>
-            <a:r>
-              <a:rPr lang="en-US" dirty="0"/>
-              <a:t> </a:t>
-            </a:r>
-            <a:r>
-              <a:rPr lang="en-US" dirty="0" err="1"/>
-              <a:t>url</a:t>
-            </a:r>
-            <a:r>
-              <a:rPr lang="en-US" dirty="0"/>
-              <a:t>  =  ` '/</a:t>
-            </a:r>
-            <a:r>
-              <a:rPr lang="en-US" dirty="0" err="1"/>
-              <a:t>myapp</a:t>
-            </a:r>
-            <a:r>
-              <a:rPr lang="en-US" dirty="0"/>
-              <a:t>/film/${</a:t>
-            </a:r>
-            <a:r>
-              <a:rPr lang="en-US" dirty="0" err="1"/>
-              <a:t>myVarId</a:t>
-            </a:r>
-            <a:r>
-              <a:rPr lang="en-US" dirty="0"/>
-              <a:t>}`;   </a:t>
-            </a:r>
-          </a:p>
-          <a:p>
-            <a:pPr lvl="1">
-              <a:buFont typeface="Arial" panose="020B0604020202020204" pitchFamily="34" charset="0"/>
-              <a:buChar char="•"/>
-            </a:pPr>
-            <a:r>
-              <a:rPr lang="en-US" dirty="0"/>
-              <a:t>The </a:t>
-            </a:r>
-            <a:r>
-              <a:rPr lang="en-US" dirty="0" err="1"/>
-              <a:t>url</a:t>
-            </a:r>
-            <a:r>
-              <a:rPr lang="en-US" dirty="0"/>
-              <a:t> will be </a:t>
-            </a:r>
-            <a:r>
-              <a:rPr lang="en-US" dirty="0" err="1"/>
-              <a:t>be</a:t>
-            </a:r>
-            <a:r>
-              <a:rPr lang="en-US" dirty="0"/>
-              <a:t> automatically filled depending of the scope context </a:t>
-            </a:r>
-          </a:p>
-          <a:p>
-            <a:pPr lvl="1">
-              <a:buFont typeface="Arial" panose="020B0604020202020204" pitchFamily="34" charset="0"/>
-              <a:buChar char="•"/>
-            </a:pPr>
-            <a:r>
-              <a:rPr lang="en-US" dirty="0"/>
-              <a:t>=&gt; here : </a:t>
-            </a:r>
-            <a:r>
-              <a:rPr lang="en-US" dirty="0" err="1"/>
-              <a:t>url</a:t>
-            </a:r>
-            <a:r>
-              <a:rPr lang="en-US" dirty="0"/>
-              <a:t> = " /</a:t>
-            </a:r>
-            <a:r>
-              <a:rPr lang="en-US" dirty="0" err="1"/>
-              <a:t>myapp</a:t>
-            </a:r>
-            <a:r>
-              <a:rPr lang="en-US" dirty="0"/>
-              <a:t>/film/5";</a:t>
-            </a:r>
+            <a:endParaRPr lang="fr-FR"/>
           </a:p>
         </p:txBody>
       </p:sp>
     </p:spTree>
     <p:extLst>
       <p:ext uri="{BB962C8B-B14F-4D97-AF65-F5344CB8AC3E}">
-        <p14:creationId xmlns:p14="http://schemas.microsoft.com/office/powerpoint/2010/main" val="2526031973"/>
+        <p14:creationId xmlns:p14="http://schemas.microsoft.com/office/powerpoint/2010/main" val="2546180936"/>
       </p:ext>
     </p:extLst>
   </p:cSld>
@@ -13236,82 +10293,358 @@
             <p:ph idx="1"/>
           </p:nvPr>
         </p:nvSpPr>
-        <p:spPr bwMode="gray">
-          <a:xfrm>
-            <a:off x="515938" y="4876799"/>
-            <a:ext cx="8088511" cy="1289049"/>
-          </a:xfrm>
-        </p:spPr>
+        <p:spPr/>
         <p:txBody>
           <a:bodyPr/>
           <a:lstStyle/>
           <a:p>
             <a:r>
-              <a:rPr lang="en-US" dirty="0"/>
-              <a:t>2 styles of Callbacks </a:t>
+              <a:rPr lang="fr-FR" dirty="0" err="1" smtClean="0"/>
+              <a:t>Some</a:t>
+            </a:r>
+            <a:r>
+              <a:rPr lang="fr-FR" dirty="0" smtClean="0"/>
+              <a:t> simple </a:t>
+            </a:r>
+            <a:r>
+              <a:rPr lang="fr-FR" dirty="0" err="1" smtClean="0"/>
+              <a:t>shortcuts</a:t>
+            </a:r>
+            <a:r>
+              <a:rPr lang="fr-FR" dirty="0" smtClean="0"/>
+              <a:t> </a:t>
+            </a:r>
+            <a:r>
+              <a:rPr lang="fr-FR" dirty="0" err="1" smtClean="0"/>
+              <a:t>methods</a:t>
+            </a:r>
+            <a:r>
+              <a:rPr lang="fr-FR" dirty="0" smtClean="0"/>
+              <a:t> </a:t>
+            </a:r>
+            <a:r>
+              <a:rPr lang="fr-FR" dirty="0" err="1" smtClean="0"/>
+              <a:t>exists</a:t>
+            </a:r>
+            <a:r>
+              <a:rPr lang="fr-FR" dirty="0" smtClean="0"/>
+              <a:t>:</a:t>
             </a:r>
           </a:p>
           <a:p>
             <a:pPr lvl="1"/>
             <a:r>
-              <a:rPr lang="en-US" dirty="0"/>
-              <a:t>Promise style API   : then() , catch(), finally()</a:t>
-            </a:r>
-          </a:p>
-          <a:p>
-            <a:pPr lvl="1">
+              <a:rPr lang="fr-FR" dirty="0">
+                <a:hlinkClick r:id="rId2"/>
+              </a:rPr>
+              <a:t>$</a:t>
+            </a:r>
+            <a:r>
+              <a:rPr lang="fr-FR" dirty="0" err="1" smtClean="0">
+                <a:hlinkClick r:id="rId2"/>
+              </a:rPr>
+              <a:t>http.get</a:t>
+            </a:r>
+            <a:r>
+              <a:rPr lang="fr-FR" dirty="0" smtClean="0"/>
+              <a:t> 		-&gt; arguments: url &amp; configuration</a:t>
+            </a:r>
+            <a:endParaRPr lang="fr-FR" dirty="0"/>
+          </a:p>
+          <a:p>
+            <a:pPr lvl="1"/>
+            <a:r>
+              <a:rPr lang="fr-FR" dirty="0">
+                <a:hlinkClick r:id="rId3"/>
+              </a:rPr>
+              <a:t>$</a:t>
+            </a:r>
+            <a:r>
+              <a:rPr lang="fr-FR" dirty="0" err="1" smtClean="0">
+                <a:hlinkClick r:id="rId3"/>
+              </a:rPr>
+              <a:t>http.head</a:t>
+            </a:r>
+            <a:r>
+              <a:rPr lang="fr-FR" dirty="0" smtClean="0"/>
+              <a:t>		-&gt; </a:t>
+            </a:r>
+            <a:r>
+              <a:rPr lang="fr-FR" dirty="0"/>
+              <a:t>arguments: </a:t>
+            </a:r>
+            <a:r>
+              <a:rPr lang="fr-FR" dirty="0" smtClean="0"/>
+              <a:t>url &amp; configuration</a:t>
+            </a:r>
+            <a:endParaRPr lang="fr-FR" dirty="0"/>
+          </a:p>
+          <a:p>
+            <a:pPr lvl="1"/>
+            <a:r>
+              <a:rPr lang="fr-FR" dirty="0">
+                <a:hlinkClick r:id="rId4"/>
+              </a:rPr>
+              <a:t>$</a:t>
+            </a:r>
+            <a:r>
+              <a:rPr lang="fr-FR" dirty="0" err="1" smtClean="0">
+                <a:hlinkClick r:id="rId4"/>
+              </a:rPr>
+              <a:t>http.post</a:t>
+            </a:r>
+            <a:r>
+              <a:rPr lang="fr-FR" dirty="0" smtClean="0"/>
+              <a:t>		-&gt; </a:t>
+            </a:r>
+            <a:r>
+              <a:rPr lang="fr-FR" dirty="0"/>
+              <a:t>arguments: </a:t>
+            </a:r>
+            <a:r>
+              <a:rPr lang="fr-FR" dirty="0" smtClean="0"/>
+              <a:t>url, </a:t>
+            </a:r>
+            <a:r>
+              <a:rPr lang="fr-FR" b="1" dirty="0" smtClean="0"/>
+              <a:t>data</a:t>
+            </a:r>
+            <a:r>
+              <a:rPr lang="fr-FR" dirty="0" smtClean="0"/>
+              <a:t> &amp; configuration</a:t>
+            </a:r>
+            <a:endParaRPr lang="fr-FR" dirty="0"/>
+          </a:p>
+          <a:p>
+            <a:pPr lvl="1"/>
+            <a:r>
+              <a:rPr lang="fr-FR" dirty="0">
+                <a:hlinkClick r:id="rId5"/>
+              </a:rPr>
+              <a:t>$</a:t>
+            </a:r>
+            <a:r>
+              <a:rPr lang="fr-FR" dirty="0" err="1" smtClean="0">
+                <a:hlinkClick r:id="rId5"/>
+              </a:rPr>
+              <a:t>http.put</a:t>
+            </a:r>
+            <a:r>
+              <a:rPr lang="fr-FR" dirty="0" smtClean="0"/>
+              <a:t>		-&gt; </a:t>
+            </a:r>
+            <a:r>
+              <a:rPr lang="fr-FR" dirty="0"/>
+              <a:t>arguments: </a:t>
+            </a:r>
+            <a:r>
+              <a:rPr lang="fr-FR" dirty="0" smtClean="0"/>
+              <a:t>url, </a:t>
+            </a:r>
+            <a:r>
+              <a:rPr lang="fr-FR" b="1" dirty="0" smtClean="0"/>
+              <a:t>data</a:t>
+            </a:r>
+            <a:r>
+              <a:rPr lang="fr-FR" dirty="0" smtClean="0"/>
+              <a:t> &amp; configuration</a:t>
+            </a:r>
+            <a:endParaRPr lang="fr-FR" dirty="0"/>
+          </a:p>
+          <a:p>
+            <a:pPr lvl="1"/>
+            <a:r>
+              <a:rPr lang="fr-FR" dirty="0">
+                <a:hlinkClick r:id="rId6"/>
+              </a:rPr>
+              <a:t>$</a:t>
+            </a:r>
+            <a:r>
+              <a:rPr lang="fr-FR" dirty="0" err="1" smtClean="0">
+                <a:hlinkClick r:id="rId6"/>
+              </a:rPr>
+              <a:t>http.delete</a:t>
+            </a:r>
+            <a:r>
+              <a:rPr lang="fr-FR" dirty="0" smtClean="0"/>
+              <a:t>	-&gt; </a:t>
+            </a:r>
+            <a:r>
+              <a:rPr lang="fr-FR" dirty="0"/>
+              <a:t>arguments: </a:t>
+            </a:r>
+            <a:r>
+              <a:rPr lang="fr-FR" dirty="0" smtClean="0"/>
+              <a:t>url &amp; configuration</a:t>
+            </a:r>
+            <a:endParaRPr lang="fr-FR" dirty="0"/>
+          </a:p>
+          <a:p>
+            <a:pPr lvl="1"/>
+            <a:r>
+              <a:rPr lang="fr-FR" dirty="0">
+                <a:hlinkClick r:id="rId7"/>
+              </a:rPr>
+              <a:t>$</a:t>
+            </a:r>
+            <a:r>
+              <a:rPr lang="fr-FR" dirty="0" err="1" smtClean="0">
+                <a:hlinkClick r:id="rId7"/>
+              </a:rPr>
+              <a:t>http.jsonp</a:t>
+            </a:r>
+            <a:r>
+              <a:rPr lang="fr-FR" dirty="0" smtClean="0"/>
+              <a:t>		-&gt; </a:t>
+            </a:r>
+            <a:r>
+              <a:rPr lang="fr-FR" dirty="0"/>
+              <a:t>arguments: </a:t>
+            </a:r>
+            <a:r>
+              <a:rPr lang="fr-FR" dirty="0" smtClean="0"/>
+              <a:t>url &amp; configuration</a:t>
+            </a:r>
+            <a:endParaRPr lang="fr-FR" dirty="0"/>
+          </a:p>
+          <a:p>
+            <a:pPr lvl="1"/>
+            <a:r>
+              <a:rPr lang="fr-FR" dirty="0">
+                <a:hlinkClick r:id="rId8"/>
+              </a:rPr>
+              <a:t>$</a:t>
+            </a:r>
+            <a:r>
+              <a:rPr lang="fr-FR" dirty="0" err="1" smtClean="0">
+                <a:hlinkClick r:id="rId8"/>
+              </a:rPr>
+              <a:t>http.patch</a:t>
+            </a:r>
+            <a:r>
+              <a:rPr lang="fr-FR" dirty="0" smtClean="0"/>
+              <a:t>		-&gt; </a:t>
+            </a:r>
+            <a:r>
+              <a:rPr lang="fr-FR" dirty="0"/>
+              <a:t>arguments: </a:t>
+            </a:r>
+            <a:r>
+              <a:rPr lang="fr-FR" dirty="0" smtClean="0"/>
+              <a:t>url &amp; configuration</a:t>
+            </a:r>
+          </a:p>
+          <a:p>
+            <a:pPr lvl="1"/>
+            <a:endParaRPr lang="fr-FR" dirty="0"/>
+          </a:p>
+          <a:p>
+            <a:pPr lvl="1"/>
+            <a:endParaRPr lang="fr-FR" dirty="0" smtClean="0"/>
+          </a:p>
+          <a:p>
+            <a:pPr lvl="1"/>
+            <a:endParaRPr lang="fr-FR" dirty="0"/>
+          </a:p>
+          <a:p>
+            <a:pPr lvl="1"/>
+            <a:endParaRPr lang="fr-FR" dirty="0" smtClean="0"/>
+          </a:p>
+          <a:p>
+            <a:pPr lvl="1"/>
+            <a:endParaRPr lang="fr-FR" dirty="0"/>
+          </a:p>
+          <a:p>
+            <a:pPr lvl="1"/>
+            <a:r>
+              <a:rPr lang="fr-FR" dirty="0" smtClean="0"/>
+              <a:t>The configuration </a:t>
+            </a:r>
+            <a:r>
+              <a:rPr lang="fr-FR" dirty="0" err="1" smtClean="0"/>
+              <a:t>object</a:t>
+            </a:r>
+            <a:r>
+              <a:rPr lang="fr-FR" dirty="0" smtClean="0"/>
+              <a:t> </a:t>
+            </a:r>
+            <a:r>
+              <a:rPr lang="fr-FR" dirty="0" err="1" smtClean="0"/>
+              <a:t>is</a:t>
+            </a:r>
+            <a:r>
+              <a:rPr lang="fr-FR" dirty="0" smtClean="0"/>
+              <a:t> </a:t>
+            </a:r>
+            <a:r>
+              <a:rPr lang="fr-FR" dirty="0" err="1" smtClean="0"/>
+              <a:t>always</a:t>
+            </a:r>
+            <a:r>
+              <a:rPr lang="fr-FR" dirty="0" smtClean="0"/>
+              <a:t> </a:t>
+            </a:r>
+            <a:r>
+              <a:rPr lang="fr-FR" dirty="0" err="1" smtClean="0"/>
+              <a:t>optional</a:t>
+            </a:r>
+            <a:endParaRPr lang="fr-FR" dirty="0"/>
+          </a:p>
+          <a:p>
+            <a:pPr marL="0" indent="0">
               <a:buNone/>
             </a:pPr>
-            <a:r>
-              <a:rPr lang="en-US" dirty="0"/>
+            <a:endParaRPr lang="fr-FR" dirty="0"/>
+          </a:p>
+        </p:txBody>
+      </p:sp>
+      <p:sp>
+        <p:nvSpPr>
+          <p:cNvPr id="3" name="Titre 2"/>
+          <p:cNvSpPr>
+            <a:spLocks noGrp="1"/>
+          </p:cNvSpPr>
+          <p:nvPr>
+            <p:ph type="title"/>
+          </p:nvPr>
+        </p:nvSpPr>
+        <p:spPr/>
+        <p:txBody>
+          <a:bodyPr/>
+          <a:lstStyle/>
+          <a:p>
+            <a:r>
+              <a:rPr lang="fr-FR" dirty="0" err="1" smtClean="0"/>
+              <a:t>Shortcut</a:t>
+            </a:r>
+            <a:r>
+              <a:rPr lang="fr-FR" dirty="0" smtClean="0"/>
               <a:t> </a:t>
             </a:r>
-          </a:p>
-          <a:p>
-            <a:pPr lvl="1"/>
-            <a:r>
-              <a:rPr lang="en-US" dirty="0"/>
-              <a:t>"</a:t>
-            </a:r>
-            <a:r>
-              <a:rPr lang="en-US" dirty="0" err="1"/>
-              <a:t>JQuery</a:t>
-            </a:r>
-            <a:r>
-              <a:rPr lang="en-US" dirty="0"/>
-              <a:t>" Style API : success(), error()    </a:t>
-            </a:r>
-          </a:p>
-          <a:p>
-            <a:endParaRPr lang="en-US" dirty="0"/>
-          </a:p>
-        </p:txBody>
-      </p:sp>
-      <p:sp>
-        <p:nvSpPr>
-          <p:cNvPr id="3" name="Titre 2"/>
-          <p:cNvSpPr>
-            <a:spLocks noGrp="1"/>
-          </p:cNvSpPr>
-          <p:nvPr>
-            <p:ph type="title"/>
-          </p:nvPr>
-        </p:nvSpPr>
-        <p:spPr bwMode="gray">
-          <a:xfrm>
-            <a:off x="544439" y="260648"/>
-            <a:ext cx="8045374" cy="332546"/>
-          </a:xfrm>
-        </p:spPr>
+            <a:r>
+              <a:rPr lang="fr-FR" dirty="0" err="1" smtClean="0"/>
+              <a:t>syntax</a:t>
+            </a:r>
+            <a:endParaRPr lang="fr-FR" dirty="0"/>
+          </a:p>
+        </p:txBody>
+      </p:sp>
+      <p:sp>
+        <p:nvSpPr>
+          <p:cNvPr id="4" name="Espace réservé du pied de page 3"/>
+          <p:cNvSpPr>
+            <a:spLocks noGrp="1"/>
+          </p:cNvSpPr>
+          <p:nvPr>
+            <p:ph type="ftr" sz="quarter" idx="11"/>
+          </p:nvPr>
+        </p:nvSpPr>
+        <p:spPr/>
         <p:txBody>
           <a:bodyPr/>
           <a:lstStyle/>
           <a:p>
-            <a:r>
-              <a:rPr lang="fr-FR" cap="none" dirty="0" err="1"/>
-              <a:t>AngularJS</a:t>
-            </a:r>
-            <a:endParaRPr lang="en-GB" cap="none" dirty="0"/>
+            <a:endParaRPr lang="fr-FR" dirty="0"/>
           </a:p>
         </p:txBody>
       </p:sp>
@@ -13325,7 +10658,7 @@
             <p:ph type="sldNum" sz="quarter" idx="12"/>
           </p:nvPr>
         </p:nvSpPr>
-        <p:spPr bwMode="gray"/>
+        <p:spPr/>
         <p:txBody>
           <a:bodyPr/>
           <a:lstStyle/>
@@ -13341,7 +10674,7 @@
       </p:sp>
       <p:sp>
         <p:nvSpPr>
-          <p:cNvPr id="10" name="Espace réservé du texte 9"/>
+          <p:cNvPr id="6" name="Espace réservé du texte 5"/>
           <p:cNvSpPr>
             <a:spLocks noGrp="1"/>
           </p:cNvSpPr>
@@ -13349,269 +10682,33 @@
             <p:ph type="body" sz="quarter" idx="13"/>
           </p:nvPr>
         </p:nvSpPr>
-        <p:spPr bwMode="gray"/>
+        <p:spPr/>
         <p:txBody>
           <a:bodyPr/>
           <a:lstStyle/>
           <a:p>
-            <a:r>
-              <a:rPr lang="en-GB" cap="none" dirty="0"/>
-              <a:t>$http promise and </a:t>
-            </a:r>
-            <a:r>
-              <a:rPr lang="en-GB" cap="none" dirty="0" err="1"/>
-              <a:t>callbacks</a:t>
-            </a:r>
-            <a:endParaRPr lang="en-GB" cap="none" dirty="0"/>
-          </a:p>
-        </p:txBody>
-      </p:sp>
-      <p:sp>
-        <p:nvSpPr>
-          <p:cNvPr id="6" name="Espace réservé du pied de page 5"/>
-          <p:cNvSpPr>
-            <a:spLocks noGrp="1"/>
-          </p:cNvSpPr>
-          <p:nvPr>
-            <p:ph type="ftr" sz="quarter" idx="11"/>
-          </p:nvPr>
-        </p:nvSpPr>
-        <p:spPr/>
-        <p:txBody>
-          <a:bodyPr/>
-          <a:lstStyle/>
-          <a:p>
-            <a:r>
-              <a:rPr lang="fr-FR" dirty="0"/>
-              <a:t>Nom de la présentation</a:t>
-            </a:r>
+            <a:endParaRPr lang="fr-FR"/>
           </a:p>
         </p:txBody>
       </p:sp>
       <p:pic>
         <p:nvPicPr>
-          <p:cNvPr id="1027" name="Picture 3"/>
-          <p:cNvPicPr>
-            <a:picLocks noChangeAspect="1" noChangeArrowheads="1"/>
-          </p:cNvPicPr>
-          <p:nvPr/>
-        </p:nvPicPr>
-        <p:blipFill>
-          <a:blip r:embed="rId3"/>
-          <a:srcRect/>
-          <a:stretch>
-            <a:fillRect/>
-          </a:stretch>
-        </p:blipFill>
-        <p:spPr bwMode="auto">
-          <a:xfrm>
-            <a:off x="3286125" y="2957513"/>
-            <a:ext cx="4057650" cy="1285875"/>
-          </a:xfrm>
-          <a:prstGeom prst="rect">
-            <a:avLst/>
-          </a:prstGeom>
-          <a:noFill/>
-          <a:ln w="9525">
-            <a:solidFill>
-              <a:schemeClr val="tx1"/>
-            </a:solidFill>
-            <a:miter lim="800000"/>
-            <a:headEnd/>
-            <a:tailEnd/>
-          </a:ln>
-        </p:spPr>
-      </p:pic>
-      <p:pic>
-        <p:nvPicPr>
-          <p:cNvPr id="1028" name="Picture 4"/>
-          <p:cNvPicPr>
-            <a:picLocks noChangeAspect="1" noChangeArrowheads="1"/>
-          </p:cNvPicPr>
-          <p:nvPr/>
-        </p:nvPicPr>
-        <p:blipFill>
-          <a:blip r:embed="rId4"/>
-          <a:srcRect/>
-          <a:stretch>
-            <a:fillRect/>
-          </a:stretch>
-        </p:blipFill>
-        <p:spPr bwMode="auto">
-          <a:xfrm>
-            <a:off x="3686175" y="276225"/>
-            <a:ext cx="3714750" cy="1885950"/>
-          </a:xfrm>
-          <a:prstGeom prst="rect">
-            <a:avLst/>
-          </a:prstGeom>
-          <a:noFill/>
-          <a:ln w="9525">
-            <a:solidFill>
-              <a:schemeClr val="tx1"/>
-            </a:solidFill>
-            <a:miter lim="800000"/>
-            <a:headEnd/>
-            <a:tailEnd/>
-          </a:ln>
-        </p:spPr>
-      </p:pic>
-      <p:pic>
-        <p:nvPicPr>
-          <p:cNvPr id="1029" name="Picture 5"/>
-          <p:cNvPicPr>
-            <a:picLocks noChangeAspect="1" noChangeArrowheads="1"/>
-          </p:cNvPicPr>
-          <p:nvPr/>
-        </p:nvPicPr>
-        <p:blipFill>
-          <a:blip r:embed="rId5"/>
-          <a:srcRect/>
-          <a:stretch>
-            <a:fillRect/>
-          </a:stretch>
-        </p:blipFill>
-        <p:spPr bwMode="auto">
-          <a:xfrm>
-            <a:off x="2719388" y="2319338"/>
-            <a:ext cx="5267325" cy="352425"/>
-          </a:xfrm>
-          <a:prstGeom prst="rect">
-            <a:avLst/>
-          </a:prstGeom>
-          <a:noFill/>
-          <a:ln w="9525">
-            <a:solidFill>
-              <a:schemeClr val="tx1"/>
-            </a:solidFill>
-            <a:miter lim="800000"/>
-            <a:headEnd/>
-            <a:tailEnd/>
-          </a:ln>
-        </p:spPr>
-      </p:pic>
-      <p:sp>
-        <p:nvSpPr>
-          <p:cNvPr id="13" name="ZoneTexte 12"/>
-          <p:cNvSpPr txBox="1"/>
-          <p:nvPr/>
-        </p:nvSpPr>
-        <p:spPr>
-          <a:xfrm>
-            <a:off x="1971674" y="2228850"/>
-            <a:ext cx="600075" cy="584775"/>
-          </a:xfrm>
-          <a:prstGeom prst="rect">
-            <a:avLst/>
-          </a:prstGeom>
-          <a:noFill/>
-        </p:spPr>
-        <p:txBody>
-          <a:bodyPr wrap="square" rtlCol="0">
-            <a:spAutoFit/>
-          </a:bodyPr>
-          <a:lstStyle/>
-          <a:p>
-            <a:r>
-              <a:rPr lang="fr-FR" sz="3200" dirty="0">
-                <a:sym typeface="Wingdings" pitchFamily="2" charset="2"/>
-              </a:rPr>
-              <a:t></a:t>
-            </a:r>
-            <a:endParaRPr lang="fr-FR" sz="3200" dirty="0"/>
-          </a:p>
-        </p:txBody>
-      </p:sp>
-      <p:cxnSp>
-        <p:nvCxnSpPr>
-          <p:cNvPr id="15" name="Connecteur droit avec flèche 14"/>
-          <p:cNvCxnSpPr/>
-          <p:nvPr/>
-        </p:nvCxnSpPr>
-        <p:spPr>
-          <a:xfrm rot="5400000" flipH="1" flipV="1">
-            <a:off x="2724150" y="3971925"/>
-            <a:ext cx="952500" cy="762000"/>
-          </a:xfrm>
-          <a:prstGeom prst="straightConnector1">
-            <a:avLst/>
-          </a:prstGeom>
-          <a:ln w="19050">
-            <a:solidFill>
-              <a:srgbClr val="CF022B"/>
-            </a:solidFill>
-            <a:tailEnd type="arrow"/>
-          </a:ln>
-        </p:spPr>
-        <p:style>
-          <a:lnRef idx="1">
-            <a:schemeClr val="accent1"/>
-          </a:lnRef>
-          <a:fillRef idx="0">
-            <a:schemeClr val="accent1"/>
-          </a:fillRef>
-          <a:effectRef idx="0">
-            <a:schemeClr val="accent1"/>
-          </a:effectRef>
-          <a:fontRef idx="minor">
-            <a:schemeClr val="tx1"/>
-          </a:fontRef>
-        </p:style>
-      </p:cxnSp>
-      <p:cxnSp>
-        <p:nvCxnSpPr>
-          <p:cNvPr id="17" name="Connecteur droit avec flèche 16"/>
-          <p:cNvCxnSpPr/>
-          <p:nvPr/>
-        </p:nvCxnSpPr>
-        <p:spPr>
-          <a:xfrm rot="5400000" flipH="1" flipV="1">
-            <a:off x="2481262" y="3729038"/>
-            <a:ext cx="1333500" cy="638175"/>
-          </a:xfrm>
-          <a:prstGeom prst="straightConnector1">
-            <a:avLst/>
-          </a:prstGeom>
-          <a:ln w="19050">
-            <a:solidFill>
-              <a:srgbClr val="CF022B"/>
-            </a:solidFill>
-            <a:tailEnd type="arrow"/>
-          </a:ln>
-        </p:spPr>
-        <p:style>
-          <a:lnRef idx="1">
-            <a:schemeClr val="accent1"/>
-          </a:lnRef>
-          <a:fillRef idx="0">
-            <a:schemeClr val="accent1"/>
-          </a:fillRef>
-          <a:effectRef idx="0">
-            <a:schemeClr val="accent1"/>
-          </a:effectRef>
-          <a:fontRef idx="minor">
-            <a:schemeClr val="tx1"/>
-          </a:fontRef>
-        </p:style>
-      </p:cxnSp>
-      <p:pic>
-        <p:nvPicPr>
-          <p:cNvPr id="14" name="Image 13" descr="deprecated.png"/>
+          <p:cNvPr id="7" name="Image 6"/>
           <p:cNvPicPr>
             <a:picLocks noChangeAspect="1"/>
           </p:cNvPicPr>
           <p:nvPr/>
         </p:nvPicPr>
         <p:blipFill>
-          <a:blip r:embed="rId6"/>
+          <a:blip r:embed="rId9"/>
           <a:stretch>
             <a:fillRect/>
           </a:stretch>
         </p:blipFill>
         <p:spPr>
           <a:xfrm>
-            <a:off x="4232719" y="5899357"/>
-            <a:ext cx="1243050" cy="471116"/>
+            <a:off x="317419" y="4482341"/>
+            <a:ext cx="8287030" cy="1004060"/>
           </a:xfrm>
           <a:prstGeom prst="rect">
             <a:avLst/>
@@ -13621,7 +10718,7 @@
     </p:spTree>
     <p:extLst>
       <p:ext uri="{BB962C8B-B14F-4D97-AF65-F5344CB8AC3E}">
-        <p14:creationId xmlns:p14="http://schemas.microsoft.com/office/powerpoint/2010/main" val="2526031973"/>
+        <p14:creationId xmlns:p14="http://schemas.microsoft.com/office/powerpoint/2010/main" val="85406482"/>
       </p:ext>
     </p:extLst>
   </p:cSld>
@@ -13658,15 +10755,136 @@
             <p:ph idx="1"/>
           </p:nvPr>
         </p:nvSpPr>
-        <p:spPr bwMode="gray"/>
+        <p:spPr/>
         <p:txBody>
           <a:bodyPr/>
           <a:lstStyle/>
           <a:p>
             <a:r>
-              <a:rPr lang="en-US" dirty="0"/>
+              <a:rPr lang="fr-FR" dirty="0" smtClean="0"/>
+              <a:t>Note on the </a:t>
+            </a:r>
+            <a:r>
+              <a:rPr lang="fr-FR" dirty="0" err="1" smtClean="0"/>
+              <a:t>shortuc</a:t>
+            </a:r>
+            <a:r>
+              <a:rPr lang="fr-FR" dirty="0" smtClean="0"/>
               <a:t> </a:t>
             </a:r>
+            <a:r>
+              <a:rPr lang="fr-FR" dirty="0" err="1" smtClean="0"/>
+              <a:t>syntax</a:t>
+            </a:r>
+            <a:r>
+              <a:rPr lang="fr-FR" dirty="0" smtClean="0"/>
+              <a:t>:</a:t>
+            </a:r>
+          </a:p>
+          <a:p>
+            <a:endParaRPr lang="fr-FR" dirty="0"/>
+          </a:p>
+          <a:p>
+            <a:r>
+              <a:rPr lang="fr-FR" dirty="0" err="1" smtClean="0"/>
+              <a:t>Only</a:t>
+            </a:r>
+            <a:r>
+              <a:rPr lang="fr-FR" dirty="0" smtClean="0"/>
+              <a:t> POST &amp; PUT </a:t>
+            </a:r>
+            <a:r>
+              <a:rPr lang="fr-FR" dirty="0" err="1" smtClean="0"/>
+              <a:t>can</a:t>
+            </a:r>
+            <a:r>
+              <a:rPr lang="fr-FR" dirty="0" smtClean="0"/>
+              <a:t> have </a:t>
+            </a:r>
+            <a:r>
+              <a:rPr lang="fr-FR" dirty="0" err="1" smtClean="0"/>
+              <a:t>some</a:t>
+            </a:r>
+            <a:r>
+              <a:rPr lang="fr-FR" dirty="0" smtClean="0"/>
+              <a:t> a data </a:t>
+            </a:r>
+            <a:r>
+              <a:rPr lang="fr-FR" dirty="0" err="1" smtClean="0"/>
+              <a:t>payload</a:t>
+            </a:r>
+            <a:endParaRPr lang="fr-FR" dirty="0" smtClean="0"/>
+          </a:p>
+          <a:p>
+            <a:r>
+              <a:rPr lang="fr-FR" dirty="0" smtClean="0"/>
+              <a:t>=&gt; DELETE </a:t>
+            </a:r>
+            <a:r>
+              <a:rPr lang="fr-FR" dirty="0" err="1" smtClean="0"/>
+              <a:t>cannot</a:t>
+            </a:r>
+            <a:r>
+              <a:rPr lang="fr-FR" dirty="0" smtClean="0"/>
+              <a:t> have a data </a:t>
+            </a:r>
+            <a:r>
+              <a:rPr lang="fr-FR" dirty="0" err="1" smtClean="0"/>
+              <a:t>payload</a:t>
+            </a:r>
+            <a:r>
+              <a:rPr lang="fr-FR" dirty="0" smtClean="0"/>
+              <a:t> </a:t>
+            </a:r>
+          </a:p>
+          <a:p>
+            <a:r>
+              <a:rPr lang="fr-FR" dirty="0" smtClean="0"/>
+              <a:t>=&gt; </a:t>
+            </a:r>
+            <a:r>
+              <a:rPr lang="fr-FR" dirty="0" err="1" smtClean="0"/>
+              <a:t>Your</a:t>
+            </a:r>
+            <a:r>
+              <a:rPr lang="fr-FR" dirty="0" smtClean="0"/>
+              <a:t> API must have url-</a:t>
+            </a:r>
+            <a:r>
+              <a:rPr lang="fr-FR" dirty="0" err="1" smtClean="0"/>
+              <a:t>based</a:t>
+            </a:r>
+            <a:r>
+              <a:rPr lang="fr-FR" dirty="0" smtClean="0"/>
+              <a:t> </a:t>
+            </a:r>
+            <a:r>
+              <a:rPr lang="fr-FR" dirty="0" err="1" smtClean="0"/>
+              <a:t>resource</a:t>
+            </a:r>
+            <a:r>
+              <a:rPr lang="fr-FR" dirty="0" smtClean="0"/>
+              <a:t> identification</a:t>
+            </a:r>
+          </a:p>
+          <a:p>
+            <a:pPr marL="0" indent="0">
+              <a:buNone/>
+            </a:pPr>
+            <a:endParaRPr lang="fr-FR" dirty="0" smtClean="0"/>
+          </a:p>
+          <a:p>
+            <a:r>
+              <a:rPr lang="fr-FR" dirty="0" smtClean="0"/>
+              <a:t>For exemple </a:t>
+            </a:r>
+            <a:r>
+              <a:rPr lang="fr-FR" dirty="0" smtClean="0">
+                <a:hlinkClick r:id="rId2"/>
+              </a:rPr>
+              <a:t>http://myhostname/api/todos/23</a:t>
+            </a:r>
+            <a:endParaRPr lang="fr-FR" dirty="0" smtClean="0"/>
           </a:p>
         </p:txBody>
       </p:sp>
@@ -13680,45 +10898,43 @@
             <p:ph type="title"/>
           </p:nvPr>
         </p:nvSpPr>
-        <p:spPr bwMode="gray">
-          <a:xfrm>
-            <a:off x="544439" y="260648"/>
-            <a:ext cx="8045374" cy="332546"/>
-          </a:xfrm>
-        </p:spPr>
+        <p:spPr/>
         <p:txBody>
           <a:bodyPr/>
           <a:lstStyle/>
           <a:p>
             <a:r>
-              <a:rPr lang="fr-FR" cap="none" dirty="0"/>
-              <a:t>$http callbacks </a:t>
-            </a:r>
-            <a:r>
-              <a:rPr lang="fr-FR" cap="none" dirty="0" err="1"/>
-              <a:t>with</a:t>
-            </a:r>
-            <a:r>
-              <a:rPr lang="fr-FR" cap="none" dirty="0"/>
-              <a:t> the   "</a:t>
-            </a:r>
-            <a:r>
-              <a:rPr lang="fr-FR" cap="none" dirty="0" err="1"/>
-              <a:t>then</a:t>
-            </a:r>
-            <a:r>
-              <a:rPr lang="fr-FR" cap="none" dirty="0"/>
-              <a:t>" style </a:t>
-            </a:r>
-            <a:r>
-              <a:rPr lang="fr-FR" cap="none" dirty="0" err="1"/>
+              <a:rPr lang="fr-FR" dirty="0" err="1" smtClean="0"/>
+              <a:t>Shortcut</a:t>
+            </a:r>
+            <a:r>
+              <a:rPr lang="fr-FR" dirty="0" smtClean="0"/>
+              <a:t> </a:t>
+            </a:r>
+            <a:r>
+              <a:rPr lang="fr-FR" dirty="0" err="1" smtClean="0"/>
               <a:t>syntax</a:t>
             </a:r>
-            <a:r>
-              <a:rPr lang="fr-FR" cap="none" dirty="0"/>
-              <a:t>  (Promise Style)</a:t>
-            </a:r>
-            <a:endParaRPr lang="en-GB" cap="none" dirty="0"/>
+            <a:endParaRPr lang="fr-FR" dirty="0"/>
+          </a:p>
+        </p:txBody>
+      </p:sp>
+      <p:sp>
+        <p:nvSpPr>
+          <p:cNvPr id="4" name="Espace réservé du pied de page 3"/>
+          <p:cNvSpPr>
+            <a:spLocks noGrp="1"/>
+          </p:cNvSpPr>
+          <p:nvPr>
+            <p:ph type="ftr" sz="quarter" idx="11"/>
+          </p:nvPr>
+        </p:nvSpPr>
+        <p:spPr/>
+        <p:txBody>
+          <a:bodyPr/>
+          <a:lstStyle/>
+          <a:p>
+            <a:endParaRPr lang="fr-FR" dirty="0"/>
           </a:p>
         </p:txBody>
       </p:sp>
@@ -13732,7 +10948,7 @@
             <p:ph type="sldNum" sz="quarter" idx="12"/>
           </p:nvPr>
         </p:nvSpPr>
-        <p:spPr bwMode="gray"/>
+        <p:spPr/>
         <p:txBody>
           <a:bodyPr/>
           <a:lstStyle/>
@@ -13748,7 +10964,7 @@
       </p:sp>
       <p:sp>
         <p:nvSpPr>
-          <p:cNvPr id="10" name="Espace réservé du texte 9"/>
+          <p:cNvPr id="6" name="Espace réservé du texte 5"/>
           <p:cNvSpPr>
             <a:spLocks noGrp="1"/>
           </p:cNvSpPr>
@@ -13756,924 +10972,19 @@
             <p:ph type="body" sz="quarter" idx="13"/>
           </p:nvPr>
         </p:nvSpPr>
-        <p:spPr bwMode="gray"/>
+        <p:spPr/>
         <p:txBody>
           <a:bodyPr/>
           <a:lstStyle/>
           <a:p>
-            <a:r>
-              <a:rPr lang="en-GB" cap="none" dirty="0"/>
-              <a:t>Almost a Promise but not quite !</a:t>
-            </a:r>
-          </a:p>
-        </p:txBody>
-      </p:sp>
-      <p:sp>
-        <p:nvSpPr>
-          <p:cNvPr id="6" name="Espace réservé du pied de page 5"/>
-          <p:cNvSpPr>
-            <a:spLocks noGrp="1"/>
-          </p:cNvSpPr>
-          <p:nvPr>
-            <p:ph type="ftr" sz="quarter" idx="11"/>
-          </p:nvPr>
-        </p:nvSpPr>
-        <p:spPr/>
-        <p:txBody>
-          <a:bodyPr/>
-          <a:lstStyle/>
-          <a:p>
-            <a:r>
-              <a:rPr lang="fr-FR"/>
-              <a:t>Nom de la présentation</a:t>
-            </a:r>
-            <a:endParaRPr lang="fr-FR" dirty="0"/>
-          </a:p>
-        </p:txBody>
-      </p:sp>
-      <p:pic>
-        <p:nvPicPr>
-          <p:cNvPr id="3074" name="Picture 2"/>
-          <p:cNvPicPr>
-            <a:picLocks noChangeAspect="1" noChangeArrowheads="1"/>
-          </p:cNvPicPr>
-          <p:nvPr/>
-        </p:nvPicPr>
-        <p:blipFill>
-          <a:blip r:embed="rId3"/>
-          <a:srcRect/>
-          <a:stretch>
-            <a:fillRect/>
-          </a:stretch>
-        </p:blipFill>
-        <p:spPr bwMode="auto">
-          <a:xfrm>
-            <a:off x="1638300" y="3852863"/>
-            <a:ext cx="5410200" cy="1362075"/>
-          </a:xfrm>
-          <a:prstGeom prst="rect">
-            <a:avLst/>
-          </a:prstGeom>
-          <a:noFill/>
-          <a:ln w="9525">
-            <a:noFill/>
-            <a:miter lim="800000"/>
-            <a:headEnd/>
-            <a:tailEnd/>
-          </a:ln>
-        </p:spPr>
-      </p:pic>
-      <p:pic>
-        <p:nvPicPr>
-          <p:cNvPr id="3075" name="Picture 3"/>
-          <p:cNvPicPr>
-            <a:picLocks noChangeAspect="1" noChangeArrowheads="1"/>
-          </p:cNvPicPr>
-          <p:nvPr/>
-        </p:nvPicPr>
-        <p:blipFill>
-          <a:blip r:embed="rId4"/>
-          <a:srcRect/>
-          <a:stretch>
-            <a:fillRect/>
-          </a:stretch>
-        </p:blipFill>
-        <p:spPr bwMode="auto">
-          <a:xfrm>
-            <a:off x="1366838" y="5472113"/>
-            <a:ext cx="6296025" cy="1133475"/>
-          </a:xfrm>
-          <a:prstGeom prst="rect">
-            <a:avLst/>
-          </a:prstGeom>
-          <a:noFill/>
-          <a:ln w="9525">
-            <a:noFill/>
-            <a:miter lim="800000"/>
-            <a:headEnd/>
-            <a:tailEnd/>
-          </a:ln>
-        </p:spPr>
-      </p:pic>
-      <p:pic>
-        <p:nvPicPr>
-          <p:cNvPr id="3077" name="Picture 5"/>
-          <p:cNvPicPr>
-            <a:picLocks noChangeAspect="1" noChangeArrowheads="1"/>
-          </p:cNvPicPr>
-          <p:nvPr/>
-        </p:nvPicPr>
-        <p:blipFill>
-          <a:blip r:embed="rId5"/>
-          <a:srcRect/>
-          <a:stretch>
-            <a:fillRect/>
-          </a:stretch>
-        </p:blipFill>
-        <p:spPr bwMode="auto">
-          <a:xfrm>
-            <a:off x="1147763" y="1071563"/>
-            <a:ext cx="6810375" cy="2600325"/>
-          </a:xfrm>
-          <a:prstGeom prst="rect">
-            <a:avLst/>
-          </a:prstGeom>
-          <a:noFill/>
-          <a:ln w="9525">
-            <a:solidFill>
-              <a:schemeClr val="tx1"/>
-            </a:solidFill>
-            <a:miter lim="800000"/>
-            <a:headEnd/>
-            <a:tailEnd/>
-          </a:ln>
-        </p:spPr>
-      </p:pic>
-      <p:sp>
-        <p:nvSpPr>
-          <p:cNvPr id="11" name="Rectangle à coins arrondis 10"/>
-          <p:cNvSpPr/>
-          <p:nvPr/>
-        </p:nvSpPr>
-        <p:spPr>
-          <a:xfrm>
-            <a:off x="2781301" y="2419350"/>
-            <a:ext cx="1457324" cy="276225"/>
-          </a:xfrm>
-          <a:prstGeom prst="roundRect">
-            <a:avLst/>
-          </a:prstGeom>
-          <a:noFill/>
-          <a:ln w="19050">
-            <a:solidFill>
-              <a:srgbClr val="FF0000"/>
-            </a:solidFill>
-          </a:ln>
-        </p:spPr>
-        <p:style>
-          <a:lnRef idx="2">
-            <a:schemeClr val="accent1">
-              <a:shade val="50000"/>
-            </a:schemeClr>
-          </a:lnRef>
-          <a:fillRef idx="1">
-            <a:schemeClr val="accent1"/>
-          </a:fillRef>
-          <a:effectRef idx="0">
-            <a:schemeClr val="accent1"/>
-          </a:effectRef>
-          <a:fontRef idx="minor">
-            <a:schemeClr val="lt1"/>
-          </a:fontRef>
-        </p:style>
-        <p:txBody>
-          <a:bodyPr rtlCol="0" anchor="ctr"/>
-          <a:lstStyle/>
-          <a:p>
-            <a:pPr algn="ctr"/>
-            <a:endParaRPr lang="fr-FR" dirty="0"/>
-          </a:p>
-        </p:txBody>
-      </p:sp>
-      <p:sp>
-        <p:nvSpPr>
-          <p:cNvPr id="12" name="Rectangle à coins arrondis 11"/>
-          <p:cNvSpPr/>
-          <p:nvPr/>
-        </p:nvSpPr>
-        <p:spPr>
-          <a:xfrm>
-            <a:off x="1885950" y="4495800"/>
-            <a:ext cx="1162049" cy="142875"/>
-          </a:xfrm>
-          <a:prstGeom prst="roundRect">
-            <a:avLst/>
-          </a:prstGeom>
-          <a:noFill/>
-          <a:ln>
-            <a:solidFill>
-              <a:srgbClr val="FF0000"/>
-            </a:solidFill>
-          </a:ln>
-        </p:spPr>
-        <p:style>
-          <a:lnRef idx="2">
-            <a:schemeClr val="accent1">
-              <a:shade val="50000"/>
-            </a:schemeClr>
-          </a:lnRef>
-          <a:fillRef idx="1">
-            <a:schemeClr val="accent1"/>
-          </a:fillRef>
-          <a:effectRef idx="0">
-            <a:schemeClr val="accent1"/>
-          </a:effectRef>
-          <a:fontRef idx="minor">
-            <a:schemeClr val="lt1"/>
-          </a:fontRef>
-        </p:style>
-        <p:txBody>
-          <a:bodyPr rtlCol="0" anchor="ctr"/>
-          <a:lstStyle/>
-          <a:p>
-            <a:pPr algn="ctr"/>
-            <a:endParaRPr lang="fr-FR" dirty="0"/>
-          </a:p>
-        </p:txBody>
-      </p:sp>
-      <p:sp>
-        <p:nvSpPr>
-          <p:cNvPr id="13" name="Rectangle à coins arrondis 12"/>
-          <p:cNvSpPr/>
-          <p:nvPr/>
-        </p:nvSpPr>
-        <p:spPr>
-          <a:xfrm>
-            <a:off x="1743075" y="1371600"/>
-            <a:ext cx="5810249" cy="276225"/>
-          </a:xfrm>
-          <a:prstGeom prst="roundRect">
-            <a:avLst/>
-          </a:prstGeom>
-          <a:noFill/>
-          <a:ln w="19050">
-            <a:solidFill>
-              <a:srgbClr val="FF0000"/>
-            </a:solidFill>
-          </a:ln>
-        </p:spPr>
-        <p:style>
-          <a:lnRef idx="2">
-            <a:schemeClr val="accent1">
-              <a:shade val="50000"/>
-            </a:schemeClr>
-          </a:lnRef>
-          <a:fillRef idx="1">
-            <a:schemeClr val="accent1"/>
-          </a:fillRef>
-          <a:effectRef idx="0">
-            <a:schemeClr val="accent1"/>
-          </a:effectRef>
-          <a:fontRef idx="minor">
-            <a:schemeClr val="lt1"/>
-          </a:fontRef>
-        </p:style>
-        <p:txBody>
-          <a:bodyPr rtlCol="0" anchor="ctr"/>
-          <a:lstStyle/>
-          <a:p>
-            <a:pPr algn="ctr"/>
-            <a:endParaRPr lang="fr-FR" dirty="0"/>
+            <a:endParaRPr lang="fr-FR"/>
           </a:p>
         </p:txBody>
       </p:sp>
     </p:spTree>
     <p:extLst>
       <p:ext uri="{BB962C8B-B14F-4D97-AF65-F5344CB8AC3E}">
-        <p14:creationId xmlns:p14="http://schemas.microsoft.com/office/powerpoint/2010/main" val="2526031973"/>
-      </p:ext>
-    </p:extLst>
-  </p:cSld>
-  <p:clrMapOvr>
-    <a:masterClrMapping/>
-  </p:clrMapOvr>
-</p:sld>
-</file>
-
-<file path=ppt/slides/slide8.xml><?xml version="1.0" encoding="utf-8"?>
-<p:sld xmlns:a="http://schemas.openxmlformats.org/drawingml/2006/main" xmlns:r="http://schemas.openxmlformats.org/officeDocument/2006/relationships" xmlns:p="http://schemas.openxmlformats.org/presentationml/2006/main">
-  <p:cSld>
-    <p:spTree>
-      <p:nvGrpSpPr>
-        <p:cNvPr id="1" name=""/>
-        <p:cNvGrpSpPr/>
-        <p:nvPr/>
-      </p:nvGrpSpPr>
-      <p:grpSpPr>
-        <a:xfrm>
-          <a:off x="0" y="0"/>
-          <a:ext cx="0" cy="0"/>
-          <a:chOff x="0" y="0"/>
-          <a:chExt cx="0" cy="0"/>
-        </a:xfrm>
-      </p:grpSpPr>
-      <p:sp>
-        <p:nvSpPr>
-          <p:cNvPr id="2" name="Espace réservé du contenu 1"/>
-          <p:cNvSpPr>
-            <a:spLocks noGrp="1"/>
-          </p:cNvSpPr>
-          <p:nvPr>
-            <p:ph idx="1"/>
-          </p:nvPr>
-        </p:nvSpPr>
-        <p:spPr bwMode="gray">
-          <a:xfrm>
-            <a:off x="354013" y="4295775"/>
-            <a:ext cx="8088511" cy="536574"/>
-          </a:xfrm>
-        </p:spPr>
-        <p:txBody>
-          <a:bodyPr/>
-          <a:lstStyle/>
-          <a:p>
-            <a:pPr lvl="1">
-              <a:buFont typeface="Arial" pitchFamily="34" charset="0"/>
-              <a:buChar char="•"/>
-            </a:pPr>
-            <a:r>
-              <a:rPr lang="en-US" dirty="0" err="1"/>
-              <a:t>params</a:t>
-            </a:r>
-            <a:r>
-              <a:rPr lang="en-US" dirty="0"/>
-              <a:t> for callback functions in success() and error()</a:t>
-            </a:r>
-          </a:p>
-        </p:txBody>
-      </p:sp>
-      <p:sp>
-        <p:nvSpPr>
-          <p:cNvPr id="3" name="Titre 2"/>
-          <p:cNvSpPr>
-            <a:spLocks noGrp="1"/>
-          </p:cNvSpPr>
-          <p:nvPr>
-            <p:ph type="title"/>
-          </p:nvPr>
-        </p:nvSpPr>
-        <p:spPr bwMode="gray">
-          <a:xfrm>
-            <a:off x="544439" y="260648"/>
-            <a:ext cx="8045374" cy="332546"/>
-          </a:xfrm>
-        </p:spPr>
-        <p:txBody>
-          <a:bodyPr/>
-          <a:lstStyle/>
-          <a:p>
-            <a:r>
-              <a:rPr lang="en-GB" cap="none" dirty="0"/>
-              <a:t>$http </a:t>
-            </a:r>
-            <a:r>
-              <a:rPr lang="en-GB" cap="none" dirty="0" err="1"/>
-              <a:t>callbacks</a:t>
-            </a:r>
-            <a:r>
-              <a:rPr lang="en-GB" cap="none" dirty="0"/>
-              <a:t>    "</a:t>
-            </a:r>
-            <a:r>
-              <a:rPr lang="en-GB" cap="none" dirty="0" err="1"/>
-              <a:t>jquery</a:t>
-            </a:r>
-            <a:r>
-              <a:rPr lang="en-GB" cap="none" dirty="0"/>
-              <a:t>" style</a:t>
-            </a:r>
-          </a:p>
-        </p:txBody>
-      </p:sp>
-      <p:sp>
-        <p:nvSpPr>
-          <p:cNvPr id="5" name="Espace réservé du numéro de diapositive 4"/>
-          <p:cNvSpPr>
-            <a:spLocks noGrp="1"/>
-          </p:cNvSpPr>
-          <p:nvPr>
-            <p:ph type="sldNum" sz="quarter" idx="12"/>
-          </p:nvPr>
-        </p:nvSpPr>
-        <p:spPr bwMode="gray"/>
-        <p:txBody>
-          <a:bodyPr/>
-          <a:lstStyle/>
-          <a:p>
-            <a:fld id="{AF43E6FD-AB27-4108-A2FC-346BB5F75E3F}" type="slidenum">
-              <a:rPr lang="fr-FR" smtClean="0"/>
-              <a:pPr/>
-              <a:t>8</a:t>
-            </a:fld>
-            <a:endParaRPr lang="fr-FR" dirty="0"/>
-          </a:p>
-        </p:txBody>
-      </p:sp>
-      <p:sp>
-        <p:nvSpPr>
-          <p:cNvPr id="10" name="Espace réservé du texte 9"/>
-          <p:cNvSpPr>
-            <a:spLocks noGrp="1"/>
-          </p:cNvSpPr>
-          <p:nvPr>
-            <p:ph type="body" sz="quarter" idx="13"/>
-          </p:nvPr>
-        </p:nvSpPr>
-        <p:spPr bwMode="gray"/>
-        <p:txBody>
-          <a:bodyPr/>
-          <a:lstStyle/>
-          <a:p>
-            <a:r>
-              <a:rPr lang="en-GB" cap="none" dirty="0"/>
-              <a:t>If you choose "</a:t>
-            </a:r>
-            <a:r>
-              <a:rPr lang="en-GB" cap="none" dirty="0" err="1"/>
-              <a:t>jquery</a:t>
-            </a:r>
-            <a:r>
-              <a:rPr lang="en-GB" cap="none" dirty="0"/>
-              <a:t>" style syntax : success()  and error()  </a:t>
-            </a:r>
-            <a:r>
-              <a:rPr lang="en-GB" cap="none" dirty="0" err="1"/>
-              <a:t>callbacks</a:t>
-            </a:r>
-            <a:endParaRPr lang="en-GB" cap="none" dirty="0"/>
-          </a:p>
-        </p:txBody>
-      </p:sp>
-      <p:sp>
-        <p:nvSpPr>
-          <p:cNvPr id="6" name="Espace réservé du pied de page 5"/>
-          <p:cNvSpPr>
-            <a:spLocks noGrp="1"/>
-          </p:cNvSpPr>
-          <p:nvPr>
-            <p:ph type="ftr" sz="quarter" idx="11"/>
-          </p:nvPr>
-        </p:nvSpPr>
-        <p:spPr/>
-        <p:txBody>
-          <a:bodyPr/>
-          <a:lstStyle/>
-          <a:p>
-            <a:r>
-              <a:rPr lang="fr-FR"/>
-              <a:t>Nom de la présentation</a:t>
-            </a:r>
-            <a:endParaRPr lang="fr-FR" dirty="0"/>
-          </a:p>
-        </p:txBody>
-      </p:sp>
-      <p:pic>
-        <p:nvPicPr>
-          <p:cNvPr id="4098" name="Picture 2"/>
-          <p:cNvPicPr>
-            <a:picLocks noChangeAspect="1" noChangeArrowheads="1"/>
-          </p:cNvPicPr>
-          <p:nvPr/>
-        </p:nvPicPr>
-        <p:blipFill>
-          <a:blip r:embed="rId3"/>
-          <a:srcRect/>
-          <a:stretch>
-            <a:fillRect/>
-          </a:stretch>
-        </p:blipFill>
-        <p:spPr bwMode="auto">
-          <a:xfrm>
-            <a:off x="2343150" y="1776413"/>
-            <a:ext cx="4286250" cy="2066925"/>
-          </a:xfrm>
-          <a:prstGeom prst="rect">
-            <a:avLst/>
-          </a:prstGeom>
-          <a:noFill/>
-          <a:ln w="9525">
-            <a:noFill/>
-            <a:miter lim="800000"/>
-            <a:headEnd/>
-            <a:tailEnd/>
-          </a:ln>
-        </p:spPr>
-      </p:pic>
-      <p:pic>
-        <p:nvPicPr>
-          <p:cNvPr id="11" name="Picture 3"/>
-          <p:cNvPicPr>
-            <a:picLocks noChangeAspect="1" noChangeArrowheads="1"/>
-          </p:cNvPicPr>
-          <p:nvPr/>
-        </p:nvPicPr>
-        <p:blipFill>
-          <a:blip r:embed="rId4"/>
-          <a:srcRect/>
-          <a:stretch>
-            <a:fillRect/>
-          </a:stretch>
-        </p:blipFill>
-        <p:spPr bwMode="auto">
-          <a:xfrm>
-            <a:off x="204788" y="4748213"/>
-            <a:ext cx="6296025" cy="1133475"/>
-          </a:xfrm>
-          <a:prstGeom prst="rect">
-            <a:avLst/>
-          </a:prstGeom>
-          <a:noFill/>
-          <a:ln w="9525">
-            <a:noFill/>
-            <a:miter lim="800000"/>
-            <a:headEnd/>
-            <a:tailEnd/>
-          </a:ln>
-        </p:spPr>
-      </p:pic>
-      <p:cxnSp>
-        <p:nvCxnSpPr>
-          <p:cNvPr id="13" name="Connecteur droit 12"/>
-          <p:cNvCxnSpPr/>
-          <p:nvPr/>
-        </p:nvCxnSpPr>
-        <p:spPr>
-          <a:xfrm>
-            <a:off x="438150" y="5676900"/>
-            <a:ext cx="4305300" cy="9525"/>
-          </a:xfrm>
-          <a:prstGeom prst="line">
-            <a:avLst/>
-          </a:prstGeom>
-          <a:ln w="19050">
-            <a:solidFill>
-              <a:srgbClr val="CF022B"/>
-            </a:solidFill>
-          </a:ln>
-        </p:spPr>
-        <p:style>
-          <a:lnRef idx="1">
-            <a:schemeClr val="accent1"/>
-          </a:lnRef>
-          <a:fillRef idx="0">
-            <a:schemeClr val="accent1"/>
-          </a:fillRef>
-          <a:effectRef idx="0">
-            <a:schemeClr val="accent1"/>
-          </a:effectRef>
-          <a:fontRef idx="minor">
-            <a:schemeClr val="tx1"/>
-          </a:fontRef>
-        </p:style>
-      </p:cxnSp>
-      <p:sp>
-        <p:nvSpPr>
-          <p:cNvPr id="14" name="Rectangle à coins arrondis 13"/>
-          <p:cNvSpPr/>
-          <p:nvPr/>
-        </p:nvSpPr>
-        <p:spPr>
-          <a:xfrm>
-            <a:off x="2514600" y="2209800"/>
-            <a:ext cx="600075" cy="228600"/>
-          </a:xfrm>
-          <a:prstGeom prst="roundRect">
-            <a:avLst/>
-          </a:prstGeom>
-          <a:solidFill>
-            <a:srgbClr val="2DAA64">
-              <a:alpha val="23000"/>
-            </a:srgbClr>
-          </a:solidFill>
-          <a:ln>
-            <a:noFill/>
-          </a:ln>
-        </p:spPr>
-        <p:style>
-          <a:lnRef idx="2">
-            <a:schemeClr val="accent1">
-              <a:shade val="50000"/>
-            </a:schemeClr>
-          </a:lnRef>
-          <a:fillRef idx="1">
-            <a:schemeClr val="accent1"/>
-          </a:fillRef>
-          <a:effectRef idx="0">
-            <a:schemeClr val="accent1"/>
-          </a:effectRef>
-          <a:fontRef idx="minor">
-            <a:schemeClr val="lt1"/>
-          </a:fontRef>
-        </p:style>
-        <p:txBody>
-          <a:bodyPr rtlCol="0" anchor="ctr"/>
-          <a:lstStyle/>
-          <a:p>
-            <a:pPr algn="ctr"/>
-            <a:endParaRPr lang="fr-FR" dirty="0"/>
-          </a:p>
-        </p:txBody>
-      </p:sp>
-      <p:sp>
-        <p:nvSpPr>
-          <p:cNvPr id="15" name="Rectangle à coins arrondis 14"/>
-          <p:cNvSpPr/>
-          <p:nvPr/>
-        </p:nvSpPr>
-        <p:spPr>
-          <a:xfrm>
-            <a:off x="2438400" y="2981325"/>
-            <a:ext cx="600075" cy="228600"/>
-          </a:xfrm>
-          <a:prstGeom prst="roundRect">
-            <a:avLst/>
-          </a:prstGeom>
-          <a:solidFill>
-            <a:srgbClr val="2DAA64">
-              <a:alpha val="23000"/>
-            </a:srgbClr>
-          </a:solidFill>
-          <a:ln>
-            <a:noFill/>
-          </a:ln>
-        </p:spPr>
-        <p:style>
-          <a:lnRef idx="2">
-            <a:schemeClr val="accent1">
-              <a:shade val="50000"/>
-            </a:schemeClr>
-          </a:lnRef>
-          <a:fillRef idx="1">
-            <a:schemeClr val="accent1"/>
-          </a:fillRef>
-          <a:effectRef idx="0">
-            <a:schemeClr val="accent1"/>
-          </a:effectRef>
-          <a:fontRef idx="minor">
-            <a:schemeClr val="lt1"/>
-          </a:fontRef>
-        </p:style>
-        <p:txBody>
-          <a:bodyPr rtlCol="0" anchor="ctr"/>
-          <a:lstStyle/>
-          <a:p>
-            <a:pPr algn="ctr"/>
-            <a:endParaRPr lang="fr-FR" dirty="0"/>
-          </a:p>
-        </p:txBody>
-      </p:sp>
-      <p:pic>
-        <p:nvPicPr>
-          <p:cNvPr id="16" name="Image 15" descr="deprecated.png"/>
-          <p:cNvPicPr>
-            <a:picLocks noChangeAspect="1"/>
-          </p:cNvPicPr>
-          <p:nvPr/>
-        </p:nvPicPr>
-        <p:blipFill>
-          <a:blip r:embed="rId5"/>
-          <a:stretch>
-            <a:fillRect/>
-          </a:stretch>
-        </p:blipFill>
-        <p:spPr>
-          <a:xfrm>
-            <a:off x="4928928" y="2729064"/>
-            <a:ext cx="3767397" cy="1427844"/>
-          </a:xfrm>
-          <a:prstGeom prst="rect">
-            <a:avLst/>
-          </a:prstGeom>
-        </p:spPr>
-      </p:pic>
-      <p:sp>
-        <p:nvSpPr>
-          <p:cNvPr id="17" name="ZoneTexte 16"/>
-          <p:cNvSpPr txBox="1"/>
-          <p:nvPr/>
-        </p:nvSpPr>
-        <p:spPr>
-          <a:xfrm>
-            <a:off x="4943475" y="5572125"/>
-            <a:ext cx="3578865" cy="276999"/>
-          </a:xfrm>
-          <a:prstGeom prst="rect">
-            <a:avLst/>
-          </a:prstGeom>
-          <a:noFill/>
-        </p:spPr>
-        <p:txBody>
-          <a:bodyPr wrap="none" rtlCol="0">
-            <a:spAutoFit/>
-          </a:bodyPr>
-          <a:lstStyle/>
-          <a:p>
-            <a:pPr marL="0" lvl="1"/>
-            <a:r>
-              <a:rPr lang="en-US" sz="1200" dirty="0"/>
-              <a:t>the status </a:t>
-            </a:r>
-            <a:r>
-              <a:rPr lang="en-US" sz="1200" dirty="0" err="1"/>
-              <a:t>param</a:t>
-            </a:r>
-            <a:r>
-              <a:rPr lang="en-US" sz="1200" dirty="0"/>
-              <a:t> is NOT available as a function </a:t>
-            </a:r>
-            <a:r>
-              <a:rPr lang="en-US" sz="1200" dirty="0" err="1"/>
-              <a:t>param</a:t>
-            </a:r>
-            <a:r>
-              <a:rPr lang="en-US" sz="1200" dirty="0"/>
-              <a:t>)</a:t>
-            </a:r>
-          </a:p>
-        </p:txBody>
-      </p:sp>
-    </p:spTree>
-    <p:extLst>
-      <p:ext uri="{BB962C8B-B14F-4D97-AF65-F5344CB8AC3E}">
-        <p14:creationId xmlns:p14="http://schemas.microsoft.com/office/powerpoint/2010/main" val="2526031973"/>
-      </p:ext>
-    </p:extLst>
-  </p:cSld>
-  <p:clrMapOvr>
-    <a:masterClrMapping/>
-  </p:clrMapOvr>
-</p:sld>
-</file>
-
-<file path=ppt/slides/slide9.xml><?xml version="1.0" encoding="utf-8"?>
-<p:sld xmlns:a="http://schemas.openxmlformats.org/drawingml/2006/main" xmlns:r="http://schemas.openxmlformats.org/officeDocument/2006/relationships" xmlns:p="http://schemas.openxmlformats.org/presentationml/2006/main">
-  <p:cSld>
-    <p:spTree>
-      <p:nvGrpSpPr>
-        <p:cNvPr id="1" name=""/>
-        <p:cNvGrpSpPr/>
-        <p:nvPr/>
-      </p:nvGrpSpPr>
-      <p:grpSpPr>
-        <a:xfrm>
-          <a:off x="0" y="0"/>
-          <a:ext cx="0" cy="0"/>
-          <a:chOff x="0" y="0"/>
-          <a:chExt cx="0" cy="0"/>
-        </a:xfrm>
-      </p:grpSpPr>
-      <p:sp>
-        <p:nvSpPr>
-          <p:cNvPr id="4" name="Espace réservé du numéro de diapositive 3"/>
-          <p:cNvSpPr>
-            <a:spLocks noGrp="1"/>
-          </p:cNvSpPr>
-          <p:nvPr>
-            <p:ph type="sldNum" sz="quarter" idx="14"/>
-          </p:nvPr>
-        </p:nvSpPr>
-        <p:spPr/>
-        <p:txBody>
-          <a:bodyPr/>
-          <a:lstStyle/>
-          <a:p>
-            <a:fld id="{AF43E6FD-AB27-4108-A2FC-346BB5F75E3F}" type="slidenum">
-              <a:rPr lang="fr-FR" smtClean="0"/>
-              <a:pPr/>
-              <a:t>9</a:t>
-            </a:fld>
-            <a:endParaRPr lang="fr-FR" dirty="0"/>
-          </a:p>
-        </p:txBody>
-      </p:sp>
-      <p:sp>
-        <p:nvSpPr>
-          <p:cNvPr id="5" name="Titre 4"/>
-          <p:cNvSpPr>
-            <a:spLocks noGrp="1"/>
-          </p:cNvSpPr>
-          <p:nvPr>
-            <p:ph type="ctrTitle"/>
-          </p:nvPr>
-        </p:nvSpPr>
-        <p:spPr>
-          <a:xfrm>
-            <a:off x="350004" y="3945427"/>
-            <a:ext cx="6451431" cy="424711"/>
-          </a:xfrm>
-        </p:spPr>
-        <p:txBody>
-          <a:bodyPr/>
-          <a:lstStyle/>
-          <a:p>
-            <a:r>
-              <a:rPr lang="fr-FR" cap="none" dirty="0"/>
-              <a:t>$http and  </a:t>
-            </a:r>
-            <a:r>
-              <a:rPr lang="fr-FR" cap="none" dirty="0" err="1"/>
-              <a:t>its</a:t>
-            </a:r>
-            <a:r>
-              <a:rPr lang="fr-FR" cap="none" dirty="0"/>
-              <a:t> (</a:t>
-            </a:r>
-            <a:r>
-              <a:rPr lang="fr-FR" cap="none" dirty="0" err="1"/>
-              <a:t>almost</a:t>
-            </a:r>
-            <a:r>
-              <a:rPr lang="fr-FR" cap="none" dirty="0"/>
-              <a:t> </a:t>
-            </a:r>
-            <a:r>
-              <a:rPr lang="fr-FR" cap="none" dirty="0" err="1"/>
-              <a:t>regular</a:t>
-            </a:r>
-            <a:r>
-              <a:rPr lang="fr-FR" cap="none" dirty="0"/>
-              <a:t>) promises</a:t>
-            </a:r>
-          </a:p>
-        </p:txBody>
-      </p:sp>
-      <p:pic>
-        <p:nvPicPr>
-          <p:cNvPr id="9" name="Espace réservé pour une image  8"/>
-          <p:cNvPicPr>
-            <a:picLocks noGrp="1" noChangeAspect="1"/>
-          </p:cNvPicPr>
-          <p:nvPr>
-            <p:ph type="pic" sz="quarter" idx="15"/>
-          </p:nvPr>
-        </p:nvPicPr>
-        <p:blipFill rotWithShape="1">
-          <a:blip r:embed="rId2" cstate="print">
-            <a:extLst>
-              <a:ext uri="{28A0092B-C50C-407E-A947-70E740481C1C}">
-                <a14:useLocalDpi xmlns:a14="http://schemas.microsoft.com/office/drawing/2010/main"/>
-              </a:ext>
-            </a:extLst>
-          </a:blip>
-          <a:srcRect/>
-          <a:stretch/>
-        </p:blipFill>
-        <p:spPr>
-          <a:xfrm>
-            <a:off x="-5576" y="-2539"/>
-            <a:ext cx="9155154" cy="3431539"/>
-          </a:xfrm>
-        </p:spPr>
-      </p:pic>
-      <p:sp>
-        <p:nvSpPr>
-          <p:cNvPr id="2" name="Espace réservé du pied de page 1"/>
-          <p:cNvSpPr>
-            <a:spLocks noGrp="1"/>
-          </p:cNvSpPr>
-          <p:nvPr>
-            <p:ph type="ftr" sz="quarter" idx="13"/>
-          </p:nvPr>
-        </p:nvSpPr>
-        <p:spPr/>
-        <p:txBody>
-          <a:bodyPr/>
-          <a:lstStyle/>
-          <a:p>
-            <a:r>
-              <a:rPr lang="fr-FR"/>
-              <a:t>Nom de la présentation</a:t>
-            </a:r>
-            <a:endParaRPr lang="fr-FR" dirty="0"/>
-          </a:p>
-        </p:txBody>
-      </p:sp>
-      <p:pic>
-        <p:nvPicPr>
-          <p:cNvPr id="1026" name="Picture 2"/>
-          <p:cNvPicPr>
-            <a:picLocks noChangeAspect="1" noChangeArrowheads="1"/>
-          </p:cNvPicPr>
-          <p:nvPr/>
-        </p:nvPicPr>
-        <p:blipFill>
-          <a:blip r:embed="rId3"/>
-          <a:srcRect/>
-          <a:stretch>
-            <a:fillRect/>
-          </a:stretch>
-        </p:blipFill>
-        <p:spPr bwMode="auto">
-          <a:xfrm>
-            <a:off x="6098722" y="4547569"/>
-            <a:ext cx="2590800" cy="1438275"/>
-          </a:xfrm>
-          <a:prstGeom prst="rect">
-            <a:avLst/>
-          </a:prstGeom>
-          <a:noFill/>
-          <a:ln w="9525">
-            <a:noFill/>
-            <a:miter lim="800000"/>
-            <a:headEnd/>
-            <a:tailEnd/>
-          </a:ln>
-        </p:spPr>
-      </p:pic>
-    </p:spTree>
-    <p:extLst>
-      <p:ext uri="{BB962C8B-B14F-4D97-AF65-F5344CB8AC3E}">
-        <p14:creationId xmlns:p14="http://schemas.microsoft.com/office/powerpoint/2010/main" val="1806273576"/>
+        <p14:creationId xmlns:p14="http://schemas.microsoft.com/office/powerpoint/2010/main" val="1580073886"/>
       </p:ext>
     </p:extLst>
   </p:cSld>
